--- a/report_19.12/21930_Сыренный.pptx
+++ b/report_19.12/21930_Сыренный.pptx
@@ -5136,7 +5136,7 @@
         </p:nvSpPr>
         <p:spPr>
           <a:xfrm>
-            <a:off x="2248292" y="2038546"/>
+            <a:off x="2248292" y="2049835"/>
             <a:ext cx="7695415" cy="2780907"/>
           </a:xfrm>
           <a:prstGeom prst="rect">

--- a/report_19.12/21930_Сыренный.pptx
+++ b/report_19.12/21930_Сыренный.pptx
@@ -5,26 +5,23 @@
     <p:sldMasterId id="2147483648" r:id="rId1"/>
   </p:sldMasterIdLst>
   <p:notesMasterIdLst>
-    <p:notesMasterId r:id="rId16"/>
+    <p:notesMasterId r:id="rId13"/>
   </p:notesMasterIdLst>
   <p:handoutMasterIdLst>
-    <p:handoutMasterId r:id="rId17"/>
+    <p:handoutMasterId r:id="rId14"/>
   </p:handoutMasterIdLst>
   <p:sldIdLst>
     <p:sldId id="258" r:id="rId2"/>
     <p:sldId id="283" r:id="rId3"/>
     <p:sldId id="288" r:id="rId4"/>
     <p:sldId id="292" r:id="rId5"/>
-    <p:sldId id="295" r:id="rId6"/>
-    <p:sldId id="291" r:id="rId7"/>
-    <p:sldId id="284" r:id="rId8"/>
-    <p:sldId id="299" r:id="rId9"/>
-    <p:sldId id="293" r:id="rId10"/>
+    <p:sldId id="297" r:id="rId6"/>
+    <p:sldId id="295" r:id="rId7"/>
+    <p:sldId id="300" r:id="rId8"/>
+    <p:sldId id="296" r:id="rId9"/>
+    <p:sldId id="291" r:id="rId10"/>
     <p:sldId id="298" r:id="rId11"/>
-    <p:sldId id="294" r:id="rId12"/>
-    <p:sldId id="296" r:id="rId13"/>
-    <p:sldId id="297" r:id="rId14"/>
-    <p:sldId id="300" r:id="rId15"/>
+    <p:sldId id="299" r:id="rId12"/>
   </p:sldIdLst>
   <p:sldSz cx="12192000" cy="6858000"/>
   <p:notesSz cx="6858000" cy="9144000"/>
@@ -132,16 +129,13 @@
             <p14:sldId id="283"/>
             <p14:sldId id="288"/>
             <p14:sldId id="292"/>
+            <p14:sldId id="297"/>
             <p14:sldId id="295"/>
+            <p14:sldId id="300"/>
+            <p14:sldId id="296"/>
             <p14:sldId id="291"/>
-            <p14:sldId id="284"/>
+            <p14:sldId id="298"/>
             <p14:sldId id="299"/>
-            <p14:sldId id="293"/>
-            <p14:sldId id="298"/>
-            <p14:sldId id="294"/>
-            <p14:sldId id="296"/>
-            <p14:sldId id="297"/>
-            <p14:sldId id="300"/>
           </p14:sldIdLst>
         </p14:section>
       </p14:sectionLst>
@@ -266,7 +260,7 @@
           <a:p>
             <a:fld id="{8B73A003-7FA8-445A-B4BA-F78F323BFC8D}" type="datetimeFigureOut">
               <a:rPr lang="ru-RU" smtClean="0"/>
-              <a:t>24.12.2024</a:t>
+              <a:t>18.05.2025</a:t>
             </a:fld>
             <a:endParaRPr lang="ru-RU"/>
           </a:p>
@@ -444,7 +438,7 @@
           <a:p>
             <a:fld id="{BB0D819A-24D4-4CC7-9615-BD247E8F46F2}" type="datetimeFigureOut">
               <a:rPr lang="ru-RU" smtClean="0"/>
-              <a:t>24.12.2024</a:t>
+              <a:t>18.05.2025</a:t>
             </a:fld>
             <a:endParaRPr lang="ru-RU"/>
           </a:p>
@@ -1459,7 +1453,7 @@
           <a:p>
             <a:fld id="{F723B9CB-6C5E-49E0-AC6F-FD96E7389E04}" type="slidenum">
               <a:rPr lang="ru-RU" smtClean="0"/>
-              <a:t>5</a:t>
+              <a:t>6</a:t>
             </a:fld>
             <a:endParaRPr lang="ru-RU"/>
           </a:p>
@@ -1618,7 +1612,7 @@
           <a:p>
             <a:fld id="{F723B9CB-6C5E-49E0-AC6F-FD96E7389E04}" type="slidenum">
               <a:rPr lang="ru-RU" smtClean="0"/>
-              <a:t>6</a:t>
+              <a:t>9</a:t>
             </a:fld>
             <a:endParaRPr lang="ru-RU"/>
           </a:p>
@@ -1628,120 +1622,6 @@
     <p:extLst>
       <p:ext uri="{BB962C8B-B14F-4D97-AF65-F5344CB8AC3E}">
         <p14:creationId xmlns:p14="http://schemas.microsoft.com/office/powerpoint/2010/main" val="1035106779"/>
-      </p:ext>
-    </p:extLst>
-  </p:cSld>
-  <p:clrMapOvr>
-    <a:masterClrMapping/>
-  </p:clrMapOvr>
-</p:notes>
-</file>
-
-<file path=ppt/notesSlides/notesSlide7.xml><?xml version="1.0" encoding="utf-8"?>
-<p:notes xmlns:a="http://schemas.openxmlformats.org/drawingml/2006/main" xmlns:r="http://schemas.openxmlformats.org/officeDocument/2006/relationships" xmlns:p="http://schemas.openxmlformats.org/presentationml/2006/main">
-  <p:cSld>
-    <p:spTree>
-      <p:nvGrpSpPr>
-        <p:cNvPr id="1" name=""/>
-        <p:cNvGrpSpPr/>
-        <p:nvPr/>
-      </p:nvGrpSpPr>
-      <p:grpSpPr>
-        <a:xfrm>
-          <a:off x="0" y="0"/>
-          <a:ext cx="0" cy="0"/>
-          <a:chOff x="0" y="0"/>
-          <a:chExt cx="0" cy="0"/>
-        </a:xfrm>
-      </p:grpSpPr>
-      <p:sp>
-        <p:nvSpPr>
-          <p:cNvPr id="2" name="Образ слайда 1"/>
-          <p:cNvSpPr>
-            <a:spLocks noGrp="1" noRot="1" noChangeAspect="1"/>
-          </p:cNvSpPr>
-          <p:nvPr>
-            <p:ph type="sldImg"/>
-          </p:nvPr>
-        </p:nvSpPr>
-        <p:spPr/>
-      </p:sp>
-      <p:sp>
-        <p:nvSpPr>
-          <p:cNvPr id="3" name="Заметки 2"/>
-          <p:cNvSpPr>
-            <a:spLocks noGrp="1"/>
-          </p:cNvSpPr>
-          <p:nvPr>
-            <p:ph type="body" idx="1"/>
-          </p:nvPr>
-        </p:nvSpPr>
-        <p:spPr/>
-        <p:txBody>
-          <a:bodyPr/>
-          <a:lstStyle/>
-          <a:p>
-            <a:r>
-              <a:rPr lang="ru-RU" dirty="0"/>
-              <a:t>В ходе дальнейшей работы планирую получить численные метрики с помощью представленных подходов, а также провести эксперименты по улучшению существующей </a:t>
-            </a:r>
-            <a:r>
-              <a:rPr lang="en-US" dirty="0"/>
-              <a:t>RAG-</a:t>
-            </a:r>
-            <a:r>
-              <a:rPr lang="ru-RU" dirty="0"/>
-              <a:t>системы.</a:t>
-            </a:r>
-          </a:p>
-        </p:txBody>
-      </p:sp>
-      <p:sp>
-        <p:nvSpPr>
-          <p:cNvPr id="4" name="Нижний колонтитул 3"/>
-          <p:cNvSpPr>
-            <a:spLocks noGrp="1"/>
-          </p:cNvSpPr>
-          <p:nvPr>
-            <p:ph type="ftr" sz="quarter" idx="4"/>
-          </p:nvPr>
-        </p:nvSpPr>
-        <p:spPr/>
-        <p:txBody>
-          <a:bodyPr/>
-          <a:lstStyle/>
-          <a:p>
-            <a:endParaRPr lang="ru-RU"/>
-          </a:p>
-        </p:txBody>
-      </p:sp>
-      <p:sp>
-        <p:nvSpPr>
-          <p:cNvPr id="5" name="Номер слайда 4"/>
-          <p:cNvSpPr>
-            <a:spLocks noGrp="1"/>
-          </p:cNvSpPr>
-          <p:nvPr>
-            <p:ph type="sldNum" sz="quarter" idx="5"/>
-          </p:nvPr>
-        </p:nvSpPr>
-        <p:spPr/>
-        <p:txBody>
-          <a:bodyPr/>
-          <a:lstStyle/>
-          <a:p>
-            <a:fld id="{F723B9CB-6C5E-49E0-AC6F-FD96E7389E04}" type="slidenum">
-              <a:rPr lang="ru-RU" smtClean="0"/>
-              <a:t>7</a:t>
-            </a:fld>
-            <a:endParaRPr lang="ru-RU"/>
-          </a:p>
-        </p:txBody>
-      </p:sp>
-    </p:spTree>
-    <p:extLst>
-      <p:ext uri="{BB962C8B-B14F-4D97-AF65-F5344CB8AC3E}">
-        <p14:creationId xmlns:p14="http://schemas.microsoft.com/office/powerpoint/2010/main" val="1243790373"/>
       </p:ext>
     </p:extLst>
   </p:cSld>
@@ -1898,7 +1778,7 @@
           <a:p>
             <a:fld id="{A73E9BD6-0494-4F92-BBE9-42DD268DF4E9}" type="datetime1">
               <a:rPr lang="ru-RU" smtClean="0"/>
-              <a:t>24.12.2024</a:t>
+              <a:t>18.05.2025</a:t>
             </a:fld>
             <a:endParaRPr lang="ru-RU"/>
           </a:p>
@@ -1972,6 +1852,294 @@
 </file>
 
 <file path=ppt/slideLayouts/slideLayout10.xml><?xml version="1.0" encoding="utf-8"?>
+<p:sldLayout xmlns:a="http://schemas.openxmlformats.org/drawingml/2006/main" xmlns:r="http://schemas.openxmlformats.org/officeDocument/2006/relationships" xmlns:p="http://schemas.openxmlformats.org/presentationml/2006/main" type="picTx" preserve="1">
+  <p:cSld name="Рисунок с подписью">
+    <p:spTree>
+      <p:nvGrpSpPr>
+        <p:cNvPr id="1" name=""/>
+        <p:cNvGrpSpPr/>
+        <p:nvPr/>
+      </p:nvGrpSpPr>
+      <p:grpSpPr>
+        <a:xfrm>
+          <a:off x="0" y="0"/>
+          <a:ext cx="0" cy="0"/>
+          <a:chOff x="0" y="0"/>
+          <a:chExt cx="0" cy="0"/>
+        </a:xfrm>
+      </p:grpSpPr>
+      <p:sp>
+        <p:nvSpPr>
+          <p:cNvPr id="2" name="Заголовок 1">
+            <a:extLst>
+              <a:ext uri="{FF2B5EF4-FFF2-40B4-BE49-F238E27FC236}">
+                <a16:creationId xmlns:a16="http://schemas.microsoft.com/office/drawing/2014/main" id="{681BA804-8FEB-4C8B-8519-D31CECB1A914}"/>
+              </a:ext>
+            </a:extLst>
+          </p:cNvPr>
+          <p:cNvSpPr>
+            <a:spLocks noGrp="1"/>
+          </p:cNvSpPr>
+          <p:nvPr>
+            <p:ph type="title"/>
+          </p:nvPr>
+        </p:nvSpPr>
+        <p:spPr>
+          <a:xfrm>
+            <a:off x="839788" y="457200"/>
+            <a:ext cx="3932237" cy="1600200"/>
+          </a:xfrm>
+        </p:spPr>
+        <p:txBody>
+          <a:bodyPr anchor="b"/>
+          <a:lstStyle>
+            <a:lvl1pPr>
+              <a:defRPr sz="3200"/>
+            </a:lvl1pPr>
+          </a:lstStyle>
+          <a:p>
+            <a:r>
+              <a:rPr lang="ru-RU"/>
+              <a:t>Образец заголовка</a:t>
+            </a:r>
+          </a:p>
+        </p:txBody>
+      </p:sp>
+      <p:sp>
+        <p:nvSpPr>
+          <p:cNvPr id="3" name="Рисунок 2">
+            <a:extLst>
+              <a:ext uri="{FF2B5EF4-FFF2-40B4-BE49-F238E27FC236}">
+                <a16:creationId xmlns:a16="http://schemas.microsoft.com/office/drawing/2014/main" id="{0F34A575-E21E-411B-8A34-7FE160F63FC4}"/>
+              </a:ext>
+            </a:extLst>
+          </p:cNvPr>
+          <p:cNvSpPr>
+            <a:spLocks noGrp="1"/>
+          </p:cNvSpPr>
+          <p:nvPr>
+            <p:ph type="pic" idx="1"/>
+          </p:nvPr>
+        </p:nvSpPr>
+        <p:spPr>
+          <a:xfrm>
+            <a:off x="5183188" y="987425"/>
+            <a:ext cx="6172200" cy="4873625"/>
+          </a:xfrm>
+        </p:spPr>
+        <p:txBody>
+          <a:bodyPr/>
+          <a:lstStyle>
+            <a:lvl1pPr marL="0" indent="0">
+              <a:buNone/>
+              <a:defRPr sz="3200"/>
+            </a:lvl1pPr>
+            <a:lvl2pPr marL="457200" indent="0">
+              <a:buNone/>
+              <a:defRPr sz="2800"/>
+            </a:lvl2pPr>
+            <a:lvl3pPr marL="914400" indent="0">
+              <a:buNone/>
+              <a:defRPr sz="2400"/>
+            </a:lvl3pPr>
+            <a:lvl4pPr marL="1371600" indent="0">
+              <a:buNone/>
+              <a:defRPr sz="2000"/>
+            </a:lvl4pPr>
+            <a:lvl5pPr marL="1828800" indent="0">
+              <a:buNone/>
+              <a:defRPr sz="2000"/>
+            </a:lvl5pPr>
+            <a:lvl6pPr marL="2286000" indent="0">
+              <a:buNone/>
+              <a:defRPr sz="2000"/>
+            </a:lvl6pPr>
+            <a:lvl7pPr marL="2743200" indent="0">
+              <a:buNone/>
+              <a:defRPr sz="2000"/>
+            </a:lvl7pPr>
+            <a:lvl8pPr marL="3200400" indent="0">
+              <a:buNone/>
+              <a:defRPr sz="2000"/>
+            </a:lvl8pPr>
+            <a:lvl9pPr marL="3657600" indent="0">
+              <a:buNone/>
+              <a:defRPr sz="2000"/>
+            </a:lvl9pPr>
+          </a:lstStyle>
+          <a:p>
+            <a:endParaRPr lang="ru-RU"/>
+          </a:p>
+        </p:txBody>
+      </p:sp>
+      <p:sp>
+        <p:nvSpPr>
+          <p:cNvPr id="4" name="Текст 3">
+            <a:extLst>
+              <a:ext uri="{FF2B5EF4-FFF2-40B4-BE49-F238E27FC236}">
+                <a16:creationId xmlns:a16="http://schemas.microsoft.com/office/drawing/2014/main" id="{E388C095-A45F-4F7F-AFDE-799DA591C193}"/>
+              </a:ext>
+            </a:extLst>
+          </p:cNvPr>
+          <p:cNvSpPr>
+            <a:spLocks noGrp="1"/>
+          </p:cNvSpPr>
+          <p:nvPr>
+            <p:ph type="body" sz="half" idx="2"/>
+          </p:nvPr>
+        </p:nvSpPr>
+        <p:spPr>
+          <a:xfrm>
+            <a:off x="839788" y="2057400"/>
+            <a:ext cx="3932237" cy="3811588"/>
+          </a:xfrm>
+        </p:spPr>
+        <p:txBody>
+          <a:bodyPr/>
+          <a:lstStyle>
+            <a:lvl1pPr marL="0" indent="0">
+              <a:buNone/>
+              <a:defRPr sz="1600"/>
+            </a:lvl1pPr>
+            <a:lvl2pPr marL="457200" indent="0">
+              <a:buNone/>
+              <a:defRPr sz="1400"/>
+            </a:lvl2pPr>
+            <a:lvl3pPr marL="914400" indent="0">
+              <a:buNone/>
+              <a:defRPr sz="1200"/>
+            </a:lvl3pPr>
+            <a:lvl4pPr marL="1371600" indent="0">
+              <a:buNone/>
+              <a:defRPr sz="1000"/>
+            </a:lvl4pPr>
+            <a:lvl5pPr marL="1828800" indent="0">
+              <a:buNone/>
+              <a:defRPr sz="1000"/>
+            </a:lvl5pPr>
+            <a:lvl6pPr marL="2286000" indent="0">
+              <a:buNone/>
+              <a:defRPr sz="1000"/>
+            </a:lvl6pPr>
+            <a:lvl7pPr marL="2743200" indent="0">
+              <a:buNone/>
+              <a:defRPr sz="1000"/>
+            </a:lvl7pPr>
+            <a:lvl8pPr marL="3200400" indent="0">
+              <a:buNone/>
+              <a:defRPr sz="1000"/>
+            </a:lvl8pPr>
+            <a:lvl9pPr marL="3657600" indent="0">
+              <a:buNone/>
+              <a:defRPr sz="1000"/>
+            </a:lvl9pPr>
+          </a:lstStyle>
+          <a:p>
+            <a:pPr lvl="0"/>
+            <a:r>
+              <a:rPr lang="ru-RU"/>
+              <a:t>Образец текста</a:t>
+            </a:r>
+          </a:p>
+        </p:txBody>
+      </p:sp>
+      <p:sp>
+        <p:nvSpPr>
+          <p:cNvPr id="5" name="Дата 4">
+            <a:extLst>
+              <a:ext uri="{FF2B5EF4-FFF2-40B4-BE49-F238E27FC236}">
+                <a16:creationId xmlns:a16="http://schemas.microsoft.com/office/drawing/2014/main" id="{32BCB281-AE66-4BDA-BE04-5161107C1DFE}"/>
+              </a:ext>
+            </a:extLst>
+          </p:cNvPr>
+          <p:cNvSpPr>
+            <a:spLocks noGrp="1"/>
+          </p:cNvSpPr>
+          <p:nvPr>
+            <p:ph type="dt" sz="half" idx="10"/>
+          </p:nvPr>
+        </p:nvSpPr>
+        <p:spPr/>
+        <p:txBody>
+          <a:bodyPr/>
+          <a:lstStyle/>
+          <a:p>
+            <a:fld id="{68E10AE1-FFB4-44D0-B319-4A8760509840}" type="datetime1">
+              <a:rPr lang="ru-RU" smtClean="0"/>
+              <a:t>18.05.2025</a:t>
+            </a:fld>
+            <a:endParaRPr lang="ru-RU"/>
+          </a:p>
+        </p:txBody>
+      </p:sp>
+      <p:sp>
+        <p:nvSpPr>
+          <p:cNvPr id="6" name="Нижний колонтитул 5">
+            <a:extLst>
+              <a:ext uri="{FF2B5EF4-FFF2-40B4-BE49-F238E27FC236}">
+                <a16:creationId xmlns:a16="http://schemas.microsoft.com/office/drawing/2014/main" id="{3B95852A-F521-4A6D-9F67-B6B1E328A29B}"/>
+              </a:ext>
+            </a:extLst>
+          </p:cNvPr>
+          <p:cNvSpPr>
+            <a:spLocks noGrp="1"/>
+          </p:cNvSpPr>
+          <p:nvPr>
+            <p:ph type="ftr" sz="quarter" idx="11"/>
+          </p:nvPr>
+        </p:nvSpPr>
+        <p:spPr/>
+        <p:txBody>
+          <a:bodyPr/>
+          <a:lstStyle/>
+          <a:p>
+            <a:endParaRPr lang="ru-RU"/>
+          </a:p>
+        </p:txBody>
+      </p:sp>
+      <p:sp>
+        <p:nvSpPr>
+          <p:cNvPr id="7" name="Номер слайда 6">
+            <a:extLst>
+              <a:ext uri="{FF2B5EF4-FFF2-40B4-BE49-F238E27FC236}">
+                <a16:creationId xmlns:a16="http://schemas.microsoft.com/office/drawing/2014/main" id="{08BDCB48-E430-4C20-A0C8-E1AF173D93AD}"/>
+              </a:ext>
+            </a:extLst>
+          </p:cNvPr>
+          <p:cNvSpPr>
+            <a:spLocks noGrp="1"/>
+          </p:cNvSpPr>
+          <p:nvPr>
+            <p:ph type="sldNum" sz="quarter" idx="12"/>
+          </p:nvPr>
+        </p:nvSpPr>
+        <p:spPr/>
+        <p:txBody>
+          <a:bodyPr/>
+          <a:lstStyle/>
+          <a:p>
+            <a:fld id="{252DB28E-DCFC-49D3-A30D-8262F7022753}" type="slidenum">
+              <a:rPr lang="ru-RU" smtClean="0"/>
+              <a:t>‹#›</a:t>
+            </a:fld>
+            <a:endParaRPr lang="ru-RU"/>
+          </a:p>
+        </p:txBody>
+      </p:sp>
+    </p:spTree>
+    <p:extLst>
+      <p:ext uri="{BB962C8B-B14F-4D97-AF65-F5344CB8AC3E}">
+        <p14:creationId xmlns:p14="http://schemas.microsoft.com/office/powerpoint/2010/main" val="1455896486"/>
+      </p:ext>
+    </p:extLst>
+  </p:cSld>
+  <p:clrMapOvr>
+    <a:masterClrMapping/>
+  </p:clrMapOvr>
+</p:sldLayout>
+</file>
+
+<file path=ppt/slideLayouts/slideLayout11.xml><?xml version="1.0" encoding="utf-8"?>
 <p:sldLayout xmlns:a="http://schemas.openxmlformats.org/drawingml/2006/main" xmlns:r="http://schemas.openxmlformats.org/officeDocument/2006/relationships" xmlns:p="http://schemas.openxmlformats.org/presentationml/2006/main" type="vertTx" preserve="1">
   <p:cSld name="Заголовок и вертикальный текст">
     <p:spTree>
@@ -2096,7 +2264,7 @@
           <a:p>
             <a:fld id="{CDB296C0-EF0A-4BFE-B7C5-D2ADF27BC5AD}" type="datetime1">
               <a:rPr lang="ru-RU" smtClean="0"/>
-              <a:t>24.12.2024</a:t>
+              <a:t>18.05.2025</a:t>
             </a:fld>
             <a:endParaRPr lang="ru-RU"/>
           </a:p>
@@ -2169,7 +2337,7 @@
 </p:sldLayout>
 </file>
 
-<file path=ppt/slideLayouts/slideLayout11.xml><?xml version="1.0" encoding="utf-8"?>
+<file path=ppt/slideLayouts/slideLayout12.xml><?xml version="1.0" encoding="utf-8"?>
 <p:sldLayout xmlns:a="http://schemas.openxmlformats.org/drawingml/2006/main" xmlns:r="http://schemas.openxmlformats.org/officeDocument/2006/relationships" xmlns:p="http://schemas.openxmlformats.org/presentationml/2006/main" type="vertTitleAndTx" preserve="1">
   <p:cSld name="Вертикальный заголовок и текст">
     <p:spTree>
@@ -2304,7 +2472,7 @@
           <a:p>
             <a:fld id="{6854ADE1-AAF0-4142-A9AA-064BF14FE617}" type="datetime1">
               <a:rPr lang="ru-RU" smtClean="0"/>
-              <a:t>24.12.2024</a:t>
+              <a:t>18.05.2025</a:t>
             </a:fld>
             <a:endParaRPr lang="ru-RU"/>
           </a:p>
@@ -2502,7 +2670,7 @@
           <a:p>
             <a:fld id="{C51D9E36-ACD2-47D2-905A-81A59B812808}" type="datetime1">
               <a:rPr lang="ru-RU" smtClean="0"/>
-              <a:t>24.12.2024</a:t>
+              <a:t>18.05.2025</a:t>
             </a:fld>
             <a:endParaRPr lang="ru-RU"/>
           </a:p>
@@ -2777,7 +2945,7 @@
           <a:p>
             <a:fld id="{D74A4C77-0E1F-4783-B4FD-0A0EC091ED3D}" type="datetime1">
               <a:rPr lang="ru-RU" smtClean="0"/>
-              <a:t>24.12.2024</a:t>
+              <a:t>18.05.2025</a:t>
             </a:fld>
             <a:endParaRPr lang="ru-RU"/>
           </a:p>
@@ -3042,7 +3210,7 @@
           <a:p>
             <a:fld id="{53C29076-4D1A-4F45-B5BF-C9F4F09E7095}" type="datetime1">
               <a:rPr lang="ru-RU" smtClean="0"/>
-              <a:t>24.12.2024</a:t>
+              <a:t>18.05.2025</a:t>
             </a:fld>
             <a:endParaRPr lang="ru-RU"/>
           </a:p>
@@ -3454,7 +3622,7 @@
           <a:p>
             <a:fld id="{19294757-B39B-4148-8616-D36127E66360}" type="datetime1">
               <a:rPr lang="ru-RU" smtClean="0"/>
-              <a:t>24.12.2024</a:t>
+              <a:t>18.05.2025</a:t>
             </a:fld>
             <a:endParaRPr lang="ru-RU"/>
           </a:p>
@@ -3595,7 +3763,7 @@
           <a:p>
             <a:fld id="{28BAE458-9324-4536-872B-2D4F86AFA841}" type="datetime1">
               <a:rPr lang="ru-RU" smtClean="0"/>
-              <a:t>24.12.2024</a:t>
+              <a:t>18.05.2025</a:t>
             </a:fld>
             <a:endParaRPr lang="ru-RU"/>
           </a:p>
@@ -3669,8 +3837,8 @@
 </file>
 
 <file path=ppt/slideLayouts/slideLayout7.xml><?xml version="1.0" encoding="utf-8"?>
-<p:sldLayout xmlns:a="http://schemas.openxmlformats.org/drawingml/2006/main" xmlns:r="http://schemas.openxmlformats.org/officeDocument/2006/relationships" xmlns:p="http://schemas.openxmlformats.org/presentationml/2006/main" type="blank" preserve="1">
-  <p:cSld name="Пустой слайд">
+<p:sldLayout xmlns:a="http://schemas.openxmlformats.org/drawingml/2006/main" xmlns:r="http://schemas.openxmlformats.org/officeDocument/2006/relationships" xmlns:p="http://schemas.openxmlformats.org/presentationml/2006/main" preserve="1" userDrawn="1">
+  <p:cSld name="Без рисунка">
     <p:spTree>
       <p:nvGrpSpPr>
         <p:cNvPr id="1" name=""/>
@@ -3704,9 +3872,15 @@
         <p:spPr/>
         <p:txBody>
           <a:bodyPr/>
-          <a:lstStyle/>
-          <a:p>
-            <a:endParaRPr lang="ru-RU"/>
+          <a:lstStyle>
+            <a:lvl1pPr>
+              <a:defRPr>
+                <a:latin typeface="+mj-lt"/>
+              </a:defRPr>
+            </a:lvl1pPr>
+          </a:lstStyle>
+          <a:p>
+            <a:endParaRPr lang="ru-RU" dirty="0"/>
           </a:p>
         </p:txBody>
       </p:sp>
@@ -3752,6 +3926,128 @@
               <a:t>‹#›</a:t>
             </a:fld>
             <a:endParaRPr lang="ru-RU" dirty="0"/>
+          </a:p>
+        </p:txBody>
+      </p:sp>
+      <p:sp>
+        <p:nvSpPr>
+          <p:cNvPr id="2" name="Заголовок 1">
+            <a:extLst>
+              <a:ext uri="{FF2B5EF4-FFF2-40B4-BE49-F238E27FC236}">
+                <a16:creationId xmlns:a16="http://schemas.microsoft.com/office/drawing/2014/main" id="{5243E274-CE30-44F5-8112-17F8C12E7DBD}"/>
+              </a:ext>
+            </a:extLst>
+          </p:cNvPr>
+          <p:cNvSpPr>
+            <a:spLocks noGrp="1"/>
+          </p:cNvSpPr>
+          <p:nvPr>
+            <p:ph type="title"/>
+          </p:nvPr>
+        </p:nvSpPr>
+        <p:spPr>
+          <a:xfrm>
+            <a:off x="718457" y="0"/>
+            <a:ext cx="10755088" cy="1520890"/>
+          </a:xfrm>
+        </p:spPr>
+        <p:txBody>
+          <a:bodyPr>
+            <a:normAutofit/>
+          </a:bodyPr>
+          <a:lstStyle>
+            <a:lvl1pPr>
+              <a:lnSpc>
+                <a:spcPct val="130000"/>
+              </a:lnSpc>
+              <a:defRPr sz="3600"/>
+            </a:lvl1pPr>
+          </a:lstStyle>
+          <a:p>
+            <a:r>
+              <a:rPr lang="ru-RU" dirty="0"/>
+              <a:t>Образец заголовка</a:t>
+            </a:r>
+          </a:p>
+        </p:txBody>
+      </p:sp>
+      <p:sp>
+        <p:nvSpPr>
+          <p:cNvPr id="8" name="Текст 7">
+            <a:extLst>
+              <a:ext uri="{FF2B5EF4-FFF2-40B4-BE49-F238E27FC236}">
+                <a16:creationId xmlns:a16="http://schemas.microsoft.com/office/drawing/2014/main" id="{F376B999-296B-4AA6-A7E9-C1B23D026D03}"/>
+              </a:ext>
+            </a:extLst>
+          </p:cNvPr>
+          <p:cNvSpPr>
+            <a:spLocks noGrp="1"/>
+          </p:cNvSpPr>
+          <p:nvPr>
+            <p:ph type="body" sz="quarter" idx="13"/>
+          </p:nvPr>
+        </p:nvSpPr>
+        <p:spPr>
+          <a:xfrm>
+            <a:off x="718456" y="1520890"/>
+            <a:ext cx="10755088" cy="4835460"/>
+          </a:xfrm>
+        </p:spPr>
+        <p:txBody>
+          <a:bodyPr/>
+          <a:lstStyle>
+            <a:lvl1pPr marL="0" indent="0">
+              <a:lnSpc>
+                <a:spcPct val="114000"/>
+              </a:lnSpc>
+              <a:spcAft>
+                <a:spcPts val="600"/>
+              </a:spcAft>
+              <a:buFontTx/>
+              <a:buNone/>
+              <a:defRPr sz="2400" b="0">
+                <a:latin typeface="+mj-lt"/>
+              </a:defRPr>
+            </a:lvl1pPr>
+            <a:lvl2pPr marL="457200" indent="0">
+              <a:lnSpc>
+                <a:spcPct val="130000"/>
+              </a:lnSpc>
+              <a:buFontTx/>
+              <a:buNone/>
+              <a:defRPr sz="2000">
+                <a:latin typeface="+mj-lt"/>
+              </a:defRPr>
+            </a:lvl2pPr>
+            <a:lvl3pPr>
+              <a:defRPr>
+                <a:latin typeface="+mj-lt"/>
+              </a:defRPr>
+            </a:lvl3pPr>
+            <a:lvl4pPr>
+              <a:defRPr>
+                <a:latin typeface="+mj-lt"/>
+              </a:defRPr>
+            </a:lvl4pPr>
+            <a:lvl5pPr>
+              <a:defRPr>
+                <a:latin typeface="+mj-lt"/>
+              </a:defRPr>
+            </a:lvl5pPr>
+          </a:lstStyle>
+          <a:p>
+            <a:pPr lvl="0"/>
+            <a:r>
+              <a:rPr lang="ru-RU" dirty="0"/>
+              <a:t>Образец текста</a:t>
+            </a:r>
+          </a:p>
+          <a:p>
+            <a:pPr lvl="1"/>
+            <a:r>
+              <a:rPr lang="ru-RU" dirty="0"/>
+              <a:t>Второй уровень</a:t>
+            </a:r>
           </a:p>
         </p:txBody>
       </p:sp>
@@ -3769,6 +4065,195 @@
 </file>
 
 <file path=ppt/slideLayouts/slideLayout8.xml><?xml version="1.0" encoding="utf-8"?>
+<p:sldLayout xmlns:a="http://schemas.openxmlformats.org/drawingml/2006/main" xmlns:r="http://schemas.openxmlformats.org/officeDocument/2006/relationships" xmlns:p="http://schemas.openxmlformats.org/presentationml/2006/main" preserve="1" userDrawn="1">
+  <p:cSld name="С рисунком">
+    <p:spTree>
+      <p:nvGrpSpPr>
+        <p:cNvPr id="1" name=""/>
+        <p:cNvGrpSpPr/>
+        <p:nvPr/>
+      </p:nvGrpSpPr>
+      <p:grpSpPr>
+        <a:xfrm>
+          <a:off x="0" y="0"/>
+          <a:ext cx="0" cy="0"/>
+          <a:chOff x="0" y="0"/>
+          <a:chExt cx="0" cy="0"/>
+        </a:xfrm>
+      </p:grpSpPr>
+      <p:sp>
+        <p:nvSpPr>
+          <p:cNvPr id="3" name="Нижний колонтитул 2">
+            <a:extLst>
+              <a:ext uri="{FF2B5EF4-FFF2-40B4-BE49-F238E27FC236}">
+                <a16:creationId xmlns:a16="http://schemas.microsoft.com/office/drawing/2014/main" id="{D6A0C8A1-7928-4113-8B3C-AD276F438A9E}"/>
+              </a:ext>
+            </a:extLst>
+          </p:cNvPr>
+          <p:cNvSpPr>
+            <a:spLocks noGrp="1"/>
+          </p:cNvSpPr>
+          <p:nvPr>
+            <p:ph type="ftr" sz="quarter" idx="11"/>
+          </p:nvPr>
+        </p:nvSpPr>
+        <p:spPr/>
+        <p:txBody>
+          <a:bodyPr/>
+          <a:lstStyle>
+            <a:lvl1pPr>
+              <a:defRPr>
+                <a:latin typeface="+mj-lt"/>
+              </a:defRPr>
+            </a:lvl1pPr>
+          </a:lstStyle>
+          <a:p>
+            <a:endParaRPr lang="ru-RU" dirty="0"/>
+          </a:p>
+        </p:txBody>
+      </p:sp>
+      <p:sp>
+        <p:nvSpPr>
+          <p:cNvPr id="4" name="Номер слайда 3">
+            <a:extLst>
+              <a:ext uri="{FF2B5EF4-FFF2-40B4-BE49-F238E27FC236}">
+                <a16:creationId xmlns:a16="http://schemas.microsoft.com/office/drawing/2014/main" id="{A659E81C-8F3C-4CBD-BFDE-2F278A95EC17}"/>
+              </a:ext>
+            </a:extLst>
+          </p:cNvPr>
+          <p:cNvSpPr>
+            <a:spLocks noGrp="1"/>
+          </p:cNvSpPr>
+          <p:nvPr>
+            <p:ph type="sldNum" sz="quarter" idx="12"/>
+          </p:nvPr>
+        </p:nvSpPr>
+        <p:spPr>
+          <a:xfrm>
+            <a:off x="131618" y="6356350"/>
+            <a:ext cx="459509" cy="365125"/>
+          </a:xfrm>
+        </p:spPr>
+        <p:txBody>
+          <a:bodyPr/>
+          <a:lstStyle>
+            <a:lvl1pPr>
+              <a:defRPr sz="1400">
+                <a:solidFill>
+                  <a:schemeClr val="tx1"/>
+                </a:solidFill>
+                <a:latin typeface="Times New Roman" panose="02020603050405020304" pitchFamily="18" charset="0"/>
+                <a:cs typeface="Times New Roman" panose="02020603050405020304" pitchFamily="18" charset="0"/>
+              </a:defRPr>
+            </a:lvl1pPr>
+          </a:lstStyle>
+          <a:p>
+            <a:fld id="{252DB28E-DCFC-49D3-A30D-8262F7022753}" type="slidenum">
+              <a:rPr lang="ru-RU" smtClean="0"/>
+              <a:pPr/>
+              <a:t>‹#›</a:t>
+            </a:fld>
+            <a:endParaRPr lang="ru-RU" dirty="0"/>
+          </a:p>
+        </p:txBody>
+      </p:sp>
+      <p:sp>
+        <p:nvSpPr>
+          <p:cNvPr id="9" name="Текст 8">
+            <a:extLst>
+              <a:ext uri="{FF2B5EF4-FFF2-40B4-BE49-F238E27FC236}">
+                <a16:creationId xmlns:a16="http://schemas.microsoft.com/office/drawing/2014/main" id="{F41E3613-C825-4AC4-AD6D-9E3EFB15A6F3}"/>
+              </a:ext>
+            </a:extLst>
+          </p:cNvPr>
+          <p:cNvSpPr>
+            <a:spLocks noGrp="1"/>
+          </p:cNvSpPr>
+          <p:nvPr>
+            <p:ph type="body" sz="quarter" idx="14"/>
+          </p:nvPr>
+        </p:nvSpPr>
+        <p:spPr>
+          <a:xfrm>
+            <a:off x="1860105" y="5597719"/>
+            <a:ext cx="8471790" cy="561603"/>
+          </a:xfrm>
+        </p:spPr>
+        <p:txBody>
+          <a:bodyPr>
+            <a:normAutofit/>
+          </a:bodyPr>
+          <a:lstStyle>
+            <a:lvl1pPr marL="0" indent="0" algn="ctr">
+              <a:lnSpc>
+                <a:spcPct val="150000"/>
+              </a:lnSpc>
+              <a:buFontTx/>
+              <a:buNone/>
+              <a:defRPr sz="1600">
+                <a:latin typeface="+mj-lt"/>
+              </a:defRPr>
+            </a:lvl1pPr>
+          </a:lstStyle>
+          <a:p>
+            <a:pPr lvl="0"/>
+            <a:r>
+              <a:rPr lang="ru-RU" dirty="0"/>
+              <a:t>Образец текста</a:t>
+            </a:r>
+          </a:p>
+        </p:txBody>
+      </p:sp>
+      <p:sp>
+        <p:nvSpPr>
+          <p:cNvPr id="11" name="Объект 10">
+            <a:extLst>
+              <a:ext uri="{FF2B5EF4-FFF2-40B4-BE49-F238E27FC236}">
+                <a16:creationId xmlns:a16="http://schemas.microsoft.com/office/drawing/2014/main" id="{AEF89A31-D210-4D7E-85C2-B0AFB3C5AFB3}"/>
+              </a:ext>
+            </a:extLst>
+          </p:cNvPr>
+          <p:cNvSpPr>
+            <a:spLocks noGrp="1"/>
+          </p:cNvSpPr>
+          <p:nvPr>
+            <p:ph sz="quarter" idx="15"/>
+          </p:nvPr>
+        </p:nvSpPr>
+        <p:spPr>
+          <a:xfrm>
+            <a:off x="1860105" y="403123"/>
+            <a:ext cx="8471790" cy="5194596"/>
+          </a:xfrm>
+        </p:spPr>
+        <p:txBody>
+          <a:bodyPr/>
+          <a:lstStyle>
+            <a:lvl1pPr marL="0" indent="0">
+              <a:buNone/>
+              <a:defRPr/>
+            </a:lvl1pPr>
+          </a:lstStyle>
+          <a:p>
+            <a:pPr lvl="0"/>
+            <a:endParaRPr lang="ru-RU" dirty="0"/>
+          </a:p>
+        </p:txBody>
+      </p:sp>
+    </p:spTree>
+    <p:extLst>
+      <p:ext uri="{BB962C8B-B14F-4D97-AF65-F5344CB8AC3E}">
+        <p14:creationId xmlns:p14="http://schemas.microsoft.com/office/powerpoint/2010/main" val="2467583477"/>
+      </p:ext>
+    </p:extLst>
+  </p:cSld>
+  <p:clrMapOvr>
+    <a:masterClrMapping/>
+  </p:clrMapOvr>
+</p:sldLayout>
+</file>
+
+<file path=ppt/slideLayouts/slideLayout9.xml><?xml version="1.0" encoding="utf-8"?>
 <p:sldLayout xmlns:a="http://schemas.openxmlformats.org/drawingml/2006/main" xmlns:r="http://schemas.openxmlformats.org/officeDocument/2006/relationships" xmlns:p="http://schemas.openxmlformats.org/presentationml/2006/main" type="objTx" preserve="1">
   <p:cSld name="Объект с подписью">
     <p:spTree>
@@ -4006,7 +4491,7 @@
           <a:p>
             <a:fld id="{D65C84CD-6F1E-4B5C-AF82-9F8C33F7B67A}" type="datetime1">
               <a:rPr lang="ru-RU" smtClean="0"/>
-              <a:t>24.12.2024</a:t>
+              <a:t>18.05.2025</a:t>
             </a:fld>
             <a:endParaRPr lang="ru-RU"/>
           </a:p>
@@ -4070,294 +4555,6 @@
     <p:extLst>
       <p:ext uri="{BB962C8B-B14F-4D97-AF65-F5344CB8AC3E}">
         <p14:creationId xmlns:p14="http://schemas.microsoft.com/office/powerpoint/2010/main" val="3971101517"/>
-      </p:ext>
-    </p:extLst>
-  </p:cSld>
-  <p:clrMapOvr>
-    <a:masterClrMapping/>
-  </p:clrMapOvr>
-</p:sldLayout>
-</file>
-
-<file path=ppt/slideLayouts/slideLayout9.xml><?xml version="1.0" encoding="utf-8"?>
-<p:sldLayout xmlns:a="http://schemas.openxmlformats.org/drawingml/2006/main" xmlns:r="http://schemas.openxmlformats.org/officeDocument/2006/relationships" xmlns:p="http://schemas.openxmlformats.org/presentationml/2006/main" type="picTx" preserve="1">
-  <p:cSld name="Рисунок с подписью">
-    <p:spTree>
-      <p:nvGrpSpPr>
-        <p:cNvPr id="1" name=""/>
-        <p:cNvGrpSpPr/>
-        <p:nvPr/>
-      </p:nvGrpSpPr>
-      <p:grpSpPr>
-        <a:xfrm>
-          <a:off x="0" y="0"/>
-          <a:ext cx="0" cy="0"/>
-          <a:chOff x="0" y="0"/>
-          <a:chExt cx="0" cy="0"/>
-        </a:xfrm>
-      </p:grpSpPr>
-      <p:sp>
-        <p:nvSpPr>
-          <p:cNvPr id="2" name="Заголовок 1">
-            <a:extLst>
-              <a:ext uri="{FF2B5EF4-FFF2-40B4-BE49-F238E27FC236}">
-                <a16:creationId xmlns:a16="http://schemas.microsoft.com/office/drawing/2014/main" id="{681BA804-8FEB-4C8B-8519-D31CECB1A914}"/>
-              </a:ext>
-            </a:extLst>
-          </p:cNvPr>
-          <p:cNvSpPr>
-            <a:spLocks noGrp="1"/>
-          </p:cNvSpPr>
-          <p:nvPr>
-            <p:ph type="title"/>
-          </p:nvPr>
-        </p:nvSpPr>
-        <p:spPr>
-          <a:xfrm>
-            <a:off x="839788" y="457200"/>
-            <a:ext cx="3932237" cy="1600200"/>
-          </a:xfrm>
-        </p:spPr>
-        <p:txBody>
-          <a:bodyPr anchor="b"/>
-          <a:lstStyle>
-            <a:lvl1pPr>
-              <a:defRPr sz="3200"/>
-            </a:lvl1pPr>
-          </a:lstStyle>
-          <a:p>
-            <a:r>
-              <a:rPr lang="ru-RU"/>
-              <a:t>Образец заголовка</a:t>
-            </a:r>
-          </a:p>
-        </p:txBody>
-      </p:sp>
-      <p:sp>
-        <p:nvSpPr>
-          <p:cNvPr id="3" name="Рисунок 2">
-            <a:extLst>
-              <a:ext uri="{FF2B5EF4-FFF2-40B4-BE49-F238E27FC236}">
-                <a16:creationId xmlns:a16="http://schemas.microsoft.com/office/drawing/2014/main" id="{0F34A575-E21E-411B-8A34-7FE160F63FC4}"/>
-              </a:ext>
-            </a:extLst>
-          </p:cNvPr>
-          <p:cNvSpPr>
-            <a:spLocks noGrp="1"/>
-          </p:cNvSpPr>
-          <p:nvPr>
-            <p:ph type="pic" idx="1"/>
-          </p:nvPr>
-        </p:nvSpPr>
-        <p:spPr>
-          <a:xfrm>
-            <a:off x="5183188" y="987425"/>
-            <a:ext cx="6172200" cy="4873625"/>
-          </a:xfrm>
-        </p:spPr>
-        <p:txBody>
-          <a:bodyPr/>
-          <a:lstStyle>
-            <a:lvl1pPr marL="0" indent="0">
-              <a:buNone/>
-              <a:defRPr sz="3200"/>
-            </a:lvl1pPr>
-            <a:lvl2pPr marL="457200" indent="0">
-              <a:buNone/>
-              <a:defRPr sz="2800"/>
-            </a:lvl2pPr>
-            <a:lvl3pPr marL="914400" indent="0">
-              <a:buNone/>
-              <a:defRPr sz="2400"/>
-            </a:lvl3pPr>
-            <a:lvl4pPr marL="1371600" indent="0">
-              <a:buNone/>
-              <a:defRPr sz="2000"/>
-            </a:lvl4pPr>
-            <a:lvl5pPr marL="1828800" indent="0">
-              <a:buNone/>
-              <a:defRPr sz="2000"/>
-            </a:lvl5pPr>
-            <a:lvl6pPr marL="2286000" indent="0">
-              <a:buNone/>
-              <a:defRPr sz="2000"/>
-            </a:lvl6pPr>
-            <a:lvl7pPr marL="2743200" indent="0">
-              <a:buNone/>
-              <a:defRPr sz="2000"/>
-            </a:lvl7pPr>
-            <a:lvl8pPr marL="3200400" indent="0">
-              <a:buNone/>
-              <a:defRPr sz="2000"/>
-            </a:lvl8pPr>
-            <a:lvl9pPr marL="3657600" indent="0">
-              <a:buNone/>
-              <a:defRPr sz="2000"/>
-            </a:lvl9pPr>
-          </a:lstStyle>
-          <a:p>
-            <a:endParaRPr lang="ru-RU"/>
-          </a:p>
-        </p:txBody>
-      </p:sp>
-      <p:sp>
-        <p:nvSpPr>
-          <p:cNvPr id="4" name="Текст 3">
-            <a:extLst>
-              <a:ext uri="{FF2B5EF4-FFF2-40B4-BE49-F238E27FC236}">
-                <a16:creationId xmlns:a16="http://schemas.microsoft.com/office/drawing/2014/main" id="{E388C095-A45F-4F7F-AFDE-799DA591C193}"/>
-              </a:ext>
-            </a:extLst>
-          </p:cNvPr>
-          <p:cNvSpPr>
-            <a:spLocks noGrp="1"/>
-          </p:cNvSpPr>
-          <p:nvPr>
-            <p:ph type="body" sz="half" idx="2"/>
-          </p:nvPr>
-        </p:nvSpPr>
-        <p:spPr>
-          <a:xfrm>
-            <a:off x="839788" y="2057400"/>
-            <a:ext cx="3932237" cy="3811588"/>
-          </a:xfrm>
-        </p:spPr>
-        <p:txBody>
-          <a:bodyPr/>
-          <a:lstStyle>
-            <a:lvl1pPr marL="0" indent="0">
-              <a:buNone/>
-              <a:defRPr sz="1600"/>
-            </a:lvl1pPr>
-            <a:lvl2pPr marL="457200" indent="0">
-              <a:buNone/>
-              <a:defRPr sz="1400"/>
-            </a:lvl2pPr>
-            <a:lvl3pPr marL="914400" indent="0">
-              <a:buNone/>
-              <a:defRPr sz="1200"/>
-            </a:lvl3pPr>
-            <a:lvl4pPr marL="1371600" indent="0">
-              <a:buNone/>
-              <a:defRPr sz="1000"/>
-            </a:lvl4pPr>
-            <a:lvl5pPr marL="1828800" indent="0">
-              <a:buNone/>
-              <a:defRPr sz="1000"/>
-            </a:lvl5pPr>
-            <a:lvl6pPr marL="2286000" indent="0">
-              <a:buNone/>
-              <a:defRPr sz="1000"/>
-            </a:lvl6pPr>
-            <a:lvl7pPr marL="2743200" indent="0">
-              <a:buNone/>
-              <a:defRPr sz="1000"/>
-            </a:lvl7pPr>
-            <a:lvl8pPr marL="3200400" indent="0">
-              <a:buNone/>
-              <a:defRPr sz="1000"/>
-            </a:lvl8pPr>
-            <a:lvl9pPr marL="3657600" indent="0">
-              <a:buNone/>
-              <a:defRPr sz="1000"/>
-            </a:lvl9pPr>
-          </a:lstStyle>
-          <a:p>
-            <a:pPr lvl="0"/>
-            <a:r>
-              <a:rPr lang="ru-RU"/>
-              <a:t>Образец текста</a:t>
-            </a:r>
-          </a:p>
-        </p:txBody>
-      </p:sp>
-      <p:sp>
-        <p:nvSpPr>
-          <p:cNvPr id="5" name="Дата 4">
-            <a:extLst>
-              <a:ext uri="{FF2B5EF4-FFF2-40B4-BE49-F238E27FC236}">
-                <a16:creationId xmlns:a16="http://schemas.microsoft.com/office/drawing/2014/main" id="{32BCB281-AE66-4BDA-BE04-5161107C1DFE}"/>
-              </a:ext>
-            </a:extLst>
-          </p:cNvPr>
-          <p:cNvSpPr>
-            <a:spLocks noGrp="1"/>
-          </p:cNvSpPr>
-          <p:nvPr>
-            <p:ph type="dt" sz="half" idx="10"/>
-          </p:nvPr>
-        </p:nvSpPr>
-        <p:spPr/>
-        <p:txBody>
-          <a:bodyPr/>
-          <a:lstStyle/>
-          <a:p>
-            <a:fld id="{68E10AE1-FFB4-44D0-B319-4A8760509840}" type="datetime1">
-              <a:rPr lang="ru-RU" smtClean="0"/>
-              <a:t>24.12.2024</a:t>
-            </a:fld>
-            <a:endParaRPr lang="ru-RU"/>
-          </a:p>
-        </p:txBody>
-      </p:sp>
-      <p:sp>
-        <p:nvSpPr>
-          <p:cNvPr id="6" name="Нижний колонтитул 5">
-            <a:extLst>
-              <a:ext uri="{FF2B5EF4-FFF2-40B4-BE49-F238E27FC236}">
-                <a16:creationId xmlns:a16="http://schemas.microsoft.com/office/drawing/2014/main" id="{3B95852A-F521-4A6D-9F67-B6B1E328A29B}"/>
-              </a:ext>
-            </a:extLst>
-          </p:cNvPr>
-          <p:cNvSpPr>
-            <a:spLocks noGrp="1"/>
-          </p:cNvSpPr>
-          <p:nvPr>
-            <p:ph type="ftr" sz="quarter" idx="11"/>
-          </p:nvPr>
-        </p:nvSpPr>
-        <p:spPr/>
-        <p:txBody>
-          <a:bodyPr/>
-          <a:lstStyle/>
-          <a:p>
-            <a:endParaRPr lang="ru-RU"/>
-          </a:p>
-        </p:txBody>
-      </p:sp>
-      <p:sp>
-        <p:nvSpPr>
-          <p:cNvPr id="7" name="Номер слайда 6">
-            <a:extLst>
-              <a:ext uri="{FF2B5EF4-FFF2-40B4-BE49-F238E27FC236}">
-                <a16:creationId xmlns:a16="http://schemas.microsoft.com/office/drawing/2014/main" id="{08BDCB48-E430-4C20-A0C8-E1AF173D93AD}"/>
-              </a:ext>
-            </a:extLst>
-          </p:cNvPr>
-          <p:cNvSpPr>
-            <a:spLocks noGrp="1"/>
-          </p:cNvSpPr>
-          <p:nvPr>
-            <p:ph type="sldNum" sz="quarter" idx="12"/>
-          </p:nvPr>
-        </p:nvSpPr>
-        <p:spPr/>
-        <p:txBody>
-          <a:bodyPr/>
-          <a:lstStyle/>
-          <a:p>
-            <a:fld id="{252DB28E-DCFC-49D3-A30D-8262F7022753}" type="slidenum">
-              <a:rPr lang="ru-RU" smtClean="0"/>
-              <a:t>‹#›</a:t>
-            </a:fld>
-            <a:endParaRPr lang="ru-RU"/>
-          </a:p>
-        </p:txBody>
-      </p:sp>
-    </p:spTree>
-    <p:extLst>
-      <p:ext uri="{BB962C8B-B14F-4D97-AF65-F5344CB8AC3E}">
-        <p14:creationId xmlns:p14="http://schemas.microsoft.com/office/powerpoint/2010/main" val="1455896486"/>
       </p:ext>
     </p:extLst>
   </p:cSld>
@@ -4535,7 +4732,7 @@
           <a:p>
             <a:fld id="{48E069A6-6D0B-4C8F-9C2F-354B649EC90F}" type="datetime1">
               <a:rPr lang="ru-RU" smtClean="0"/>
-              <a:t>24.12.2024</a:t>
+              <a:t>18.05.2025</a:t>
             </a:fld>
             <a:endParaRPr lang="ru-RU"/>
           </a:p>
@@ -4647,10 +4844,11 @@
     <p:sldLayoutId id="2147483653" r:id="rId5"/>
     <p:sldLayoutId id="2147483654" r:id="rId6"/>
     <p:sldLayoutId id="2147483655" r:id="rId7"/>
-    <p:sldLayoutId id="2147483656" r:id="rId8"/>
-    <p:sldLayoutId id="2147483657" r:id="rId9"/>
-    <p:sldLayoutId id="2147483658" r:id="rId10"/>
-    <p:sldLayoutId id="2147483659" r:id="rId11"/>
+    <p:sldLayoutId id="2147483660" r:id="rId8"/>
+    <p:sldLayoutId id="2147483656" r:id="rId9"/>
+    <p:sldLayoutId id="2147483657" r:id="rId10"/>
+    <p:sldLayoutId id="2147483658" r:id="rId11"/>
+    <p:sldLayoutId id="2147483659" r:id="rId12"/>
   </p:sldLayoutIdLst>
   <p:hf hdr="0" ftr="0" dt="0"/>
   <p:txStyles>
@@ -5425,7 +5623,7 @@
                 <a:latin typeface="Times New Roman" panose="02020603050405020304" pitchFamily="18" charset="0"/>
                 <a:cs typeface="Times New Roman" panose="02020603050405020304" pitchFamily="18" charset="0"/>
               </a:rPr>
-              <a:t>Новосибирск 2024</a:t>
+              <a:t>Новосибирск 2025</a:t>
             </a:r>
           </a:p>
         </p:txBody>
@@ -5465,7 +5663,7 @@
           <p:cNvPr id="2" name="Номер слайда 1">
             <a:extLst>
               <a:ext uri="{FF2B5EF4-FFF2-40B4-BE49-F238E27FC236}">
-                <a16:creationId xmlns:a16="http://schemas.microsoft.com/office/drawing/2014/main" id="{C55D2C5D-B64D-411D-8038-EBEE9F5174B3}"/>
+                <a16:creationId xmlns:a16="http://schemas.microsoft.com/office/drawing/2014/main" id="{D6907727-66C9-4169-8BE2-4333855B16E2}"/>
               </a:ext>
             </a:extLst>
           </p:cNvPr>
@@ -5476,7 +5674,12 @@
             <p:ph type="sldNum" sz="quarter" idx="12"/>
           </p:nvPr>
         </p:nvSpPr>
-        <p:spPr/>
+        <p:spPr>
+          <a:xfrm>
+            <a:off x="131618" y="6356350"/>
+            <a:ext cx="459509" cy="365125"/>
+          </a:xfrm>
+        </p:spPr>
         <p:txBody>
           <a:bodyPr/>
           <a:lstStyle/>
@@ -5492,127 +5695,360 @@
       </p:sp>
       <p:sp>
         <p:nvSpPr>
-          <p:cNvPr id="3" name="TextBox 2">
-            <a:extLst>
-              <a:ext uri="{FF2B5EF4-FFF2-40B4-BE49-F238E27FC236}">
-                <a16:creationId xmlns:a16="http://schemas.microsoft.com/office/drawing/2014/main" id="{F94534F3-F9AA-4DDD-A490-8FCCD37E24F3}"/>
-              </a:ext>
-            </a:extLst>
-          </p:cNvPr>
-          <p:cNvSpPr txBox="1"/>
-          <p:nvPr/>
-        </p:nvSpPr>
-        <p:spPr>
-          <a:xfrm>
-            <a:off x="4080159" y="360000"/>
-            <a:ext cx="4031681" cy="540000"/>
-          </a:xfrm>
-          <a:prstGeom prst="rect">
-            <a:avLst/>
-          </a:prstGeom>
-          <a:noFill/>
-        </p:spPr>
-        <p:txBody>
-          <a:bodyPr wrap="none" rtlCol="0">
-            <a:spAutoFit/>
-          </a:bodyPr>
-          <a:lstStyle/>
-          <a:p>
-            <a:r>
-              <a:rPr lang="en-US" sz="2800" dirty="0">
-                <a:latin typeface="Times New Roman" panose="02020603050405020304" pitchFamily="18" charset="0"/>
-                <a:cs typeface="Times New Roman" panose="02020603050405020304" pitchFamily="18" charset="0"/>
-              </a:rPr>
-              <a:t> </a:t>
-            </a:r>
-            <a:r>
-              <a:rPr lang="ru-RU" sz="2800" dirty="0">
-                <a:latin typeface="Times New Roman" panose="02020603050405020304" pitchFamily="18" charset="0"/>
-                <a:cs typeface="Times New Roman" panose="02020603050405020304" pitchFamily="18" charset="0"/>
-              </a:rPr>
-              <a:t>Диаграмма компонентов</a:t>
-            </a:r>
-          </a:p>
-        </p:txBody>
-      </p:sp>
-      <p:sp>
-        <p:nvSpPr>
-          <p:cNvPr id="6" name="AutoShape 4" descr="alt text">
-            <a:extLst>
-              <a:ext uri="{FF2B5EF4-FFF2-40B4-BE49-F238E27FC236}">
-                <a16:creationId xmlns:a16="http://schemas.microsoft.com/office/drawing/2014/main" id="{583FDFD9-F0EF-4296-8F90-C389ACEC6AA8}"/>
-              </a:ext>
-            </a:extLst>
-          </p:cNvPr>
-          <p:cNvSpPr>
-            <a:spLocks noChangeAspect="1" noChangeArrowheads="1"/>
-          </p:cNvSpPr>
-          <p:nvPr/>
-        </p:nvSpPr>
-        <p:spPr bwMode="auto">
-          <a:xfrm>
-            <a:off x="5943600" y="3276600"/>
-            <a:ext cx="304800" cy="304800"/>
-          </a:xfrm>
-          <a:prstGeom prst="rect">
-            <a:avLst/>
-          </a:prstGeom>
-          <a:noFill/>
-          <a:extLst>
-            <a:ext uri="{909E8E84-426E-40DD-AFC4-6F175D3DCCD1}">
-              <a14:hiddenFill xmlns:a14="http://schemas.microsoft.com/office/drawing/2010/main">
-                <a:solidFill>
-                  <a:srgbClr val="FFFFFF"/>
-                </a:solidFill>
-              </a14:hiddenFill>
-            </a:ext>
-          </a:extLst>
-        </p:spPr>
-        <p:txBody>
-          <a:bodyPr vert="horz" wrap="square" lIns="91440" tIns="45720" rIns="91440" bIns="45720" numCol="1" anchor="t" anchorCtr="0" compatLnSpc="1">
-            <a:prstTxWarp prst="textNoShape">
-              <a:avLst/>
-            </a:prstTxWarp>
-          </a:bodyPr>
+          <p:cNvPr id="24" name="Заголовок 23">
+            <a:extLst>
+              <a:ext uri="{FF2B5EF4-FFF2-40B4-BE49-F238E27FC236}">
+                <a16:creationId xmlns:a16="http://schemas.microsoft.com/office/drawing/2014/main" id="{8C15DCCE-DC96-41D0-AC1B-0B213E6D2389}"/>
+              </a:ext>
+            </a:extLst>
+          </p:cNvPr>
+          <p:cNvSpPr>
+            <a:spLocks noGrp="1"/>
+          </p:cNvSpPr>
+          <p:nvPr>
+            <p:ph type="title"/>
+          </p:nvPr>
+        </p:nvSpPr>
+        <p:spPr/>
+        <p:txBody>
+          <a:bodyPr/>
+          <a:lstStyle/>
+          <a:p>
+            <a:r>
+              <a:rPr lang="ru-RU" dirty="0"/>
+              <a:t>Метрики</a:t>
+            </a:r>
+          </a:p>
+        </p:txBody>
+      </p:sp>
+      <p:sp>
+        <p:nvSpPr>
+          <p:cNvPr id="25" name="Текст 24">
+            <a:extLst>
+              <a:ext uri="{FF2B5EF4-FFF2-40B4-BE49-F238E27FC236}">
+                <a16:creationId xmlns:a16="http://schemas.microsoft.com/office/drawing/2014/main" id="{CCF00E6F-3F26-44B4-A770-58E91B4A6E46}"/>
+              </a:ext>
+            </a:extLst>
+          </p:cNvPr>
+          <p:cNvSpPr>
+            <a:spLocks noGrp="1"/>
+          </p:cNvSpPr>
+          <p:nvPr>
+            <p:ph type="body" sz="quarter" idx="13"/>
+          </p:nvPr>
+        </p:nvSpPr>
+        <p:spPr/>
+        <p:txBody>
+          <a:bodyPr/>
           <a:lstStyle/>
           <a:p>
             <a:endParaRPr lang="ru-RU"/>
           </a:p>
         </p:txBody>
       </p:sp>
-      <p:pic>
-        <p:nvPicPr>
-          <p:cNvPr id="7" name="Рисунок 6">
-            <a:extLst>
-              <a:ext uri="{FF2B5EF4-FFF2-40B4-BE49-F238E27FC236}">
-                <a16:creationId xmlns:a16="http://schemas.microsoft.com/office/drawing/2014/main" id="{F3651987-54B3-451E-8DEB-A8CE87450245}"/>
-              </a:ext>
-            </a:extLst>
-          </p:cNvPr>
-          <p:cNvPicPr>
-            <a:picLocks noChangeAspect="1"/>
-          </p:cNvPicPr>
-          <p:nvPr/>
-        </p:nvPicPr>
-        <p:blipFill rotWithShape="1">
-          <a:blip r:embed="rId2"/>
-          <a:srcRect t="40351"/>
-          <a:stretch/>
-        </p:blipFill>
-        <p:spPr>
-          <a:xfrm>
-            <a:off x="3479328" y="1200371"/>
-            <a:ext cx="5233342" cy="5034650"/>
-          </a:xfrm>
-          <a:prstGeom prst="rect">
-            <a:avLst/>
-          </a:prstGeom>
-        </p:spPr>
-      </p:pic>
+      <p:graphicFrame>
+        <p:nvGraphicFramePr>
+          <p:cNvPr id="7" name="Таблица 7">
+            <a:extLst>
+              <a:ext uri="{FF2B5EF4-FFF2-40B4-BE49-F238E27FC236}">
+                <a16:creationId xmlns:a16="http://schemas.microsoft.com/office/drawing/2014/main" id="{E5BD47B0-7951-4D15-A5AE-FD21171EB5BA}"/>
+              </a:ext>
+            </a:extLst>
+          </p:cNvPr>
+          <p:cNvGraphicFramePr>
+            <a:graphicFrameLocks noGrp="1"/>
+          </p:cNvGraphicFramePr>
+          <p:nvPr>
+            <p:extLst>
+              <p:ext uri="{D42A27DB-BD31-4B8C-83A1-F6EECF244321}">
+                <p14:modId xmlns:p14="http://schemas.microsoft.com/office/powerpoint/2010/main" val="3606882559"/>
+              </p:ext>
+            </p:extLst>
+          </p:nvPr>
+        </p:nvGraphicFramePr>
+        <p:xfrm>
+          <a:off x="2032000" y="4210116"/>
+          <a:ext cx="8128000" cy="1854200"/>
+        </p:xfrm>
+        <a:graphic>
+          <a:graphicData uri="http://schemas.openxmlformats.org/drawingml/2006/table">
+            <a:tbl>
+              <a:tblPr firstRow="1" bandRow="1">
+                <a:tableStyleId>{5C22544A-7EE6-4342-B048-85BDC9FD1C3A}</a:tableStyleId>
+              </a:tblPr>
+              <a:tblGrid>
+                <a:gridCol w="2032000">
+                  <a:extLst>
+                    <a:ext uri="{9D8B030D-6E8A-4147-A177-3AD203B41FA5}">
+                      <a16:colId xmlns:a16="http://schemas.microsoft.com/office/drawing/2014/main" val="789645454"/>
+                    </a:ext>
+                  </a:extLst>
+                </a:gridCol>
+                <a:gridCol w="2032000">
+                  <a:extLst>
+                    <a:ext uri="{9D8B030D-6E8A-4147-A177-3AD203B41FA5}">
+                      <a16:colId xmlns:a16="http://schemas.microsoft.com/office/drawing/2014/main" val="1200515169"/>
+                    </a:ext>
+                  </a:extLst>
+                </a:gridCol>
+                <a:gridCol w="2032000">
+                  <a:extLst>
+                    <a:ext uri="{9D8B030D-6E8A-4147-A177-3AD203B41FA5}">
+                      <a16:colId xmlns:a16="http://schemas.microsoft.com/office/drawing/2014/main" val="878370442"/>
+                    </a:ext>
+                  </a:extLst>
+                </a:gridCol>
+                <a:gridCol w="2032000">
+                  <a:extLst>
+                    <a:ext uri="{9D8B030D-6E8A-4147-A177-3AD203B41FA5}">
+                      <a16:colId xmlns:a16="http://schemas.microsoft.com/office/drawing/2014/main" val="1378538484"/>
+                    </a:ext>
+                  </a:extLst>
+                </a:gridCol>
+              </a:tblGrid>
+              <a:tr h="370840">
+                <a:tc>
+                  <a:txBody>
+                    <a:bodyPr/>
+                    <a:lstStyle/>
+                    <a:p>
+                      <a:endParaRPr lang="ru-RU"/>
+                    </a:p>
+                  </a:txBody>
+                  <a:tcPr/>
+                </a:tc>
+                <a:tc>
+                  <a:txBody>
+                    <a:bodyPr/>
+                    <a:lstStyle/>
+                    <a:p>
+                      <a:endParaRPr lang="ru-RU" dirty="0"/>
+                    </a:p>
+                  </a:txBody>
+                  <a:tcPr/>
+                </a:tc>
+                <a:tc>
+                  <a:txBody>
+                    <a:bodyPr/>
+                    <a:lstStyle/>
+                    <a:p>
+                      <a:endParaRPr lang="ru-RU"/>
+                    </a:p>
+                  </a:txBody>
+                  <a:tcPr/>
+                </a:tc>
+                <a:tc>
+                  <a:txBody>
+                    <a:bodyPr/>
+                    <a:lstStyle/>
+                    <a:p>
+                      <a:endParaRPr lang="ru-RU"/>
+                    </a:p>
+                  </a:txBody>
+                  <a:tcPr/>
+                </a:tc>
+                <a:extLst>
+                  <a:ext uri="{0D108BD9-81ED-4DB2-BD59-A6C34878D82A}">
+                    <a16:rowId xmlns:a16="http://schemas.microsoft.com/office/drawing/2014/main" val="2227536109"/>
+                  </a:ext>
+                </a:extLst>
+              </a:tr>
+              <a:tr h="370840">
+                <a:tc>
+                  <a:txBody>
+                    <a:bodyPr/>
+                    <a:lstStyle/>
+                    <a:p>
+                      <a:endParaRPr lang="ru-RU" dirty="0"/>
+                    </a:p>
+                  </a:txBody>
+                  <a:tcPr/>
+                </a:tc>
+                <a:tc>
+                  <a:txBody>
+                    <a:bodyPr/>
+                    <a:lstStyle/>
+                    <a:p>
+                      <a:endParaRPr lang="ru-RU" dirty="0"/>
+                    </a:p>
+                  </a:txBody>
+                  <a:tcPr/>
+                </a:tc>
+                <a:tc>
+                  <a:txBody>
+                    <a:bodyPr/>
+                    <a:lstStyle/>
+                    <a:p>
+                      <a:endParaRPr lang="ru-RU"/>
+                    </a:p>
+                  </a:txBody>
+                  <a:tcPr/>
+                </a:tc>
+                <a:tc>
+                  <a:txBody>
+                    <a:bodyPr/>
+                    <a:lstStyle/>
+                    <a:p>
+                      <a:endParaRPr lang="ru-RU"/>
+                    </a:p>
+                  </a:txBody>
+                  <a:tcPr/>
+                </a:tc>
+                <a:extLst>
+                  <a:ext uri="{0D108BD9-81ED-4DB2-BD59-A6C34878D82A}">
+                    <a16:rowId xmlns:a16="http://schemas.microsoft.com/office/drawing/2014/main" val="3934186689"/>
+                  </a:ext>
+                </a:extLst>
+              </a:tr>
+              <a:tr h="370840">
+                <a:tc>
+                  <a:txBody>
+                    <a:bodyPr/>
+                    <a:lstStyle/>
+                    <a:p>
+                      <a:endParaRPr lang="ru-RU"/>
+                    </a:p>
+                  </a:txBody>
+                  <a:tcPr/>
+                </a:tc>
+                <a:tc>
+                  <a:txBody>
+                    <a:bodyPr/>
+                    <a:lstStyle/>
+                    <a:p>
+                      <a:endParaRPr lang="ru-RU" dirty="0"/>
+                    </a:p>
+                  </a:txBody>
+                  <a:tcPr/>
+                </a:tc>
+                <a:tc>
+                  <a:txBody>
+                    <a:bodyPr/>
+                    <a:lstStyle/>
+                    <a:p>
+                      <a:endParaRPr lang="ru-RU"/>
+                    </a:p>
+                  </a:txBody>
+                  <a:tcPr/>
+                </a:tc>
+                <a:tc>
+                  <a:txBody>
+                    <a:bodyPr/>
+                    <a:lstStyle/>
+                    <a:p>
+                      <a:endParaRPr lang="ru-RU"/>
+                    </a:p>
+                  </a:txBody>
+                  <a:tcPr/>
+                </a:tc>
+                <a:extLst>
+                  <a:ext uri="{0D108BD9-81ED-4DB2-BD59-A6C34878D82A}">
+                    <a16:rowId xmlns:a16="http://schemas.microsoft.com/office/drawing/2014/main" val="1953501242"/>
+                  </a:ext>
+                </a:extLst>
+              </a:tr>
+              <a:tr h="370840">
+                <a:tc>
+                  <a:txBody>
+                    <a:bodyPr/>
+                    <a:lstStyle/>
+                    <a:p>
+                      <a:endParaRPr lang="ru-RU"/>
+                    </a:p>
+                  </a:txBody>
+                  <a:tcPr/>
+                </a:tc>
+                <a:tc>
+                  <a:txBody>
+                    <a:bodyPr/>
+                    <a:lstStyle/>
+                    <a:p>
+                      <a:endParaRPr lang="ru-RU" dirty="0"/>
+                    </a:p>
+                  </a:txBody>
+                  <a:tcPr/>
+                </a:tc>
+                <a:tc>
+                  <a:txBody>
+                    <a:bodyPr/>
+                    <a:lstStyle/>
+                    <a:p>
+                      <a:endParaRPr lang="ru-RU"/>
+                    </a:p>
+                  </a:txBody>
+                  <a:tcPr/>
+                </a:tc>
+                <a:tc>
+                  <a:txBody>
+                    <a:bodyPr/>
+                    <a:lstStyle/>
+                    <a:p>
+                      <a:endParaRPr lang="ru-RU"/>
+                    </a:p>
+                  </a:txBody>
+                  <a:tcPr/>
+                </a:tc>
+                <a:extLst>
+                  <a:ext uri="{0D108BD9-81ED-4DB2-BD59-A6C34878D82A}">
+                    <a16:rowId xmlns:a16="http://schemas.microsoft.com/office/drawing/2014/main" val="3757273455"/>
+                  </a:ext>
+                </a:extLst>
+              </a:tr>
+              <a:tr h="370840">
+                <a:tc>
+                  <a:txBody>
+                    <a:bodyPr/>
+                    <a:lstStyle/>
+                    <a:p>
+                      <a:endParaRPr lang="ru-RU"/>
+                    </a:p>
+                  </a:txBody>
+                  <a:tcPr/>
+                </a:tc>
+                <a:tc>
+                  <a:txBody>
+                    <a:bodyPr/>
+                    <a:lstStyle/>
+                    <a:p>
+                      <a:endParaRPr lang="ru-RU"/>
+                    </a:p>
+                  </a:txBody>
+                  <a:tcPr/>
+                </a:tc>
+                <a:tc>
+                  <a:txBody>
+                    <a:bodyPr/>
+                    <a:lstStyle/>
+                    <a:p>
+                      <a:endParaRPr lang="ru-RU"/>
+                    </a:p>
+                  </a:txBody>
+                  <a:tcPr/>
+                </a:tc>
+                <a:tc>
+                  <a:txBody>
+                    <a:bodyPr/>
+                    <a:lstStyle/>
+                    <a:p>
+                      <a:endParaRPr lang="ru-RU" dirty="0"/>
+                    </a:p>
+                  </a:txBody>
+                  <a:tcPr/>
+                </a:tc>
+                <a:extLst>
+                  <a:ext uri="{0D108BD9-81ED-4DB2-BD59-A6C34878D82A}">
+                    <a16:rowId xmlns:a16="http://schemas.microsoft.com/office/drawing/2014/main" val="1304184672"/>
+                  </a:ext>
+                </a:extLst>
+              </a:tr>
+            </a:tbl>
+          </a:graphicData>
+        </a:graphic>
+      </p:graphicFrame>
     </p:spTree>
     <p:extLst>
       <p:ext uri="{BB962C8B-B14F-4D97-AF65-F5344CB8AC3E}">
-        <p14:creationId xmlns:p14="http://schemas.microsoft.com/office/powerpoint/2010/main" val="2955481828"/>
+        <p14:creationId xmlns:p14="http://schemas.microsoft.com/office/powerpoint/2010/main" val="2425228942"/>
       </p:ext>
     </p:extLst>
   </p:cSld>
@@ -5641,18 +6077,18 @@
       </p:grpSpPr>
       <p:sp>
         <p:nvSpPr>
-          <p:cNvPr id="2" name="Номер слайда 1">
-            <a:extLst>
-              <a:ext uri="{FF2B5EF4-FFF2-40B4-BE49-F238E27FC236}">
-                <a16:creationId xmlns:a16="http://schemas.microsoft.com/office/drawing/2014/main" id="{8B58434D-08EB-42AC-BD9D-CE99496FA403}"/>
-              </a:ext>
-            </a:extLst>
-          </p:cNvPr>
-          <p:cNvSpPr>
-            <a:spLocks noGrp="1"/>
-          </p:cNvSpPr>
-          <p:nvPr>
-            <p:ph type="sldNum" sz="quarter" idx="12"/>
+          <p:cNvPr id="4" name="Заголовок 3">
+            <a:extLst>
+              <a:ext uri="{FF2B5EF4-FFF2-40B4-BE49-F238E27FC236}">
+                <a16:creationId xmlns:a16="http://schemas.microsoft.com/office/drawing/2014/main" id="{06CC650A-FAE8-47EC-8E5F-91A349D574F9}"/>
+              </a:ext>
+            </a:extLst>
+          </p:cNvPr>
+          <p:cNvSpPr>
+            <a:spLocks noGrp="1"/>
+          </p:cNvSpPr>
+          <p:nvPr>
+            <p:ph type="title"/>
           </p:nvPr>
         </p:nvSpPr>
         <p:spPr/>
@@ -5660,85 +6096,37 @@
           <a:bodyPr/>
           <a:lstStyle/>
           <a:p>
-            <a:fld id="{252DB28E-DCFC-49D3-A30D-8262F7022753}" type="slidenum">
-              <a:rPr lang="ru-RU" smtClean="0"/>
-              <a:pPr/>
-              <a:t>11</a:t>
-            </a:fld>
-            <a:endParaRPr lang="ru-RU" dirty="0"/>
-          </a:p>
-        </p:txBody>
-      </p:sp>
-      <p:pic>
-        <p:nvPicPr>
-          <p:cNvPr id="4" name="Рисунок 3">
-            <a:extLst>
-              <a:ext uri="{FF2B5EF4-FFF2-40B4-BE49-F238E27FC236}">
-                <a16:creationId xmlns:a16="http://schemas.microsoft.com/office/drawing/2014/main" id="{3D176A9D-B87E-4FA0-B42D-94B7EBE44577}"/>
-              </a:ext>
-            </a:extLst>
-          </p:cNvPr>
-          <p:cNvPicPr>
-            <a:picLocks noChangeAspect="1"/>
-          </p:cNvPicPr>
-          <p:nvPr/>
-        </p:nvPicPr>
-        <p:blipFill rotWithShape="1">
-          <a:blip r:embed="rId2"/>
-          <a:srcRect b="74841"/>
-          <a:stretch/>
-        </p:blipFill>
-        <p:spPr>
-          <a:xfrm>
-            <a:off x="1853199" y="1422400"/>
-            <a:ext cx="8485602" cy="3725333"/>
-          </a:xfrm>
-          <a:prstGeom prst="rect">
-            <a:avLst/>
-          </a:prstGeom>
-        </p:spPr>
-      </p:pic>
-      <p:sp>
-        <p:nvSpPr>
-          <p:cNvPr id="5" name="TextBox 4">
-            <a:extLst>
-              <a:ext uri="{FF2B5EF4-FFF2-40B4-BE49-F238E27FC236}">
-                <a16:creationId xmlns:a16="http://schemas.microsoft.com/office/drawing/2014/main" id="{7FC05E39-B158-411A-8829-6C6CB279EE12}"/>
-              </a:ext>
-            </a:extLst>
-          </p:cNvPr>
-          <p:cNvSpPr txBox="1"/>
-          <p:nvPr/>
-        </p:nvSpPr>
-        <p:spPr>
-          <a:xfrm>
-            <a:off x="3438958" y="360000"/>
-            <a:ext cx="5314083" cy="523220"/>
-          </a:xfrm>
-          <a:prstGeom prst="rect">
-            <a:avLst/>
-          </a:prstGeom>
-          <a:noFill/>
-        </p:spPr>
-        <p:txBody>
-          <a:bodyPr wrap="none" rtlCol="0">
-            <a:spAutoFit/>
-          </a:bodyPr>
-          <a:lstStyle/>
-          <a:p>
-            <a:r>
-              <a:rPr lang="en-US" sz="2800" dirty="0">
-                <a:latin typeface="Times New Roman" panose="02020603050405020304" pitchFamily="18" charset="0"/>
-                <a:cs typeface="Times New Roman" panose="02020603050405020304" pitchFamily="18" charset="0"/>
-              </a:rPr>
-              <a:t> </a:t>
-            </a:r>
-            <a:r>
-              <a:rPr lang="ru-RU" sz="2800" dirty="0">
-                <a:latin typeface="Times New Roman" panose="02020603050405020304" pitchFamily="18" charset="0"/>
-                <a:cs typeface="Times New Roman" panose="02020603050405020304" pitchFamily="18" charset="0"/>
-              </a:rPr>
-              <a:t>Диаграмма последовательностей</a:t>
+            <a:r>
+              <a:rPr lang="ru-RU" dirty="0"/>
+              <a:t>Выводы</a:t>
+            </a:r>
+          </a:p>
+        </p:txBody>
+      </p:sp>
+      <p:sp>
+        <p:nvSpPr>
+          <p:cNvPr id="5" name="Текст 4">
+            <a:extLst>
+              <a:ext uri="{FF2B5EF4-FFF2-40B4-BE49-F238E27FC236}">
+                <a16:creationId xmlns:a16="http://schemas.microsoft.com/office/drawing/2014/main" id="{B2B97F77-6173-445A-9CB3-1859FC89BE2E}"/>
+              </a:ext>
+            </a:extLst>
+          </p:cNvPr>
+          <p:cNvSpPr>
+            <a:spLocks noGrp="1"/>
+          </p:cNvSpPr>
+          <p:nvPr>
+            <p:ph type="body" sz="quarter" idx="13"/>
+          </p:nvPr>
+        </p:nvSpPr>
+        <p:spPr/>
+        <p:txBody>
+          <a:bodyPr/>
+          <a:lstStyle/>
+          <a:p>
+            <a:r>
+              <a:rPr lang="ru-RU" dirty="0"/>
+              <a:t>В итоге получилась система, которая эффективно работает с большими PDF-документами и позволяет в реальном времени находить и формировать релевантные ответы на вопросы.</a:t>
             </a:r>
           </a:p>
         </p:txBody>
@@ -5746,456 +6134,7 @@
     </p:spTree>
     <p:extLst>
       <p:ext uri="{BB962C8B-B14F-4D97-AF65-F5344CB8AC3E}">
-        <p14:creationId xmlns:p14="http://schemas.microsoft.com/office/powerpoint/2010/main" val="2291657742"/>
-      </p:ext>
-    </p:extLst>
-  </p:cSld>
-  <p:clrMapOvr>
-    <a:masterClrMapping/>
-  </p:clrMapOvr>
-</p:sld>
-</file>
-
-<file path=ppt/slides/slide12.xml><?xml version="1.0" encoding="utf-8"?>
-<p:sld xmlns:a="http://schemas.openxmlformats.org/drawingml/2006/main" xmlns:r="http://schemas.openxmlformats.org/officeDocument/2006/relationships" xmlns:p="http://schemas.openxmlformats.org/presentationml/2006/main">
-  <p:cSld>
-    <p:spTree>
-      <p:nvGrpSpPr>
-        <p:cNvPr id="1" name=""/>
-        <p:cNvGrpSpPr/>
-        <p:nvPr/>
-      </p:nvGrpSpPr>
-      <p:grpSpPr>
-        <a:xfrm>
-          <a:off x="0" y="0"/>
-          <a:ext cx="0" cy="0"/>
-          <a:chOff x="0" y="0"/>
-          <a:chExt cx="0" cy="0"/>
-        </a:xfrm>
-      </p:grpSpPr>
-      <p:sp>
-        <p:nvSpPr>
-          <p:cNvPr id="2" name="Номер слайда 1">
-            <a:extLst>
-              <a:ext uri="{FF2B5EF4-FFF2-40B4-BE49-F238E27FC236}">
-                <a16:creationId xmlns:a16="http://schemas.microsoft.com/office/drawing/2014/main" id="{CE98FF86-44CD-4D88-8D2D-5BA0781CF5BB}"/>
-              </a:ext>
-            </a:extLst>
-          </p:cNvPr>
-          <p:cNvSpPr>
-            <a:spLocks noGrp="1"/>
-          </p:cNvSpPr>
-          <p:nvPr>
-            <p:ph type="sldNum" sz="quarter" idx="12"/>
-          </p:nvPr>
-        </p:nvSpPr>
-        <p:spPr/>
-        <p:txBody>
-          <a:bodyPr/>
-          <a:lstStyle/>
-          <a:p>
-            <a:fld id="{252DB28E-DCFC-49D3-A30D-8262F7022753}" type="slidenum">
-              <a:rPr lang="ru-RU" smtClean="0"/>
-              <a:pPr/>
-              <a:t>12</a:t>
-            </a:fld>
-            <a:endParaRPr lang="ru-RU" dirty="0"/>
-          </a:p>
-        </p:txBody>
-      </p:sp>
-      <p:sp>
-        <p:nvSpPr>
-          <p:cNvPr id="3" name="AutoShape 2" descr="alt text">
-            <a:extLst>
-              <a:ext uri="{FF2B5EF4-FFF2-40B4-BE49-F238E27FC236}">
-                <a16:creationId xmlns:a16="http://schemas.microsoft.com/office/drawing/2014/main" id="{EFE4BE11-096E-4618-B9CE-76138AD4327B}"/>
-              </a:ext>
-            </a:extLst>
-          </p:cNvPr>
-          <p:cNvSpPr>
-            <a:spLocks noChangeAspect="1" noChangeArrowheads="1"/>
-          </p:cNvSpPr>
-          <p:nvPr/>
-        </p:nvSpPr>
-        <p:spPr bwMode="auto">
-          <a:xfrm>
-            <a:off x="5943600" y="3276600"/>
-            <a:ext cx="304800" cy="304800"/>
-          </a:xfrm>
-          <a:prstGeom prst="rect">
-            <a:avLst/>
-          </a:prstGeom>
-          <a:noFill/>
-          <a:extLst>
-            <a:ext uri="{909E8E84-426E-40DD-AFC4-6F175D3DCCD1}">
-              <a14:hiddenFill xmlns:a14="http://schemas.microsoft.com/office/drawing/2010/main">
-                <a:solidFill>
-                  <a:srgbClr val="FFFFFF"/>
-                </a:solidFill>
-              </a14:hiddenFill>
-            </a:ext>
-          </a:extLst>
-        </p:spPr>
-        <p:txBody>
-          <a:bodyPr vert="horz" wrap="square" lIns="91440" tIns="45720" rIns="91440" bIns="45720" numCol="1" anchor="t" anchorCtr="0" compatLnSpc="1">
-            <a:prstTxWarp prst="textNoShape">
-              <a:avLst/>
-            </a:prstTxWarp>
-          </a:bodyPr>
-          <a:lstStyle/>
-          <a:p>
-            <a:endParaRPr lang="ru-RU"/>
-          </a:p>
-        </p:txBody>
-      </p:sp>
-      <p:pic>
-        <p:nvPicPr>
-          <p:cNvPr id="4" name="Рисунок 3">
-            <a:extLst>
-              <a:ext uri="{FF2B5EF4-FFF2-40B4-BE49-F238E27FC236}">
-                <a16:creationId xmlns:a16="http://schemas.microsoft.com/office/drawing/2014/main" id="{BD19224D-190F-47DA-8DB5-DE7886E366AA}"/>
-              </a:ext>
-            </a:extLst>
-          </p:cNvPr>
-          <p:cNvPicPr>
-            <a:picLocks noChangeAspect="1"/>
-          </p:cNvPicPr>
-          <p:nvPr/>
-        </p:nvPicPr>
-        <p:blipFill rotWithShape="1">
-          <a:blip r:embed="rId2"/>
-          <a:srcRect t="25074" b="34206"/>
-          <a:stretch/>
-        </p:blipFill>
-        <p:spPr>
-          <a:xfrm>
-            <a:off x="2559657" y="1320799"/>
-            <a:ext cx="6767886" cy="4809067"/>
-          </a:xfrm>
-          <a:prstGeom prst="rect">
-            <a:avLst/>
-          </a:prstGeom>
-        </p:spPr>
-      </p:pic>
-      <p:sp>
-        <p:nvSpPr>
-          <p:cNvPr id="5" name="TextBox 4">
-            <a:extLst>
-              <a:ext uri="{FF2B5EF4-FFF2-40B4-BE49-F238E27FC236}">
-                <a16:creationId xmlns:a16="http://schemas.microsoft.com/office/drawing/2014/main" id="{5C571EAF-47EC-4274-A6A6-08ED9F5DD45C}"/>
-              </a:ext>
-            </a:extLst>
-          </p:cNvPr>
-          <p:cNvSpPr txBox="1"/>
-          <p:nvPr/>
-        </p:nvSpPr>
-        <p:spPr>
-          <a:xfrm>
-            <a:off x="3438958" y="360000"/>
-            <a:ext cx="5314083" cy="523220"/>
-          </a:xfrm>
-          <a:prstGeom prst="rect">
-            <a:avLst/>
-          </a:prstGeom>
-          <a:noFill/>
-        </p:spPr>
-        <p:txBody>
-          <a:bodyPr wrap="none" rtlCol="0">
-            <a:spAutoFit/>
-          </a:bodyPr>
-          <a:lstStyle/>
-          <a:p>
-            <a:r>
-              <a:rPr lang="en-US" sz="2800" dirty="0">
-                <a:latin typeface="Times New Roman" panose="02020603050405020304" pitchFamily="18" charset="0"/>
-                <a:cs typeface="Times New Roman" panose="02020603050405020304" pitchFamily="18" charset="0"/>
-              </a:rPr>
-              <a:t> </a:t>
-            </a:r>
-            <a:r>
-              <a:rPr lang="ru-RU" sz="2800" dirty="0">
-                <a:latin typeface="Times New Roman" panose="02020603050405020304" pitchFamily="18" charset="0"/>
-                <a:cs typeface="Times New Roman" panose="02020603050405020304" pitchFamily="18" charset="0"/>
-              </a:rPr>
-              <a:t>Диаграмма последовательностей</a:t>
-            </a:r>
-          </a:p>
-        </p:txBody>
-      </p:sp>
-    </p:spTree>
-    <p:extLst>
-      <p:ext uri="{BB962C8B-B14F-4D97-AF65-F5344CB8AC3E}">
-        <p14:creationId xmlns:p14="http://schemas.microsoft.com/office/powerpoint/2010/main" val="675255419"/>
-      </p:ext>
-    </p:extLst>
-  </p:cSld>
-  <p:clrMapOvr>
-    <a:masterClrMapping/>
-  </p:clrMapOvr>
-</p:sld>
-</file>
-
-<file path=ppt/slides/slide13.xml><?xml version="1.0" encoding="utf-8"?>
-<p:sld xmlns:a="http://schemas.openxmlformats.org/drawingml/2006/main" xmlns:r="http://schemas.openxmlformats.org/officeDocument/2006/relationships" xmlns:p="http://schemas.openxmlformats.org/presentationml/2006/main">
-  <p:cSld>
-    <p:spTree>
-      <p:nvGrpSpPr>
-        <p:cNvPr id="1" name=""/>
-        <p:cNvGrpSpPr/>
-        <p:nvPr/>
-      </p:nvGrpSpPr>
-      <p:grpSpPr>
-        <a:xfrm>
-          <a:off x="0" y="0"/>
-          <a:ext cx="0" cy="0"/>
-          <a:chOff x="0" y="0"/>
-          <a:chExt cx="0" cy="0"/>
-        </a:xfrm>
-      </p:grpSpPr>
-      <p:sp>
-        <p:nvSpPr>
-          <p:cNvPr id="2" name="Номер слайда 1">
-            <a:extLst>
-              <a:ext uri="{FF2B5EF4-FFF2-40B4-BE49-F238E27FC236}">
-                <a16:creationId xmlns:a16="http://schemas.microsoft.com/office/drawing/2014/main" id="{75F8C2E2-47C9-4026-A17D-CAE4D7EAEDE6}"/>
-              </a:ext>
-            </a:extLst>
-          </p:cNvPr>
-          <p:cNvSpPr>
-            <a:spLocks noGrp="1"/>
-          </p:cNvSpPr>
-          <p:nvPr>
-            <p:ph type="sldNum" sz="quarter" idx="12"/>
-          </p:nvPr>
-        </p:nvSpPr>
-        <p:spPr/>
-        <p:txBody>
-          <a:bodyPr/>
-          <a:lstStyle/>
-          <a:p>
-            <a:fld id="{252DB28E-DCFC-49D3-A30D-8262F7022753}" type="slidenum">
-              <a:rPr lang="ru-RU" smtClean="0"/>
-              <a:pPr/>
-              <a:t>13</a:t>
-            </a:fld>
-            <a:endParaRPr lang="ru-RU" dirty="0"/>
-          </a:p>
-        </p:txBody>
-      </p:sp>
-      <p:pic>
-        <p:nvPicPr>
-          <p:cNvPr id="4" name="Рисунок 3">
-            <a:extLst>
-              <a:ext uri="{FF2B5EF4-FFF2-40B4-BE49-F238E27FC236}">
-                <a16:creationId xmlns:a16="http://schemas.microsoft.com/office/drawing/2014/main" id="{FED9BFE2-558E-4FF7-8AC3-385FC8AD56B3}"/>
-              </a:ext>
-            </a:extLst>
-          </p:cNvPr>
-          <p:cNvPicPr>
-            <a:picLocks noChangeAspect="1"/>
-          </p:cNvPicPr>
-          <p:nvPr/>
-        </p:nvPicPr>
-        <p:blipFill rotWithShape="1">
-          <a:blip r:embed="rId2"/>
-          <a:srcRect t="66211"/>
-          <a:stretch/>
-        </p:blipFill>
-        <p:spPr>
-          <a:xfrm>
-            <a:off x="2210927" y="1379218"/>
-            <a:ext cx="7770144" cy="4581313"/>
-          </a:xfrm>
-          <a:prstGeom prst="rect">
-            <a:avLst/>
-          </a:prstGeom>
-        </p:spPr>
-      </p:pic>
-      <p:sp>
-        <p:nvSpPr>
-          <p:cNvPr id="5" name="TextBox 4">
-            <a:extLst>
-              <a:ext uri="{FF2B5EF4-FFF2-40B4-BE49-F238E27FC236}">
-                <a16:creationId xmlns:a16="http://schemas.microsoft.com/office/drawing/2014/main" id="{053F5F19-6769-40AA-9DF4-87160A1865B3}"/>
-              </a:ext>
-            </a:extLst>
-          </p:cNvPr>
-          <p:cNvSpPr txBox="1"/>
-          <p:nvPr/>
-        </p:nvSpPr>
-        <p:spPr>
-          <a:xfrm>
-            <a:off x="3438958" y="360000"/>
-            <a:ext cx="5314083" cy="523220"/>
-          </a:xfrm>
-          <a:prstGeom prst="rect">
-            <a:avLst/>
-          </a:prstGeom>
-          <a:noFill/>
-        </p:spPr>
-        <p:txBody>
-          <a:bodyPr wrap="none" rtlCol="0">
-            <a:spAutoFit/>
-          </a:bodyPr>
-          <a:lstStyle/>
-          <a:p>
-            <a:r>
-              <a:rPr lang="en-US" sz="2800" dirty="0">
-                <a:latin typeface="Times New Roman" panose="02020603050405020304" pitchFamily="18" charset="0"/>
-                <a:cs typeface="Times New Roman" panose="02020603050405020304" pitchFamily="18" charset="0"/>
-              </a:rPr>
-              <a:t> </a:t>
-            </a:r>
-            <a:r>
-              <a:rPr lang="ru-RU" sz="2800" dirty="0">
-                <a:latin typeface="Times New Roman" panose="02020603050405020304" pitchFamily="18" charset="0"/>
-                <a:cs typeface="Times New Roman" panose="02020603050405020304" pitchFamily="18" charset="0"/>
-              </a:rPr>
-              <a:t>Диаграмма последовательностей</a:t>
-            </a:r>
-          </a:p>
-        </p:txBody>
-      </p:sp>
-    </p:spTree>
-    <p:extLst>
-      <p:ext uri="{BB962C8B-B14F-4D97-AF65-F5344CB8AC3E}">
-        <p14:creationId xmlns:p14="http://schemas.microsoft.com/office/powerpoint/2010/main" val="1321437677"/>
-      </p:ext>
-    </p:extLst>
-  </p:cSld>
-  <p:clrMapOvr>
-    <a:masterClrMapping/>
-  </p:clrMapOvr>
-</p:sld>
-</file>
-
-<file path=ppt/slides/slide14.xml><?xml version="1.0" encoding="utf-8"?>
-<p:sld xmlns:a="http://schemas.openxmlformats.org/drawingml/2006/main" xmlns:r="http://schemas.openxmlformats.org/officeDocument/2006/relationships" xmlns:p="http://schemas.openxmlformats.org/presentationml/2006/main">
-  <p:cSld>
-    <p:spTree>
-      <p:nvGrpSpPr>
-        <p:cNvPr id="1" name=""/>
-        <p:cNvGrpSpPr/>
-        <p:nvPr/>
-      </p:nvGrpSpPr>
-      <p:grpSpPr>
-        <a:xfrm>
-          <a:off x="0" y="0"/>
-          <a:ext cx="0" cy="0"/>
-          <a:chOff x="0" y="0"/>
-          <a:chExt cx="0" cy="0"/>
-        </a:xfrm>
-      </p:grpSpPr>
-      <p:sp>
-        <p:nvSpPr>
-          <p:cNvPr id="2" name="Номер слайда 1">
-            <a:extLst>
-              <a:ext uri="{FF2B5EF4-FFF2-40B4-BE49-F238E27FC236}">
-                <a16:creationId xmlns:a16="http://schemas.microsoft.com/office/drawing/2014/main" id="{A517E03A-9913-46F0-89BE-433492F7968C}"/>
-              </a:ext>
-            </a:extLst>
-          </p:cNvPr>
-          <p:cNvSpPr>
-            <a:spLocks noGrp="1"/>
-          </p:cNvSpPr>
-          <p:nvPr>
-            <p:ph type="sldNum" sz="quarter" idx="12"/>
-          </p:nvPr>
-        </p:nvSpPr>
-        <p:spPr/>
-        <p:txBody>
-          <a:bodyPr/>
-          <a:lstStyle/>
-          <a:p>
-            <a:fld id="{252DB28E-DCFC-49D3-A30D-8262F7022753}" type="slidenum">
-              <a:rPr lang="ru-RU" smtClean="0"/>
-              <a:pPr/>
-              <a:t>14</a:t>
-            </a:fld>
-            <a:endParaRPr lang="ru-RU" dirty="0"/>
-          </a:p>
-        </p:txBody>
-      </p:sp>
-      <p:sp>
-        <p:nvSpPr>
-          <p:cNvPr id="3" name="TextBox 2">
-            <a:extLst>
-              <a:ext uri="{FF2B5EF4-FFF2-40B4-BE49-F238E27FC236}">
-                <a16:creationId xmlns:a16="http://schemas.microsoft.com/office/drawing/2014/main" id="{721E6886-463E-427E-9895-88D3EE22E74C}"/>
-              </a:ext>
-            </a:extLst>
-          </p:cNvPr>
-          <p:cNvSpPr txBox="1"/>
-          <p:nvPr/>
-        </p:nvSpPr>
-        <p:spPr>
-          <a:xfrm>
-            <a:off x="5158884" y="360000"/>
-            <a:ext cx="1874231" cy="523220"/>
-          </a:xfrm>
-          <a:prstGeom prst="rect">
-            <a:avLst/>
-          </a:prstGeom>
-          <a:noFill/>
-        </p:spPr>
-        <p:txBody>
-          <a:bodyPr wrap="none" rtlCol="0">
-            <a:spAutoFit/>
-          </a:bodyPr>
-          <a:lstStyle/>
-          <a:p>
-            <a:r>
-              <a:rPr lang="ru-RU" sz="2800" dirty="0">
-                <a:latin typeface="Times New Roman" panose="02020603050405020304" pitchFamily="18" charset="0"/>
-                <a:cs typeface="Times New Roman" panose="02020603050405020304" pitchFamily="18" charset="0"/>
-              </a:rPr>
-              <a:t>Интерфейс</a:t>
-            </a:r>
-          </a:p>
-        </p:txBody>
-      </p:sp>
-      <p:pic>
-        <p:nvPicPr>
-          <p:cNvPr id="6" name="Рисунок 5">
-            <a:extLst>
-              <a:ext uri="{FF2B5EF4-FFF2-40B4-BE49-F238E27FC236}">
-                <a16:creationId xmlns:a16="http://schemas.microsoft.com/office/drawing/2014/main" id="{42C4F33D-2E2B-41D7-B848-4BE6844141BC}"/>
-              </a:ext>
-            </a:extLst>
-          </p:cNvPr>
-          <p:cNvPicPr>
-            <a:picLocks noChangeAspect="1"/>
-          </p:cNvPicPr>
-          <p:nvPr/>
-        </p:nvPicPr>
-        <p:blipFill rotWithShape="1">
-          <a:blip r:embed="rId2">
-            <a:extLst>
-              <a:ext uri="{28A0092B-C50C-407E-A947-70E740481C1C}">
-                <a14:useLocalDpi xmlns:a14="http://schemas.microsoft.com/office/drawing/2010/main" val="0"/>
-              </a:ext>
-            </a:extLst>
-          </a:blip>
-          <a:srcRect t="14486"/>
-          <a:stretch/>
-        </p:blipFill>
-        <p:spPr>
-          <a:xfrm>
-            <a:off x="1149966" y="1260000"/>
-            <a:ext cx="9892066" cy="4758267"/>
-          </a:xfrm>
-          <a:prstGeom prst="rect">
-            <a:avLst/>
-          </a:prstGeom>
-          <a:ln>
-            <a:noFill/>
-          </a:ln>
-        </p:spPr>
-      </p:pic>
-    </p:spTree>
-    <p:extLst>
-      <p:ext uri="{BB962C8B-B14F-4D97-AF65-F5344CB8AC3E}">
-        <p14:creationId xmlns:p14="http://schemas.microsoft.com/office/powerpoint/2010/main" val="3039495669"/>
+        <p14:creationId xmlns:p14="http://schemas.microsoft.com/office/powerpoint/2010/main" val="1495679054"/>
       </p:ext>
     </p:extLst>
   </p:cSld>
@@ -6224,210 +6163,6 @@
       </p:grpSpPr>
       <p:sp>
         <p:nvSpPr>
-          <p:cNvPr id="2" name="Прямоугольник 1">
-            <a:extLst>
-              <a:ext uri="{FF2B5EF4-FFF2-40B4-BE49-F238E27FC236}">
-                <a16:creationId xmlns:a16="http://schemas.microsoft.com/office/drawing/2014/main" id="{B6BC6217-531C-4940-B21A-72BBF24BDD65}"/>
-              </a:ext>
-            </a:extLst>
-          </p:cNvPr>
-          <p:cNvSpPr/>
-          <p:nvPr/>
-        </p:nvSpPr>
-        <p:spPr>
-          <a:xfrm>
-            <a:off x="1056000" y="1260000"/>
-            <a:ext cx="10080000" cy="4613058"/>
-          </a:xfrm>
-          <a:prstGeom prst="rect">
-            <a:avLst/>
-          </a:prstGeom>
-        </p:spPr>
-        <p:txBody>
-          <a:bodyPr wrap="square">
-            <a:spAutoFit/>
-          </a:bodyPr>
-          <a:lstStyle/>
-          <a:p>
-            <a:pPr marL="457200" indent="449580" algn="just">
-              <a:lnSpc>
-                <a:spcPct val="150000"/>
-              </a:lnSpc>
-              <a:spcAft>
-                <a:spcPts val="0"/>
-              </a:spcAft>
-            </a:pPr>
-            <a:r>
-              <a:rPr lang="ru-RU" sz="2000" b="1" dirty="0">
-                <a:latin typeface="Times New Roman" panose="02020603050405020304" pitchFamily="18" charset="0"/>
-                <a:ea typeface="Times New Roman" panose="02020603050405020304" pitchFamily="18" charset="0"/>
-                <a:cs typeface="Times New Roman" panose="02020603050405020304" pitchFamily="18" charset="0"/>
-              </a:rPr>
-              <a:t>Цель работы:</a:t>
-            </a:r>
-            <a:r>
-              <a:rPr lang="ru-RU" sz="2000" dirty="0">
-                <a:latin typeface="Times New Roman" panose="02020603050405020304" pitchFamily="18" charset="0"/>
-                <a:ea typeface="Times New Roman" panose="02020603050405020304" pitchFamily="18" charset="0"/>
-                <a:cs typeface="Times New Roman" panose="02020603050405020304" pitchFamily="18" charset="0"/>
-              </a:rPr>
-              <a:t> </a:t>
-            </a:r>
-          </a:p>
-          <a:p>
-            <a:pPr marL="457200" indent="449580" algn="just">
-              <a:lnSpc>
-                <a:spcPct val="150000"/>
-              </a:lnSpc>
-              <a:spcAft>
-                <a:spcPts val="0"/>
-              </a:spcAft>
-            </a:pPr>
-            <a:r>
-              <a:rPr lang="ru-RU" sz="2000" b="0" i="0" u="none" strike="noStrike" baseline="0" dirty="0">
-                <a:solidFill>
-                  <a:srgbClr val="000000"/>
-                </a:solidFill>
-                <a:latin typeface="Times New Roman" panose="02020603050405020304" pitchFamily="18" charset="0"/>
-              </a:rPr>
-              <a:t>Разработка системы, использующей методы </a:t>
-            </a:r>
-            <a:r>
-              <a:rPr lang="ru-RU" sz="2000" b="0" i="0" u="none" strike="noStrike" baseline="0" dirty="0" err="1">
-                <a:solidFill>
-                  <a:srgbClr val="000000"/>
-                </a:solidFill>
-                <a:latin typeface="Times New Roman" panose="02020603050405020304" pitchFamily="18" charset="0"/>
-              </a:rPr>
-              <a:t>Retrieval-Augmented</a:t>
-            </a:r>
-            <a:r>
-              <a:rPr lang="ru-RU" sz="2000" b="0" i="0" u="none" strike="noStrike" baseline="0" dirty="0">
-                <a:solidFill>
-                  <a:srgbClr val="000000"/>
-                </a:solidFill>
-                <a:latin typeface="Times New Roman" panose="02020603050405020304" pitchFamily="18" charset="0"/>
-              </a:rPr>
-              <a:t> Generation (RAG) для облегчения процесса изучения научных статей, обеспечивая поиск и объяснение терминов, а также предоставление ссылок на оригинальные источники.</a:t>
-            </a:r>
-          </a:p>
-          <a:p>
-            <a:pPr marL="457200" indent="449580" algn="just">
-              <a:lnSpc>
-                <a:spcPct val="150000"/>
-              </a:lnSpc>
-              <a:spcAft>
-                <a:spcPts val="0"/>
-              </a:spcAft>
-            </a:pPr>
-            <a:r>
-              <a:rPr lang="ru-RU" sz="2000" b="1" dirty="0">
-                <a:latin typeface="Times New Roman" panose="02020603050405020304" pitchFamily="18" charset="0"/>
-                <a:ea typeface="Times New Roman" panose="02020603050405020304" pitchFamily="18" charset="0"/>
-                <a:cs typeface="Times New Roman" panose="02020603050405020304" pitchFamily="18" charset="0"/>
-              </a:rPr>
-              <a:t>Задачи:</a:t>
-            </a:r>
-          </a:p>
-          <a:p>
-            <a:pPr marL="800100" indent="-342900" algn="just">
-              <a:lnSpc>
-                <a:spcPct val="150000"/>
-              </a:lnSpc>
-              <a:buFontTx/>
-              <a:buAutoNum type="arabicParenR"/>
-            </a:pPr>
-            <a:r>
-              <a:rPr lang="ru-RU" sz="2000" b="0" i="0" u="none" strike="noStrike" baseline="0" dirty="0">
-                <a:solidFill>
-                  <a:srgbClr val="000000"/>
-                </a:solidFill>
-                <a:latin typeface="Times New Roman" panose="02020603050405020304" pitchFamily="18" charset="0"/>
-              </a:rPr>
-              <a:t>Поиск и анализ литературы в рамках изучения предметной области.</a:t>
-            </a:r>
-            <a:endParaRPr lang="ru-RU" sz="2000" dirty="0">
-              <a:latin typeface="Times New Roman" panose="02020603050405020304" pitchFamily="18" charset="0"/>
-              <a:cs typeface="Times New Roman" panose="02020603050405020304" pitchFamily="18" charset="0"/>
-            </a:endParaRPr>
-          </a:p>
-          <a:p>
-            <a:pPr marL="800100" indent="-342900" algn="just">
-              <a:lnSpc>
-                <a:spcPct val="150000"/>
-              </a:lnSpc>
-              <a:buFontTx/>
-              <a:buAutoNum type="arabicParenR"/>
-            </a:pPr>
-            <a:r>
-              <a:rPr lang="ru-RU" sz="2000" b="0" i="0" u="none" strike="noStrike" baseline="0" dirty="0">
-                <a:solidFill>
-                  <a:srgbClr val="000000"/>
-                </a:solidFill>
-                <a:latin typeface="Times New Roman" panose="02020603050405020304" pitchFamily="18" charset="0"/>
-              </a:rPr>
-              <a:t>Изучение инструментов предметной области.</a:t>
-            </a:r>
-          </a:p>
-          <a:p>
-            <a:pPr marL="800100" indent="-342900" algn="just">
-              <a:lnSpc>
-                <a:spcPct val="150000"/>
-              </a:lnSpc>
-              <a:buFontTx/>
-              <a:buAutoNum type="arabicParenR"/>
-            </a:pPr>
-            <a:r>
-              <a:rPr lang="ru-RU" sz="2000" b="0" i="0" u="none" strike="noStrike" baseline="0" dirty="0">
-                <a:solidFill>
-                  <a:srgbClr val="000000"/>
-                </a:solidFill>
-                <a:latin typeface="Times New Roman" panose="02020603050405020304" pitchFamily="18" charset="0"/>
-              </a:rPr>
-              <a:t>Формулирование функциональных требований и подбор метрик.</a:t>
-            </a:r>
-          </a:p>
-          <a:p>
-            <a:pPr marL="800100" indent="-342900" algn="just">
-              <a:lnSpc>
-                <a:spcPct val="150000"/>
-              </a:lnSpc>
-              <a:buFontTx/>
-              <a:buAutoNum type="arabicParenR"/>
-            </a:pPr>
-            <a:r>
-              <a:rPr lang="ru-RU" sz="2000" b="0" i="0" u="none" strike="noStrike" baseline="0" dirty="0">
-                <a:solidFill>
-                  <a:srgbClr val="000000"/>
-                </a:solidFill>
-                <a:latin typeface="Times New Roman" panose="02020603050405020304" pitchFamily="18" charset="0"/>
-              </a:rPr>
-              <a:t>Дизайн прототипа приложения.</a:t>
-            </a:r>
-            <a:endParaRPr lang="ru-RU" sz="2000" dirty="0">
-              <a:latin typeface="Times New Roman" panose="02020603050405020304" pitchFamily="18" charset="0"/>
-              <a:cs typeface="Times New Roman" panose="02020603050405020304" pitchFamily="18" charset="0"/>
-            </a:endParaRPr>
-          </a:p>
-          <a:p>
-            <a:pPr marL="457200" indent="449580" algn="just">
-              <a:lnSpc>
-                <a:spcPct val="150000"/>
-              </a:lnSpc>
-              <a:spcAft>
-                <a:spcPts val="0"/>
-              </a:spcAft>
-            </a:pPr>
-            <a:endParaRPr lang="ru-RU" dirty="0">
-              <a:latin typeface="Times New Roman" panose="02020603050405020304" pitchFamily="18" charset="0"/>
-              <a:ea typeface="Times New Roman" panose="02020603050405020304" pitchFamily="18" charset="0"/>
-              <a:cs typeface="Times New Roman" panose="02020603050405020304" pitchFamily="18" charset="0"/>
-            </a:endParaRPr>
-          </a:p>
-        </p:txBody>
-      </p:sp>
-      <p:sp>
-        <p:nvSpPr>
           <p:cNvPr id="4" name="Номер слайда 3">
             <a:extLst>
               <a:ext uri="{FF2B5EF4-FFF2-40B4-BE49-F238E27FC236}">
@@ -6457,6 +6192,130 @@
               <a:pPr/>
               <a:t>2</a:t>
             </a:fld>
+            <a:endParaRPr lang="ru-RU" dirty="0"/>
+          </a:p>
+        </p:txBody>
+      </p:sp>
+      <p:sp>
+        <p:nvSpPr>
+          <p:cNvPr id="12" name="Заголовок 11">
+            <a:extLst>
+              <a:ext uri="{FF2B5EF4-FFF2-40B4-BE49-F238E27FC236}">
+                <a16:creationId xmlns:a16="http://schemas.microsoft.com/office/drawing/2014/main" id="{F5940FA8-863F-4718-BC31-F9BEB80DA240}"/>
+              </a:ext>
+            </a:extLst>
+          </p:cNvPr>
+          <p:cNvSpPr>
+            <a:spLocks noGrp="1"/>
+          </p:cNvSpPr>
+          <p:nvPr>
+            <p:ph type="title"/>
+          </p:nvPr>
+        </p:nvSpPr>
+        <p:spPr>
+          <a:xfrm>
+            <a:off x="718457" y="0"/>
+            <a:ext cx="10755088" cy="1520890"/>
+          </a:xfrm>
+        </p:spPr>
+        <p:txBody>
+          <a:bodyPr/>
+          <a:lstStyle/>
+          <a:p>
+            <a:r>
+              <a:rPr lang="ru-RU" dirty="0"/>
+              <a:t>Введение</a:t>
+            </a:r>
+          </a:p>
+        </p:txBody>
+      </p:sp>
+      <p:sp>
+        <p:nvSpPr>
+          <p:cNvPr id="9" name="Текст 8">
+            <a:extLst>
+              <a:ext uri="{FF2B5EF4-FFF2-40B4-BE49-F238E27FC236}">
+                <a16:creationId xmlns:a16="http://schemas.microsoft.com/office/drawing/2014/main" id="{6730E020-D5B2-4C1D-8091-A6BF0B410B2B}"/>
+              </a:ext>
+            </a:extLst>
+          </p:cNvPr>
+          <p:cNvSpPr>
+            <a:spLocks noGrp="1"/>
+          </p:cNvSpPr>
+          <p:nvPr>
+            <p:ph type="body" sz="quarter" idx="13"/>
+          </p:nvPr>
+        </p:nvSpPr>
+        <p:spPr>
+          <a:xfrm>
+            <a:off x="718456" y="1520890"/>
+            <a:ext cx="10755088" cy="4835460"/>
+          </a:xfrm>
+        </p:spPr>
+        <p:txBody>
+          <a:bodyPr>
+            <a:normAutofit/>
+          </a:bodyPr>
+          <a:lstStyle/>
+          <a:p>
+            <a:r>
+              <a:rPr lang="ru-RU" dirty="0"/>
+              <a:t>Цель работы: </a:t>
+            </a:r>
+          </a:p>
+          <a:p>
+            <a:pPr lvl="1"/>
+            <a:r>
+              <a:rPr lang="ru-RU" dirty="0"/>
+              <a:t>Разработка системы, использующей методы </a:t>
+            </a:r>
+            <a:r>
+              <a:rPr lang="ru-RU" dirty="0" err="1"/>
+              <a:t>Retrieval-Augmented</a:t>
+            </a:r>
+            <a:r>
+              <a:rPr lang="ru-RU" dirty="0"/>
+              <a:t> Generation (RAG) для облегчения процесса изучения научных статей, обеспечивая поиск и объяснение терминов, а также предоставление ссылок на оригинальные источники.</a:t>
+            </a:r>
+          </a:p>
+          <a:p>
+            <a:r>
+              <a:rPr lang="ru-RU" dirty="0"/>
+              <a:t>Задачи:</a:t>
+            </a:r>
+          </a:p>
+          <a:p>
+            <a:pPr lvl="1"/>
+            <a:r>
+              <a:rPr lang="ru-RU" dirty="0"/>
+              <a:t>Поиск и анализ литературы в рамках изучения предметной области.</a:t>
+            </a:r>
+          </a:p>
+          <a:p>
+            <a:pPr lvl="1"/>
+            <a:r>
+              <a:rPr lang="ru-RU" dirty="0"/>
+              <a:t>Проектирование и разработка системы.</a:t>
+            </a:r>
+          </a:p>
+          <a:p>
+            <a:pPr lvl="1"/>
+            <a:r>
+              <a:rPr lang="ru-RU" dirty="0"/>
+              <a:t>Индексация </a:t>
+            </a:r>
+            <a:r>
+              <a:rPr lang="en-US" dirty="0"/>
+              <a:t>PDF-</a:t>
+            </a:r>
+            <a:r>
+              <a:rPr lang="ru-RU" dirty="0"/>
+              <a:t>файлов в реальном времени.</a:t>
+            </a:r>
+          </a:p>
+          <a:p>
+            <a:endParaRPr lang="ru-RU" dirty="0"/>
+          </a:p>
+          <a:p>
             <a:endParaRPr lang="ru-RU" dirty="0"/>
           </a:p>
         </p:txBody>
@@ -6507,13 +6366,19 @@
             <p:ph type="sldNum" sz="quarter" idx="12"/>
           </p:nvPr>
         </p:nvSpPr>
-        <p:spPr/>
+        <p:spPr>
+          <a:xfrm>
+            <a:off x="131618" y="6356350"/>
+            <a:ext cx="459509" cy="365125"/>
+          </a:xfrm>
+        </p:spPr>
         <p:txBody>
           <a:bodyPr/>
           <a:lstStyle/>
           <a:p>
             <a:fld id="{252DB28E-DCFC-49D3-A30D-8262F7022753}" type="slidenum">
               <a:rPr lang="ru-RU" smtClean="0"/>
+              <a:pPr/>
               <a:t>3</a:t>
             </a:fld>
             <a:endParaRPr lang="ru-RU"/>
@@ -6522,223 +6387,124 @@
       </p:sp>
       <p:sp>
         <p:nvSpPr>
-          <p:cNvPr id="5" name="Заголовок 1">
-            <a:extLst>
-              <a:ext uri="{FF2B5EF4-FFF2-40B4-BE49-F238E27FC236}">
-                <a16:creationId xmlns:a16="http://schemas.microsoft.com/office/drawing/2014/main" id="{CA24FAFD-B22E-42E2-B3DB-8CE97BB8EE6B}"/>
-              </a:ext>
-            </a:extLst>
-          </p:cNvPr>
-          <p:cNvSpPr txBox="1">
-            <a:spLocks/>
-          </p:cNvSpPr>
-          <p:nvPr/>
+          <p:cNvPr id="3" name="Заголовок 2">
+            <a:extLst>
+              <a:ext uri="{FF2B5EF4-FFF2-40B4-BE49-F238E27FC236}">
+                <a16:creationId xmlns:a16="http://schemas.microsoft.com/office/drawing/2014/main" id="{71798F13-D831-406F-9AD4-020013038910}"/>
+              </a:ext>
+            </a:extLst>
+          </p:cNvPr>
+          <p:cNvSpPr>
+            <a:spLocks noGrp="1"/>
+          </p:cNvSpPr>
+          <p:nvPr>
+            <p:ph type="title"/>
+          </p:nvPr>
         </p:nvSpPr>
         <p:spPr>
           <a:xfrm>
-            <a:off x="838199" y="360000"/>
-            <a:ext cx="10515600" cy="540000"/>
+            <a:off x="718457" y="0"/>
+            <a:ext cx="10755088" cy="1520890"/>
           </a:xfrm>
-          <a:prstGeom prst="rect">
-            <a:avLst/>
-          </a:prstGeom>
+        </p:spPr>
+        <p:txBody>
+          <a:bodyPr/>
+          <a:lstStyle/>
+          <a:p>
+            <a:r>
+              <a:rPr lang="en-US" dirty="0"/>
+              <a:t>Retrieval Augmented Generation</a:t>
+            </a:r>
+            <a:endParaRPr lang="ru-RU" dirty="0"/>
+          </a:p>
+        </p:txBody>
+      </p:sp>
+      <p:sp>
+        <p:nvSpPr>
+          <p:cNvPr id="7" name="Текст 6">
+            <a:extLst>
+              <a:ext uri="{FF2B5EF4-FFF2-40B4-BE49-F238E27FC236}">
+                <a16:creationId xmlns:a16="http://schemas.microsoft.com/office/drawing/2014/main" id="{3B137AD4-359A-44FC-9B2E-3F5AD46429AD}"/>
+              </a:ext>
+            </a:extLst>
+          </p:cNvPr>
+          <p:cNvSpPr>
+            <a:spLocks noGrp="1"/>
+          </p:cNvSpPr>
+          <p:nvPr>
+            <p:ph type="body" sz="quarter" idx="13"/>
+          </p:nvPr>
+        </p:nvSpPr>
+        <p:spPr>
+          <a:xfrm>
+            <a:off x="718456" y="1520890"/>
+            <a:ext cx="10755088" cy="4835460"/>
+          </a:xfrm>
         </p:spPr>
         <p:txBody>
           <a:bodyPr>
             <a:normAutofit/>
           </a:bodyPr>
-          <a:lstStyle>
-            <a:lvl1pPr algn="l" defTabSz="914400" rtl="0" eaLnBrk="1" latinLnBrk="0" hangingPunct="1">
-              <a:lnSpc>
-                <a:spcPct val="90000"/>
-              </a:lnSpc>
-              <a:spcBef>
-                <a:spcPct val="0"/>
-              </a:spcBef>
-              <a:buNone/>
-              <a:defRPr sz="4400" kern="1200">
-                <a:solidFill>
-                  <a:schemeClr val="tx1"/>
-                </a:solidFill>
-                <a:latin typeface="+mj-lt"/>
-                <a:ea typeface="+mj-ea"/>
-                <a:cs typeface="+mj-cs"/>
-              </a:defRPr>
-            </a:lvl1pPr>
-          </a:lstStyle>
-          <a:p>
-            <a:pPr algn="ctr"/>
-            <a:r>
-              <a:rPr lang="en-US" sz="2800" dirty="0">
-                <a:latin typeface="Times New Roman" panose="02020603050405020304" pitchFamily="18" charset="0"/>
-                <a:cs typeface="Times New Roman" panose="02020603050405020304" pitchFamily="18" charset="0"/>
-              </a:rPr>
-              <a:t>Retrieval Augmented Generation</a:t>
-            </a:r>
-            <a:endParaRPr lang="ru-RU" sz="2800" dirty="0"/>
-          </a:p>
-        </p:txBody>
-      </p:sp>
-      <p:sp>
-        <p:nvSpPr>
-          <p:cNvPr id="6" name="Прямоугольник 5">
-            <a:extLst>
-              <a:ext uri="{FF2B5EF4-FFF2-40B4-BE49-F238E27FC236}">
-                <a16:creationId xmlns:a16="http://schemas.microsoft.com/office/drawing/2014/main" id="{9741953E-2036-42EC-BC93-94844D2C6F6F}"/>
-              </a:ext>
-            </a:extLst>
-          </p:cNvPr>
-          <p:cNvSpPr/>
-          <p:nvPr/>
-        </p:nvSpPr>
-        <p:spPr>
-          <a:xfrm>
-            <a:off x="1055999" y="1260000"/>
-            <a:ext cx="10080000" cy="3689728"/>
-          </a:xfrm>
-          <a:prstGeom prst="rect">
-            <a:avLst/>
-          </a:prstGeom>
-        </p:spPr>
-        <p:txBody>
-          <a:bodyPr wrap="square">
-            <a:spAutoFit/>
-          </a:bodyPr>
-          <a:lstStyle/>
-          <a:p>
-            <a:pPr marL="457200" indent="449580" algn="just">
-              <a:lnSpc>
-                <a:spcPct val="150000"/>
-              </a:lnSpc>
-              <a:spcAft>
-                <a:spcPts val="0"/>
-              </a:spcAft>
-            </a:pPr>
-            <a:r>
-              <a:rPr lang="ru-RU" sz="2000" b="1" dirty="0">
-                <a:latin typeface="Times New Roman" panose="02020603050405020304" pitchFamily="18" charset="0"/>
-                <a:ea typeface="Times New Roman" panose="02020603050405020304" pitchFamily="18" charset="0"/>
-                <a:cs typeface="Times New Roman" panose="02020603050405020304" pitchFamily="18" charset="0"/>
-              </a:rPr>
-              <a:t>Проблема:</a:t>
-            </a:r>
-            <a:r>
-              <a:rPr lang="ru-RU" sz="2000" dirty="0">
-                <a:latin typeface="Times New Roman" panose="02020603050405020304" pitchFamily="18" charset="0"/>
-                <a:ea typeface="Times New Roman" panose="02020603050405020304" pitchFamily="18" charset="0"/>
-                <a:cs typeface="Times New Roman" panose="02020603050405020304" pitchFamily="18" charset="0"/>
-              </a:rPr>
+          <a:lstStyle/>
+          <a:p>
+            <a:r>
+              <a:rPr lang="ru-RU" dirty="0"/>
+              <a:t>Проблема: </a:t>
+            </a:r>
+          </a:p>
+          <a:p>
+            <a:pPr lvl="1"/>
+            <a:r>
+              <a:rPr lang="ru-RU" dirty="0"/>
+              <a:t>Большие текстовые массивы сложно использовать напрямую из-за ограниченного контекста моделей. Это затрудняет извлечение точной и актуальной информации.</a:t>
+            </a:r>
+          </a:p>
+          <a:p>
+            <a:r>
+              <a:rPr lang="ru-RU" dirty="0"/>
+              <a:t>Решение</a:t>
+            </a:r>
+            <a:r>
+              <a:rPr lang="en-US" dirty="0"/>
+              <a:t>:</a:t>
+            </a:r>
+          </a:p>
+          <a:p>
+            <a:pPr lvl="1"/>
+            <a:r>
+              <a:rPr lang="ru-RU" dirty="0"/>
+              <a:t>RAG (</a:t>
+            </a:r>
+            <a:r>
+              <a:rPr lang="ru-RU" dirty="0" err="1"/>
+              <a:t>Retrieval</a:t>
+            </a:r>
+            <a:r>
+              <a:rPr lang="en-US" dirty="0"/>
               <a:t> </a:t>
             </a:r>
-          </a:p>
-          <a:p>
-            <a:pPr marL="457200" indent="449580" algn="just">
-              <a:lnSpc>
-                <a:spcPct val="150000"/>
-              </a:lnSpc>
-              <a:spcAft>
-                <a:spcPts val="0"/>
-              </a:spcAft>
-            </a:pPr>
-            <a:r>
-              <a:rPr lang="ru-RU" sz="2000" dirty="0">
-                <a:latin typeface="Times New Roman" panose="02020603050405020304" pitchFamily="18" charset="0"/>
-                <a:ea typeface="Times New Roman" panose="02020603050405020304" pitchFamily="18" charset="0"/>
-                <a:cs typeface="Times New Roman" panose="02020603050405020304" pitchFamily="18" charset="0"/>
-              </a:rPr>
-              <a:t>Большие текстовые массивы сложно использовать напрямую из-за ограниченного контекста моделей. Это затрудняет извлечение точной и актуальной информации.</a:t>
-            </a:r>
-          </a:p>
-          <a:p>
-            <a:pPr marL="457200" indent="449580" algn="just">
-              <a:lnSpc>
-                <a:spcPct val="150000"/>
-              </a:lnSpc>
-              <a:spcAft>
-                <a:spcPts val="0"/>
-              </a:spcAft>
-            </a:pPr>
-            <a:r>
-              <a:rPr lang="ru-RU" sz="2000" b="1" dirty="0">
-                <a:latin typeface="Times New Roman" panose="02020603050405020304" pitchFamily="18" charset="0"/>
-                <a:ea typeface="Times New Roman" panose="02020603050405020304" pitchFamily="18" charset="0"/>
-                <a:cs typeface="Times New Roman" panose="02020603050405020304" pitchFamily="18" charset="0"/>
-              </a:rPr>
-              <a:t>Решение</a:t>
-            </a:r>
-            <a:r>
-              <a:rPr lang="en-US" sz="2000" b="1" dirty="0">
-                <a:latin typeface="Times New Roman" panose="02020603050405020304" pitchFamily="18" charset="0"/>
-                <a:ea typeface="Times New Roman" panose="02020603050405020304" pitchFamily="18" charset="0"/>
-                <a:cs typeface="Times New Roman" panose="02020603050405020304" pitchFamily="18" charset="0"/>
-              </a:rPr>
-              <a:t>:</a:t>
-            </a:r>
-          </a:p>
-          <a:p>
-            <a:pPr marL="457200" indent="449580" algn="just">
-              <a:lnSpc>
-                <a:spcPct val="150000"/>
-              </a:lnSpc>
-              <a:spcAft>
-                <a:spcPts val="0"/>
-              </a:spcAft>
-            </a:pPr>
-            <a:r>
-              <a:rPr lang="ru-RU" sz="2000" dirty="0">
-                <a:latin typeface="Times New Roman" panose="02020603050405020304" pitchFamily="18" charset="0"/>
-                <a:ea typeface="Times New Roman" panose="02020603050405020304" pitchFamily="18" charset="0"/>
-                <a:cs typeface="Times New Roman" panose="02020603050405020304" pitchFamily="18" charset="0"/>
-              </a:rPr>
-              <a:t>RAG (</a:t>
-            </a:r>
-            <a:r>
-              <a:rPr lang="ru-RU" sz="2000" dirty="0" err="1">
-                <a:latin typeface="Times New Roman" panose="02020603050405020304" pitchFamily="18" charset="0"/>
-                <a:ea typeface="Times New Roman" panose="02020603050405020304" pitchFamily="18" charset="0"/>
-                <a:cs typeface="Times New Roman" panose="02020603050405020304" pitchFamily="18" charset="0"/>
-              </a:rPr>
-              <a:t>Retrieval-Augmented</a:t>
-            </a:r>
-            <a:r>
-              <a:rPr lang="ru-RU" sz="2000" dirty="0">
-                <a:latin typeface="Times New Roman" panose="02020603050405020304" pitchFamily="18" charset="0"/>
-                <a:ea typeface="Times New Roman" panose="02020603050405020304" pitchFamily="18" charset="0"/>
-                <a:cs typeface="Times New Roman" panose="02020603050405020304" pitchFamily="18" charset="0"/>
-              </a:rPr>
+            <a:r>
+              <a:rPr lang="ru-RU" dirty="0" err="1"/>
+              <a:t>Augmented</a:t>
+            </a:r>
+            <a:r>
+              <a:rPr lang="ru-RU" dirty="0"/>
               <a:t> Generation) сочетает поиск данных и генерацию текста. Поиск (</a:t>
             </a:r>
             <a:r>
-              <a:rPr lang="ru-RU" sz="2000" dirty="0" err="1">
-                <a:latin typeface="Times New Roman" panose="02020603050405020304" pitchFamily="18" charset="0"/>
-                <a:ea typeface="Times New Roman" panose="02020603050405020304" pitchFamily="18" charset="0"/>
-                <a:cs typeface="Times New Roman" panose="02020603050405020304" pitchFamily="18" charset="0"/>
-              </a:rPr>
+              <a:rPr lang="ru-RU" dirty="0" err="1"/>
               <a:t>Retrieval</a:t>
             </a:r>
             <a:r>
-              <a:rPr lang="ru-RU" sz="2000" dirty="0">
-                <a:latin typeface="Times New Roman" panose="02020603050405020304" pitchFamily="18" charset="0"/>
-                <a:ea typeface="Times New Roman" panose="02020603050405020304" pitchFamily="18" charset="0"/>
-                <a:cs typeface="Times New Roman" panose="02020603050405020304" pitchFamily="18" charset="0"/>
-              </a:rPr>
+              <a:rPr lang="ru-RU" dirty="0"/>
               <a:t>) находит релевантные фрагменты текста из базы данных. Генерация (Generation) создает ответ, основываясь на найденных данных.</a:t>
             </a:r>
           </a:p>
           <a:p>
-            <a:pPr marL="457200" indent="449580" algn="just">
-              <a:lnSpc>
-                <a:spcPct val="150000"/>
-              </a:lnSpc>
-              <a:spcAft>
-                <a:spcPts val="0"/>
-              </a:spcAft>
-            </a:pPr>
-            <a:endParaRPr lang="ru-RU" b="1" dirty="0">
-              <a:latin typeface="Times New Roman" panose="02020603050405020304" pitchFamily="18" charset="0"/>
-              <a:ea typeface="Times New Roman" panose="02020603050405020304" pitchFamily="18" charset="0"/>
-              <a:cs typeface="Times New Roman" panose="02020603050405020304" pitchFamily="18" charset="0"/>
-            </a:endParaRPr>
+            <a:endParaRPr lang="ru-RU" dirty="0"/>
+          </a:p>
+          <a:p>
+            <a:endParaRPr lang="ru-RU" dirty="0"/>
           </a:p>
         </p:txBody>
       </p:sp>
@@ -6788,7 +6554,12 @@
             <p:ph type="sldNum" sz="quarter" idx="12"/>
           </p:nvPr>
         </p:nvSpPr>
-        <p:spPr/>
+        <p:spPr>
+          <a:xfrm>
+            <a:off x="131618" y="6356350"/>
+            <a:ext cx="459509" cy="365125"/>
+          </a:xfrm>
+        </p:spPr>
         <p:txBody>
           <a:bodyPr/>
           <a:lstStyle/>
@@ -6804,100 +6575,112 @@
       </p:sp>
       <p:sp>
         <p:nvSpPr>
-          <p:cNvPr id="3" name="TextBox 2">
-            <a:extLst>
-              <a:ext uri="{FF2B5EF4-FFF2-40B4-BE49-F238E27FC236}">
-                <a16:creationId xmlns:a16="http://schemas.microsoft.com/office/drawing/2014/main" id="{E4652490-5EBC-4994-8B25-5DBC21953B88}"/>
-              </a:ext>
-            </a:extLst>
-          </p:cNvPr>
-          <p:cNvSpPr txBox="1"/>
-          <p:nvPr/>
+          <p:cNvPr id="5" name="Заголовок 4">
+            <a:extLst>
+              <a:ext uri="{FF2B5EF4-FFF2-40B4-BE49-F238E27FC236}">
+                <a16:creationId xmlns:a16="http://schemas.microsoft.com/office/drawing/2014/main" id="{C2014388-FB57-4DC3-8E2C-D04B51E29D19}"/>
+              </a:ext>
+            </a:extLst>
+          </p:cNvPr>
+          <p:cNvSpPr>
+            <a:spLocks noGrp="1"/>
+          </p:cNvSpPr>
+          <p:nvPr>
+            <p:ph type="title"/>
+          </p:nvPr>
         </p:nvSpPr>
         <p:spPr>
           <a:xfrm>
-            <a:off x="2592000" y="360000"/>
-            <a:ext cx="6932026" cy="540000"/>
+            <a:off x="718457" y="0"/>
+            <a:ext cx="10755088" cy="1520890"/>
           </a:xfrm>
-          <a:prstGeom prst="rect">
-            <a:avLst/>
-          </a:prstGeom>
-          <a:noFill/>
         </p:spPr>
         <p:txBody>
-          <a:bodyPr wrap="none" rtlCol="0">
-            <a:spAutoFit/>
-          </a:bodyPr>
-          <a:lstStyle/>
-          <a:p>
-            <a:r>
-              <a:rPr lang="ru-RU" sz="2800" dirty="0">
-                <a:latin typeface="Times New Roman" panose="02020603050405020304" pitchFamily="18" charset="0"/>
-                <a:cs typeface="Times New Roman" panose="02020603050405020304" pitchFamily="18" charset="0"/>
-              </a:rPr>
+          <a:bodyPr/>
+          <a:lstStyle/>
+          <a:p>
+            <a:r>
+              <a:rPr lang="ru-RU" dirty="0"/>
               <a:t>Архитектура </a:t>
             </a:r>
             <a:r>
-              <a:rPr lang="en-US" sz="2800" dirty="0">
-                <a:latin typeface="Times New Roman" panose="02020603050405020304" pitchFamily="18" charset="0"/>
-                <a:cs typeface="Times New Roman" panose="02020603050405020304" pitchFamily="18" charset="0"/>
-              </a:rPr>
+              <a:rPr lang="en-US" dirty="0"/>
               <a:t>Retrieval Augmented Generation</a:t>
             </a:r>
-            <a:endParaRPr lang="ru-RU" sz="2800" dirty="0">
-              <a:latin typeface="Times New Roman" panose="02020603050405020304" pitchFamily="18" charset="0"/>
-              <a:cs typeface="Times New Roman" panose="02020603050405020304" pitchFamily="18" charset="0"/>
-            </a:endParaRPr>
-          </a:p>
-        </p:txBody>
-      </p:sp>
-      <p:pic>
-        <p:nvPicPr>
-          <p:cNvPr id="1026" name="Picture 2" descr="8 Retrieval Augmented Generation (RAG) Architectures You Should Know in  2024 - Humanloop: LLM evals platform for enterprises | Humanloop">
-            <a:extLst>
-              <a:ext uri="{FF2B5EF4-FFF2-40B4-BE49-F238E27FC236}">
-                <a16:creationId xmlns:a16="http://schemas.microsoft.com/office/drawing/2014/main" id="{F44E30BF-62CF-4BB9-A5EF-AAA07339B4B1}"/>
-              </a:ext>
-            </a:extLst>
-          </p:cNvPr>
-          <p:cNvPicPr>
-            <a:picLocks noChangeAspect="1" noChangeArrowheads="1"/>
-          </p:cNvPicPr>
-          <p:nvPr/>
-        </p:nvPicPr>
-        <p:blipFill>
-          <a:blip r:embed="rId3">
-            <a:extLst>
-              <a:ext uri="{28A0092B-C50C-407E-A947-70E740481C1C}">
-                <a14:useLocalDpi xmlns:a14="http://schemas.microsoft.com/office/drawing/2010/main" val="0"/>
-              </a:ext>
-            </a:extLst>
-          </a:blip>
-          <a:srcRect/>
-          <a:stretch>
-            <a:fillRect/>
-          </a:stretch>
-        </p:blipFill>
-        <p:spPr bwMode="auto">
+            <a:endParaRPr lang="ru-RU" dirty="0"/>
+          </a:p>
+        </p:txBody>
+      </p:sp>
+      <p:sp>
+        <p:nvSpPr>
+          <p:cNvPr id="6" name="Текст 5">
+            <a:extLst>
+              <a:ext uri="{FF2B5EF4-FFF2-40B4-BE49-F238E27FC236}">
+                <a16:creationId xmlns:a16="http://schemas.microsoft.com/office/drawing/2014/main" id="{CA86B080-A74B-42EC-AB17-F9D9155E2F53}"/>
+              </a:ext>
+            </a:extLst>
+          </p:cNvPr>
+          <p:cNvSpPr>
+            <a:spLocks noGrp="1"/>
+          </p:cNvSpPr>
+          <p:nvPr>
+            <p:ph type="body" sz="quarter" idx="13"/>
+          </p:nvPr>
+        </p:nvSpPr>
+        <p:spPr>
           <a:xfrm>
-            <a:off x="795110" y="1614311"/>
-            <a:ext cx="10601779" cy="3912167"/>
+            <a:off x="718456" y="1520890"/>
+            <a:ext cx="10755088" cy="4835460"/>
           </a:xfrm>
-          <a:prstGeom prst="rect">
-            <a:avLst/>
-          </a:prstGeom>
-          <a:noFill/>
-          <a:extLst>
-            <a:ext uri="{909E8E84-426E-40DD-AFC4-6F175D3DCCD1}">
-              <a14:hiddenFill xmlns:a14="http://schemas.microsoft.com/office/drawing/2010/main">
-                <a:solidFill>
-                  <a:srgbClr val="FFFFFF"/>
-                </a:solidFill>
-              </a14:hiddenFill>
-            </a:ext>
-          </a:extLst>
         </p:spPr>
-      </p:pic>
+        <p:txBody>
+          <a:bodyPr/>
+          <a:lstStyle/>
+          <a:p>
+            <a:r>
+              <a:rPr lang="en-US" dirty="0"/>
+              <a:t>Chunking</a:t>
+            </a:r>
+            <a:endParaRPr lang="ru-RU" dirty="0"/>
+          </a:p>
+          <a:p>
+            <a:pPr lvl="1"/>
+            <a:r>
+              <a:rPr lang="ru-RU" dirty="0"/>
+              <a:t>Этап индексации корпуса текста</a:t>
+            </a:r>
+            <a:endParaRPr lang="en-US" dirty="0"/>
+          </a:p>
+          <a:p>
+            <a:r>
+              <a:rPr lang="en-US" dirty="0"/>
+              <a:t>Retrieval</a:t>
+            </a:r>
+          </a:p>
+          <a:p>
+            <a:pPr lvl="1"/>
+            <a:r>
+              <a:rPr lang="ru-RU" dirty="0"/>
+              <a:t>Поисковой механизм для дополнения запроса в модель контекстом</a:t>
+            </a:r>
+            <a:endParaRPr lang="en-US" dirty="0"/>
+          </a:p>
+          <a:p>
+            <a:r>
+              <a:rPr lang="en-US" dirty="0"/>
+              <a:t>Generate</a:t>
+            </a:r>
+            <a:endParaRPr lang="ru-RU" dirty="0"/>
+          </a:p>
+          <a:p>
+            <a:pPr lvl="1"/>
+            <a:r>
+              <a:rPr lang="ru-RU" dirty="0"/>
+              <a:t>Этап генерации ответа</a:t>
+            </a:r>
+          </a:p>
+        </p:txBody>
+      </p:sp>
     </p:spTree>
     <p:extLst>
       <p:ext uri="{BB962C8B-B14F-4D97-AF65-F5344CB8AC3E}">
@@ -6933,7 +6716,7 @@
           <p:cNvPr id="2" name="Номер слайда 1">
             <a:extLst>
               <a:ext uri="{FF2B5EF4-FFF2-40B4-BE49-F238E27FC236}">
-                <a16:creationId xmlns:a16="http://schemas.microsoft.com/office/drawing/2014/main" id="{5CDF5721-12BA-4B8D-ACD4-F2B130880888}"/>
+                <a16:creationId xmlns:a16="http://schemas.microsoft.com/office/drawing/2014/main" id="{2FE185EA-BBB7-49C8-8A0B-56306614BA67}"/>
               </a:ext>
             </a:extLst>
           </p:cNvPr>
@@ -6944,7 +6727,12 @@
             <p:ph type="sldNum" sz="quarter" idx="12"/>
           </p:nvPr>
         </p:nvSpPr>
-        <p:spPr/>
+        <p:spPr>
+          <a:xfrm>
+            <a:off x="131618" y="6356350"/>
+            <a:ext cx="459509" cy="365125"/>
+          </a:xfrm>
+        </p:spPr>
         <p:txBody>
           <a:bodyPr/>
           <a:lstStyle/>
@@ -6960,356 +6748,79 @@
       </p:sp>
       <p:sp>
         <p:nvSpPr>
-          <p:cNvPr id="3" name="TextBox 2">
-            <a:extLst>
-              <a:ext uri="{FF2B5EF4-FFF2-40B4-BE49-F238E27FC236}">
-                <a16:creationId xmlns:a16="http://schemas.microsoft.com/office/drawing/2014/main" id="{4F664E46-AEBB-4FE3-8620-017A40E0FACE}"/>
-              </a:ext>
-            </a:extLst>
-          </p:cNvPr>
-          <p:cNvSpPr txBox="1"/>
-          <p:nvPr/>
+          <p:cNvPr id="22" name="Текст 21">
+            <a:extLst>
+              <a:ext uri="{FF2B5EF4-FFF2-40B4-BE49-F238E27FC236}">
+                <a16:creationId xmlns:a16="http://schemas.microsoft.com/office/drawing/2014/main" id="{0A4DC9B3-184E-46FB-8E4C-3470D14DCA0A}"/>
+              </a:ext>
+            </a:extLst>
+          </p:cNvPr>
+          <p:cNvSpPr>
+            <a:spLocks noGrp="1"/>
+          </p:cNvSpPr>
+          <p:nvPr>
+            <p:ph type="body" sz="quarter" idx="14"/>
+          </p:nvPr>
         </p:nvSpPr>
         <p:spPr>
           <a:xfrm>
-            <a:off x="4470683" y="360000"/>
-            <a:ext cx="3250633" cy="523220"/>
+            <a:off x="1860105" y="5597719"/>
+            <a:ext cx="8471790" cy="561603"/>
           </a:xfrm>
-          <a:prstGeom prst="rect">
-            <a:avLst/>
-          </a:prstGeom>
-          <a:noFill/>
         </p:spPr>
         <p:txBody>
-          <a:bodyPr wrap="none" rtlCol="0">
-            <a:spAutoFit/>
-          </a:bodyPr>
-          <a:lstStyle/>
-          <a:p>
-            <a:r>
-              <a:rPr lang="ru-RU" sz="2800" dirty="0">
-                <a:latin typeface="Times New Roman" panose="02020603050405020304" pitchFamily="18" charset="0"/>
-                <a:cs typeface="Times New Roman" panose="02020603050405020304" pitchFamily="18" charset="0"/>
-              </a:rPr>
-              <a:t>Разработка системы</a:t>
-            </a:r>
-          </a:p>
-        </p:txBody>
-      </p:sp>
-      <p:sp>
-        <p:nvSpPr>
-          <p:cNvPr id="4" name="Прямоугольник 3">
-            <a:extLst>
-              <a:ext uri="{FF2B5EF4-FFF2-40B4-BE49-F238E27FC236}">
-                <a16:creationId xmlns:a16="http://schemas.microsoft.com/office/drawing/2014/main" id="{4D4245B6-899A-4E30-817C-262A3DEBF0A8}"/>
-              </a:ext>
-            </a:extLst>
-          </p:cNvPr>
-          <p:cNvSpPr/>
-          <p:nvPr/>
-        </p:nvSpPr>
+          <a:bodyPr/>
+          <a:lstStyle/>
+          <a:p>
+            <a:r>
+              <a:rPr lang="ru-RU" dirty="0"/>
+              <a:t>Устройство </a:t>
+            </a:r>
+            <a:r>
+              <a:rPr lang="en-US" dirty="0"/>
+              <a:t>RAG-</a:t>
+            </a:r>
+            <a:r>
+              <a:rPr lang="ru-RU" dirty="0" err="1"/>
+              <a:t>пайплайна</a:t>
+            </a:r>
+            <a:endParaRPr lang="ru-RU" dirty="0"/>
+          </a:p>
+        </p:txBody>
+      </p:sp>
+      <p:pic>
+        <p:nvPicPr>
+          <p:cNvPr id="20" name="Объект 19">
+            <a:extLst>
+              <a:ext uri="{FF2B5EF4-FFF2-40B4-BE49-F238E27FC236}">
+                <a16:creationId xmlns:a16="http://schemas.microsoft.com/office/drawing/2014/main" id="{5A85D4ED-8010-4EC0-B2B4-4B32F4835C62}"/>
+              </a:ext>
+            </a:extLst>
+          </p:cNvPr>
+          <p:cNvPicPr>
+            <a:picLocks noGrp="1" noChangeAspect="1"/>
+          </p:cNvPicPr>
+          <p:nvPr>
+            <p:ph sz="quarter" idx="15"/>
+          </p:nvPr>
+        </p:nvPicPr>
+        <p:blipFill>
+          <a:blip r:embed="rId2"/>
+          <a:stretch>
+            <a:fillRect/>
+          </a:stretch>
+        </p:blipFill>
         <p:spPr>
           <a:xfrm>
-            <a:off x="1055999" y="1260000"/>
-            <a:ext cx="10080000" cy="5115311"/>
+            <a:off x="2570828" y="403225"/>
+            <a:ext cx="7050343" cy="5194300"/>
           </a:xfrm>
-          <a:prstGeom prst="rect">
-            <a:avLst/>
-          </a:prstGeom>
         </p:spPr>
-        <p:txBody>
-          <a:bodyPr wrap="square">
-            <a:spAutoFit/>
-          </a:bodyPr>
-          <a:lstStyle/>
-          <a:p>
-            <a:pPr marL="457200" indent="449580" algn="just">
-              <a:lnSpc>
-                <a:spcPct val="150000"/>
-              </a:lnSpc>
-              <a:spcAft>
-                <a:spcPts val="0"/>
-              </a:spcAft>
-            </a:pPr>
-            <a:r>
-              <a:rPr lang="ru-RU" sz="2000" b="1" dirty="0">
-                <a:latin typeface="Times New Roman" panose="02020603050405020304" pitchFamily="18" charset="0"/>
-                <a:ea typeface="Times New Roman" panose="02020603050405020304" pitchFamily="18" charset="0"/>
-                <a:cs typeface="Times New Roman" panose="02020603050405020304" pitchFamily="18" charset="0"/>
-              </a:rPr>
-              <a:t>Проектирование:</a:t>
-            </a:r>
-            <a:r>
-              <a:rPr lang="ru-RU" sz="2000" dirty="0">
-                <a:latin typeface="Times New Roman" panose="02020603050405020304" pitchFamily="18" charset="0"/>
-                <a:ea typeface="Times New Roman" panose="02020603050405020304" pitchFamily="18" charset="0"/>
-                <a:cs typeface="Times New Roman" panose="02020603050405020304" pitchFamily="18" charset="0"/>
-              </a:rPr>
-              <a:t> </a:t>
-            </a:r>
-          </a:p>
-          <a:p>
-            <a:pPr marL="457200" indent="449580" algn="just">
-              <a:lnSpc>
-                <a:spcPct val="150000"/>
-              </a:lnSpc>
-              <a:spcAft>
-                <a:spcPts val="0"/>
-              </a:spcAft>
-            </a:pPr>
-            <a:r>
-              <a:rPr lang="ru-RU" sz="2000" dirty="0">
-                <a:latin typeface="Times New Roman" panose="02020603050405020304" pitchFamily="18" charset="0"/>
-                <a:ea typeface="Times New Roman" panose="02020603050405020304" pitchFamily="18" charset="0"/>
-                <a:cs typeface="Times New Roman" panose="02020603050405020304" pitchFamily="18" charset="0"/>
-              </a:rPr>
-              <a:t>Для проектирования системы были использованы UML-диаграммы, которые позволили структурировать требования, визуализировать архитектуру и глубже понять функциональность системы.</a:t>
-            </a:r>
-          </a:p>
-          <a:p>
-            <a:pPr marL="457200" indent="449580" algn="just">
-              <a:lnSpc>
-                <a:spcPct val="150000"/>
-              </a:lnSpc>
-              <a:spcAft>
-                <a:spcPts val="0"/>
-              </a:spcAft>
-            </a:pPr>
-            <a:r>
-              <a:rPr lang="ru-RU" sz="2000" b="1" dirty="0">
-                <a:latin typeface="Times New Roman" panose="02020603050405020304" pitchFamily="18" charset="0"/>
-                <a:ea typeface="Times New Roman" panose="02020603050405020304" pitchFamily="18" charset="0"/>
-                <a:cs typeface="Times New Roman" panose="02020603050405020304" pitchFamily="18" charset="0"/>
-              </a:rPr>
-              <a:t>Компоненты</a:t>
-            </a:r>
-            <a:r>
-              <a:rPr lang="en-US" sz="2000" b="1" dirty="0">
-                <a:latin typeface="Times New Roman" panose="02020603050405020304" pitchFamily="18" charset="0"/>
-                <a:ea typeface="Times New Roman" panose="02020603050405020304" pitchFamily="18" charset="0"/>
-                <a:cs typeface="Times New Roman" panose="02020603050405020304" pitchFamily="18" charset="0"/>
-              </a:rPr>
-              <a:t>:</a:t>
-            </a:r>
-            <a:endParaRPr lang="ru-RU" dirty="0">
-              <a:solidFill>
-                <a:srgbClr val="000000"/>
-              </a:solidFill>
-              <a:latin typeface="Times New Roman" panose="02020603050405020304" pitchFamily="18" charset="0"/>
-              <a:ea typeface="Times New Roman" panose="02020603050405020304" pitchFamily="18" charset="0"/>
-              <a:cs typeface="Times New Roman" panose="02020603050405020304" pitchFamily="18" charset="0"/>
-            </a:endParaRPr>
-          </a:p>
-          <a:p>
-            <a:pPr marL="801688" indent="-350838">
-              <a:lnSpc>
-                <a:spcPct val="150000"/>
-              </a:lnSpc>
-              <a:buFont typeface="+mj-lt"/>
-              <a:buAutoNum type="arabicParenR"/>
-            </a:pPr>
-            <a:r>
-              <a:rPr lang="ru-RU" sz="2000" b="0" i="0" u="none" strike="noStrike" baseline="0" dirty="0" err="1">
-                <a:solidFill>
-                  <a:srgbClr val="000000"/>
-                </a:solidFill>
-                <a:latin typeface="Times New Roman" panose="02020603050405020304" pitchFamily="18" charset="0"/>
-              </a:rPr>
-              <a:t>Chunking</a:t>
-            </a:r>
-            <a:r>
-              <a:rPr lang="ru-RU" sz="2000" b="0" i="0" u="none" strike="noStrike" baseline="0" dirty="0">
-                <a:solidFill>
-                  <a:srgbClr val="000000"/>
-                </a:solidFill>
-                <a:latin typeface="Times New Roman" panose="02020603050405020304" pitchFamily="18" charset="0"/>
-              </a:rPr>
-              <a:t>: использован эвристический метод разделения документов на фрагменты. </a:t>
-            </a:r>
-          </a:p>
-          <a:p>
-            <a:pPr marL="801688" indent="-350838">
-              <a:lnSpc>
-                <a:spcPct val="150000"/>
-              </a:lnSpc>
-              <a:buFont typeface="+mj-lt"/>
-              <a:buAutoNum type="arabicParenR"/>
-            </a:pPr>
-            <a:r>
-              <a:rPr lang="en-US" sz="2000" b="0" i="0" u="none" strike="noStrike" baseline="0" dirty="0">
-                <a:solidFill>
-                  <a:srgbClr val="000000"/>
-                </a:solidFill>
-                <a:latin typeface="Times New Roman" panose="02020603050405020304" pitchFamily="18" charset="0"/>
-              </a:rPr>
-              <a:t>Rewriting</a:t>
-            </a:r>
-            <a:r>
-              <a:rPr lang="ru-RU" sz="2000" b="0" i="0" u="none" strike="noStrike" baseline="0" dirty="0">
-                <a:solidFill>
-                  <a:srgbClr val="000000"/>
-                </a:solidFill>
-                <a:latin typeface="Times New Roman" panose="02020603050405020304" pitchFamily="18" charset="0"/>
-              </a:rPr>
-              <a:t>: запрос пользователя переписывается с использованием метода </a:t>
-            </a:r>
-            <a:r>
-              <a:rPr lang="ru-RU" sz="2000" b="0" i="0" u="none" strike="noStrike" baseline="0" dirty="0" err="1">
-                <a:solidFill>
-                  <a:srgbClr val="000000"/>
-                </a:solidFill>
-                <a:latin typeface="Times New Roman" panose="02020603050405020304" pitchFamily="18" charset="0"/>
-              </a:rPr>
-              <a:t>HyDE</a:t>
-            </a:r>
-            <a:r>
-              <a:rPr lang="ru-RU" sz="2000" b="0" i="0" u="none" strike="noStrike" baseline="0" dirty="0">
-                <a:solidFill>
-                  <a:srgbClr val="000000"/>
-                </a:solidFill>
-                <a:latin typeface="Times New Roman" panose="02020603050405020304" pitchFamily="18" charset="0"/>
-              </a:rPr>
-              <a:t>.</a:t>
-            </a:r>
-          </a:p>
-          <a:p>
-            <a:pPr marL="801688" indent="-350838">
-              <a:lnSpc>
-                <a:spcPct val="150000"/>
-              </a:lnSpc>
-              <a:buFont typeface="+mj-lt"/>
-              <a:buAutoNum type="arabicParenR"/>
-            </a:pPr>
-            <a:r>
-              <a:rPr lang="en-US" sz="2000" b="0" i="0" u="none" strike="noStrike" baseline="0" dirty="0">
-                <a:solidFill>
-                  <a:srgbClr val="000000"/>
-                </a:solidFill>
-                <a:latin typeface="Times New Roman" panose="02020603050405020304" pitchFamily="18" charset="0"/>
-              </a:rPr>
-              <a:t>Retrieval</a:t>
-            </a:r>
-            <a:r>
-              <a:rPr lang="ru-RU" sz="2000" b="0" i="0" u="none" strike="noStrike" baseline="0" dirty="0">
-                <a:solidFill>
-                  <a:srgbClr val="000000"/>
-                </a:solidFill>
-                <a:latin typeface="Times New Roman" panose="02020603050405020304" pitchFamily="18" charset="0"/>
-              </a:rPr>
-              <a:t>: реализация на основе алгоритма BM25.</a:t>
-            </a:r>
-          </a:p>
-          <a:p>
-            <a:pPr marL="801688" indent="-350838">
-              <a:lnSpc>
-                <a:spcPct val="150000"/>
-              </a:lnSpc>
-              <a:buFont typeface="+mj-lt"/>
-              <a:buAutoNum type="arabicParenR"/>
-            </a:pPr>
-            <a:r>
-              <a:rPr lang="ru-RU" sz="2000" b="0" i="0" u="none" strike="noStrike" baseline="0" dirty="0" err="1">
-                <a:solidFill>
-                  <a:srgbClr val="000000"/>
-                </a:solidFill>
-                <a:latin typeface="Times New Roman" panose="02020603050405020304" pitchFamily="18" charset="0"/>
-              </a:rPr>
-              <a:t>Reranker</a:t>
-            </a:r>
-            <a:r>
-              <a:rPr lang="ru-RU" sz="2000" b="0" i="0" u="none" strike="noStrike" baseline="0" dirty="0">
-                <a:solidFill>
-                  <a:srgbClr val="000000"/>
-                </a:solidFill>
-                <a:latin typeface="Times New Roman" panose="02020603050405020304" pitchFamily="18" charset="0"/>
-              </a:rPr>
-              <a:t>: реализован с применением подхода Cross-</a:t>
-            </a:r>
-            <a:r>
-              <a:rPr lang="ru-RU" sz="2000" b="0" i="0" u="none" strike="noStrike" baseline="0" dirty="0" err="1">
-                <a:solidFill>
-                  <a:srgbClr val="000000"/>
-                </a:solidFill>
-                <a:latin typeface="Times New Roman" panose="02020603050405020304" pitchFamily="18" charset="0"/>
-              </a:rPr>
-              <a:t>Encoder</a:t>
-            </a:r>
-            <a:r>
-              <a:rPr lang="ru-RU" sz="2000" b="0" i="0" u="none" strike="noStrike" baseline="0" dirty="0">
-                <a:solidFill>
-                  <a:srgbClr val="000000"/>
-                </a:solidFill>
-                <a:latin typeface="Times New Roman" panose="02020603050405020304" pitchFamily="18" charset="0"/>
-              </a:rPr>
-              <a:t> и модели ru-bert2. </a:t>
-            </a:r>
-          </a:p>
-          <a:p>
-            <a:pPr marL="801688" indent="-350838">
-              <a:lnSpc>
-                <a:spcPct val="150000"/>
-              </a:lnSpc>
-              <a:buFont typeface="+mj-lt"/>
-              <a:buAutoNum type="arabicParenR"/>
-            </a:pPr>
-            <a:r>
-              <a:rPr lang="ru-RU" sz="2000" b="0" i="0" u="none" strike="noStrike" baseline="0" dirty="0" err="1">
-                <a:solidFill>
-                  <a:srgbClr val="000000"/>
-                </a:solidFill>
-                <a:latin typeface="Times New Roman" panose="02020603050405020304" pitchFamily="18" charset="0"/>
-              </a:rPr>
-              <a:t>Generator</a:t>
-            </a:r>
-            <a:r>
-              <a:rPr lang="ru-RU" sz="2000" b="0" i="0" u="none" strike="noStrike" baseline="0" dirty="0">
-                <a:solidFill>
-                  <a:srgbClr val="000000"/>
-                </a:solidFill>
-                <a:latin typeface="Times New Roman" panose="02020603050405020304" pitchFamily="18" charset="0"/>
-              </a:rPr>
-              <a:t>: на финальном этапе ответ генерируется с помощью API </a:t>
-            </a:r>
-            <a:r>
-              <a:rPr lang="ru-RU" sz="2000" b="0" i="0" u="none" strike="noStrike" baseline="0" dirty="0" err="1">
-                <a:solidFill>
-                  <a:srgbClr val="000000"/>
-                </a:solidFill>
-                <a:latin typeface="Times New Roman" panose="02020603050405020304" pitchFamily="18" charset="0"/>
-              </a:rPr>
-              <a:t>YandexGPT</a:t>
-            </a:r>
-            <a:r>
-              <a:rPr lang="ru-RU" sz="2000" b="0" i="0" u="none" strike="noStrike" baseline="0" dirty="0">
-                <a:solidFill>
-                  <a:srgbClr val="000000"/>
-                </a:solidFill>
-                <a:latin typeface="Times New Roman" panose="02020603050405020304" pitchFamily="18" charset="0"/>
-              </a:rPr>
-              <a:t>. </a:t>
-            </a:r>
-          </a:p>
-          <a:p>
-            <a:pPr marL="457200" indent="449580" algn="just">
-              <a:lnSpc>
-                <a:spcPct val="150000"/>
-              </a:lnSpc>
-              <a:spcAft>
-                <a:spcPts val="0"/>
-              </a:spcAft>
-            </a:pPr>
-            <a:endParaRPr lang="en-US" sz="2000" b="1" dirty="0">
-              <a:latin typeface="Times New Roman" panose="02020603050405020304" pitchFamily="18" charset="0"/>
-              <a:ea typeface="Times New Roman" panose="02020603050405020304" pitchFamily="18" charset="0"/>
-              <a:cs typeface="Times New Roman" panose="02020603050405020304" pitchFamily="18" charset="0"/>
-            </a:endParaRPr>
-          </a:p>
-        </p:txBody>
-      </p:sp>
+      </p:pic>
     </p:spTree>
     <p:extLst>
       <p:ext uri="{BB962C8B-B14F-4D97-AF65-F5344CB8AC3E}">
-        <p14:creationId xmlns:p14="http://schemas.microsoft.com/office/powerpoint/2010/main" val="1926217586"/>
+        <p14:creationId xmlns:p14="http://schemas.microsoft.com/office/powerpoint/2010/main" val="4020026706"/>
       </p:ext>
     </p:extLst>
   </p:cSld>
@@ -7338,10 +6849,10 @@
       </p:grpSpPr>
       <p:sp>
         <p:nvSpPr>
-          <p:cNvPr id="4" name="Номер слайда 3">
-            <a:extLst>
-              <a:ext uri="{FF2B5EF4-FFF2-40B4-BE49-F238E27FC236}">
-                <a16:creationId xmlns:a16="http://schemas.microsoft.com/office/drawing/2014/main" id="{1A257828-7ADF-4C0B-BD1B-9DBE99B46649}"/>
+          <p:cNvPr id="2" name="Номер слайда 1">
+            <a:extLst>
+              <a:ext uri="{FF2B5EF4-FFF2-40B4-BE49-F238E27FC236}">
+                <a16:creationId xmlns:a16="http://schemas.microsoft.com/office/drawing/2014/main" id="{5CDF5721-12BA-4B8D-ACD4-F2B130880888}"/>
               </a:ext>
             </a:extLst>
           </p:cNvPr>
@@ -7352,264 +6863,200 @@
             <p:ph type="sldNum" sz="quarter" idx="12"/>
           </p:nvPr>
         </p:nvSpPr>
-        <p:spPr/>
+        <p:spPr>
+          <a:xfrm>
+            <a:off x="131618" y="6356350"/>
+            <a:ext cx="459509" cy="365125"/>
+          </a:xfrm>
+        </p:spPr>
         <p:txBody>
           <a:bodyPr/>
           <a:lstStyle/>
           <a:p>
             <a:fld id="{252DB28E-DCFC-49D3-A30D-8262F7022753}" type="slidenum">
               <a:rPr lang="ru-RU" smtClean="0"/>
+              <a:pPr/>
               <a:t>6</a:t>
             </a:fld>
-            <a:endParaRPr lang="ru-RU"/>
-          </a:p>
-        </p:txBody>
-      </p:sp>
-      <p:sp>
-        <p:nvSpPr>
-          <p:cNvPr id="5" name="TextBox 4">
-            <a:extLst>
-              <a:ext uri="{FF2B5EF4-FFF2-40B4-BE49-F238E27FC236}">
-                <a16:creationId xmlns:a16="http://schemas.microsoft.com/office/drawing/2014/main" id="{6CEA7B85-8284-4A2D-887E-5BB048E04578}"/>
-              </a:ext>
-            </a:extLst>
-          </p:cNvPr>
-          <p:cNvSpPr txBox="1"/>
-          <p:nvPr/>
+            <a:endParaRPr lang="ru-RU" dirty="0"/>
+          </a:p>
+        </p:txBody>
+      </p:sp>
+      <p:sp>
+        <p:nvSpPr>
+          <p:cNvPr id="9" name="Заголовок 8">
+            <a:extLst>
+              <a:ext uri="{FF2B5EF4-FFF2-40B4-BE49-F238E27FC236}">
+                <a16:creationId xmlns:a16="http://schemas.microsoft.com/office/drawing/2014/main" id="{D0A5F95D-CE22-4BD3-AF4C-4D85CEC1DC37}"/>
+              </a:ext>
+            </a:extLst>
+          </p:cNvPr>
+          <p:cNvSpPr>
+            <a:spLocks noGrp="1"/>
+          </p:cNvSpPr>
+          <p:nvPr>
+            <p:ph type="title"/>
+          </p:nvPr>
         </p:nvSpPr>
         <p:spPr>
           <a:xfrm>
-            <a:off x="1056000" y="1260000"/>
-            <a:ext cx="10080000" cy="4613058"/>
+            <a:off x="718457" y="0"/>
+            <a:ext cx="10755088" cy="1520890"/>
           </a:xfrm>
-          <a:prstGeom prst="rect">
-            <a:avLst/>
-          </a:prstGeom>
-          <a:noFill/>
         </p:spPr>
         <p:txBody>
-          <a:bodyPr wrap="square">
-            <a:spAutoFit/>
-          </a:bodyPr>
-          <a:lstStyle/>
-          <a:p>
-            <a:pPr marL="457200" indent="449580" algn="just">
-              <a:lnSpc>
-                <a:spcPct val="150000"/>
-              </a:lnSpc>
-              <a:spcAft>
-                <a:spcPts val="0"/>
-              </a:spcAft>
-            </a:pPr>
-            <a:r>
-              <a:rPr lang="ru-RU" sz="2000" b="1" dirty="0">
-                <a:latin typeface="Times New Roman" panose="02020603050405020304" pitchFamily="18" charset="0"/>
-                <a:cs typeface="Times New Roman" panose="02020603050405020304" pitchFamily="18" charset="0"/>
-              </a:rPr>
-              <a:t>QASPER</a:t>
-            </a:r>
-            <a:r>
-              <a:rPr lang="en-US" sz="2000" b="1" dirty="0">
-                <a:latin typeface="Times New Roman" panose="02020603050405020304" pitchFamily="18" charset="0"/>
-                <a:cs typeface="Times New Roman" panose="02020603050405020304" pitchFamily="18" charset="0"/>
-              </a:rPr>
-              <a:t>:</a:t>
-            </a:r>
-            <a:endParaRPr lang="ru-RU" sz="2000" dirty="0">
-              <a:latin typeface="Times New Roman" panose="02020603050405020304" pitchFamily="18" charset="0"/>
-              <a:cs typeface="Times New Roman" panose="02020603050405020304" pitchFamily="18" charset="0"/>
-            </a:endParaRPr>
-          </a:p>
-          <a:p>
-            <a:pPr marL="457200" indent="449580" algn="just">
-              <a:lnSpc>
-                <a:spcPct val="150000"/>
-              </a:lnSpc>
-              <a:spcAft>
-                <a:spcPts val="0"/>
-              </a:spcAft>
-            </a:pPr>
-            <a:r>
-              <a:rPr lang="ru-RU" sz="2000" dirty="0" err="1">
-                <a:latin typeface="Times New Roman" panose="02020603050405020304" pitchFamily="18" charset="0"/>
-                <a:cs typeface="Times New Roman" panose="02020603050405020304" pitchFamily="18" charset="0"/>
-              </a:rPr>
-              <a:t>Датасет</a:t>
-            </a:r>
-            <a:r>
-              <a:rPr lang="ru-RU" sz="2000" dirty="0">
-                <a:latin typeface="Times New Roman" panose="02020603050405020304" pitchFamily="18" charset="0"/>
-                <a:cs typeface="Times New Roman" panose="02020603050405020304" pitchFamily="18" charset="0"/>
-              </a:rPr>
-              <a:t> для задач вопросно-ответного поиска (QA) на научных статьях в области обработки естественного языка (NLP). Он включает 5,049 вопросов, относящихся к 1,585 научным статьям по NLP. </a:t>
-            </a:r>
-          </a:p>
-          <a:p>
-            <a:pPr marL="457200" indent="449580" algn="just">
-              <a:lnSpc>
-                <a:spcPct val="150000"/>
-              </a:lnSpc>
-              <a:spcAft>
-                <a:spcPts val="0"/>
-              </a:spcAft>
-            </a:pPr>
-            <a:r>
-              <a:rPr lang="en-US" sz="2000" b="1" dirty="0">
-                <a:latin typeface="Times New Roman" panose="02020603050405020304" pitchFamily="18" charset="0"/>
-                <a:cs typeface="Times New Roman" panose="02020603050405020304" pitchFamily="18" charset="0"/>
-              </a:rPr>
-              <a:t>RAGAS: </a:t>
-            </a:r>
-            <a:endParaRPr lang="ru-RU" sz="2000" b="1" dirty="0">
-              <a:latin typeface="Times New Roman" panose="02020603050405020304" pitchFamily="18" charset="0"/>
-              <a:cs typeface="Times New Roman" panose="02020603050405020304" pitchFamily="18" charset="0"/>
-            </a:endParaRPr>
-          </a:p>
-          <a:p>
-            <a:pPr marL="457200" indent="449580" algn="just">
-              <a:lnSpc>
-                <a:spcPct val="150000"/>
-              </a:lnSpc>
-              <a:spcAft>
-                <a:spcPts val="0"/>
-              </a:spcAft>
-            </a:pPr>
-            <a:r>
-              <a:rPr lang="ru-RU" sz="2000" dirty="0">
-                <a:latin typeface="Times New Roman" panose="02020603050405020304" pitchFamily="18" charset="0"/>
-                <a:cs typeface="Times New Roman" panose="02020603050405020304" pitchFamily="18" charset="0"/>
-              </a:rPr>
-              <a:t>В RAGAS есть отдельные метрики для </a:t>
-            </a:r>
-            <a:r>
-              <a:rPr lang="ru-RU" sz="2000" dirty="0" err="1">
-                <a:latin typeface="Times New Roman" panose="02020603050405020304" pitchFamily="18" charset="0"/>
-                <a:cs typeface="Times New Roman" panose="02020603050405020304" pitchFamily="18" charset="0"/>
-              </a:rPr>
-              <a:t>Retrieval</a:t>
-            </a:r>
-            <a:r>
-              <a:rPr lang="en-US" sz="2000" dirty="0">
-                <a:latin typeface="Times New Roman" panose="02020603050405020304" pitchFamily="18" charset="0"/>
-                <a:cs typeface="Times New Roman" panose="02020603050405020304" pitchFamily="18" charset="0"/>
-              </a:rPr>
-              <a:t> </a:t>
-            </a:r>
-            <a:r>
-              <a:rPr lang="ru-RU" sz="2000" dirty="0">
-                <a:latin typeface="Times New Roman" panose="02020603050405020304" pitchFamily="18" charset="0"/>
-                <a:cs typeface="Times New Roman" panose="02020603050405020304" pitchFamily="18" charset="0"/>
-              </a:rPr>
-              <a:t>и Generation частей RAG-системы, что позволяет</a:t>
-            </a:r>
-            <a:r>
-              <a:rPr lang="en-US" sz="2000" dirty="0">
-                <a:latin typeface="Times New Roman" panose="02020603050405020304" pitchFamily="18" charset="0"/>
-                <a:cs typeface="Times New Roman" panose="02020603050405020304" pitchFamily="18" charset="0"/>
-              </a:rPr>
-              <a:t> </a:t>
-            </a:r>
-            <a:r>
-              <a:rPr lang="ru-RU" sz="2000" dirty="0">
-                <a:latin typeface="Times New Roman" panose="02020603050405020304" pitchFamily="18" charset="0"/>
-                <a:cs typeface="Times New Roman" panose="02020603050405020304" pitchFamily="18" charset="0"/>
-              </a:rPr>
-              <a:t>декомпозировать оценку всей системы на оценку</a:t>
-            </a:r>
-            <a:r>
-              <a:rPr lang="en-US" sz="2000" dirty="0">
-                <a:latin typeface="Times New Roman" panose="02020603050405020304" pitchFamily="18" charset="0"/>
-                <a:cs typeface="Times New Roman" panose="02020603050405020304" pitchFamily="18" charset="0"/>
-              </a:rPr>
-              <a:t> </a:t>
-            </a:r>
-            <a:r>
-              <a:rPr lang="ru-RU" sz="2000" dirty="0">
-                <a:latin typeface="Times New Roman" panose="02020603050405020304" pitchFamily="18" charset="0"/>
-                <a:cs typeface="Times New Roman" panose="02020603050405020304" pitchFamily="18" charset="0"/>
-              </a:rPr>
-              <a:t>её составляющих. Такими метриками проще отслеживать проблемные места системы, а также реакцию на изменения компонентов/параметров RAG.</a:t>
-            </a:r>
-          </a:p>
-          <a:p>
-            <a:pPr marL="457200" indent="449580" algn="just">
-              <a:lnSpc>
-                <a:spcPct val="150000"/>
-              </a:lnSpc>
-              <a:spcAft>
-                <a:spcPts val="0"/>
-              </a:spcAft>
-            </a:pPr>
-            <a:endParaRPr lang="ru-RU" sz="1800" dirty="0">
-              <a:latin typeface="Times New Roman" panose="02020603050405020304" pitchFamily="18" charset="0"/>
-              <a:cs typeface="Times New Roman" panose="02020603050405020304" pitchFamily="18" charset="0"/>
-            </a:endParaRPr>
-          </a:p>
-        </p:txBody>
-      </p:sp>
-      <p:sp>
-        <p:nvSpPr>
-          <p:cNvPr id="6" name="Заголовок 1">
-            <a:extLst>
-              <a:ext uri="{FF2B5EF4-FFF2-40B4-BE49-F238E27FC236}">
-                <a16:creationId xmlns:a16="http://schemas.microsoft.com/office/drawing/2014/main" id="{6AC70CF8-D841-4EA3-9226-024DCC73EE6E}"/>
-              </a:ext>
-            </a:extLst>
-          </p:cNvPr>
-          <p:cNvSpPr txBox="1">
-            <a:spLocks/>
-          </p:cNvSpPr>
-          <p:nvPr/>
+          <a:bodyPr/>
+          <a:lstStyle/>
+          <a:p>
+            <a:r>
+              <a:rPr lang="ru-RU" dirty="0"/>
+              <a:t>Разработка системы</a:t>
+            </a:r>
+          </a:p>
+        </p:txBody>
+      </p:sp>
+      <p:sp>
+        <p:nvSpPr>
+          <p:cNvPr id="10" name="Текст 9">
+            <a:extLst>
+              <a:ext uri="{FF2B5EF4-FFF2-40B4-BE49-F238E27FC236}">
+                <a16:creationId xmlns:a16="http://schemas.microsoft.com/office/drawing/2014/main" id="{4A3BC88F-8D4A-456B-A7D9-8F239E58CD1C}"/>
+              </a:ext>
+            </a:extLst>
+          </p:cNvPr>
+          <p:cNvSpPr>
+            <a:spLocks noGrp="1"/>
+          </p:cNvSpPr>
+          <p:nvPr>
+            <p:ph type="body" sz="quarter" idx="13"/>
+          </p:nvPr>
         </p:nvSpPr>
         <p:spPr>
           <a:xfrm>
-            <a:off x="838200" y="360000"/>
-            <a:ext cx="10515600" cy="540000"/>
+            <a:off x="718456" y="1520890"/>
+            <a:ext cx="10755088" cy="4835460"/>
           </a:xfrm>
-          <a:prstGeom prst="rect">
-            <a:avLst/>
-          </a:prstGeom>
         </p:spPr>
         <p:txBody>
           <a:bodyPr>
             <a:normAutofit/>
           </a:bodyPr>
-          <a:lstStyle>
-            <a:lvl1pPr algn="l" defTabSz="914400" rtl="0" eaLnBrk="1" latinLnBrk="0" hangingPunct="1">
-              <a:lnSpc>
-                <a:spcPct val="90000"/>
-              </a:lnSpc>
-              <a:spcBef>
-                <a:spcPct val="0"/>
-              </a:spcBef>
-              <a:buNone/>
-              <a:defRPr sz="4400" kern="1200">
-                <a:solidFill>
-                  <a:schemeClr val="tx1"/>
-                </a:solidFill>
-                <a:latin typeface="+mj-lt"/>
-                <a:ea typeface="+mj-ea"/>
-                <a:cs typeface="+mj-cs"/>
-              </a:defRPr>
-            </a:lvl1pPr>
-          </a:lstStyle>
-          <a:p>
-            <a:pPr algn="ctr"/>
-            <a:r>
-              <a:rPr lang="ru-RU" sz="2800" dirty="0">
-                <a:latin typeface="Times New Roman" panose="02020603050405020304" pitchFamily="18" charset="0"/>
-                <a:cs typeface="Times New Roman" panose="02020603050405020304" pitchFamily="18" charset="0"/>
-              </a:rPr>
-              <a:t>Оценка системы</a:t>
-            </a:r>
-            <a:endParaRPr lang="ru-RU" sz="2800" dirty="0"/>
+          <a:lstStyle/>
+          <a:p>
+            <a:r>
+              <a:rPr lang="ru-RU" dirty="0"/>
+              <a:t>Проектирование: </a:t>
+            </a:r>
+          </a:p>
+          <a:p>
+            <a:pPr lvl="1"/>
+            <a:r>
+              <a:rPr lang="ru-RU" dirty="0"/>
+              <a:t>Для проектирования системы были использованы UML-диаграммы, которые позволили структурировать требования, визуализировать архитектуру и глубже понять функциональность системы.</a:t>
+            </a:r>
+          </a:p>
+          <a:p>
+            <a:r>
+              <a:rPr lang="ru-RU" dirty="0"/>
+              <a:t>Компоненты</a:t>
+            </a:r>
+            <a:r>
+              <a:rPr lang="en-US" dirty="0"/>
+              <a:t>:</a:t>
+            </a:r>
+            <a:endParaRPr lang="ru-RU" dirty="0"/>
+          </a:p>
+          <a:p>
+            <a:pPr lvl="1"/>
+            <a:r>
+              <a:rPr lang="ru-RU" dirty="0" err="1"/>
+              <a:t>Chunking</a:t>
+            </a:r>
+            <a:r>
+              <a:rPr lang="ru-RU" dirty="0"/>
+              <a:t>: использован эвристический метод разделения документов на фрагменты. </a:t>
+            </a:r>
+          </a:p>
+          <a:p>
+            <a:pPr lvl="1"/>
+            <a:r>
+              <a:rPr lang="en-US" dirty="0"/>
+              <a:t>Rewriting</a:t>
+            </a:r>
+            <a:r>
+              <a:rPr lang="ru-RU" dirty="0"/>
+              <a:t>: запрос пользователя переписывается с использованием метода </a:t>
+            </a:r>
+            <a:r>
+              <a:rPr lang="ru-RU" dirty="0" err="1"/>
+              <a:t>HyDE</a:t>
+            </a:r>
+            <a:r>
+              <a:rPr lang="ru-RU" dirty="0"/>
+              <a:t>.</a:t>
+            </a:r>
+          </a:p>
+          <a:p>
+            <a:pPr lvl="1"/>
+            <a:r>
+              <a:rPr lang="en-US" dirty="0"/>
+              <a:t>Retrieval</a:t>
+            </a:r>
+            <a:r>
+              <a:rPr lang="ru-RU" dirty="0"/>
+              <a:t>: реализация на основе алгоритма BM25.</a:t>
+            </a:r>
+          </a:p>
+          <a:p>
+            <a:pPr lvl="1"/>
+            <a:r>
+              <a:rPr lang="ru-RU" dirty="0" err="1"/>
+              <a:t>Reranker</a:t>
+            </a:r>
+            <a:r>
+              <a:rPr lang="ru-RU" dirty="0"/>
+              <a:t>: реализован с применением подхода Cross-</a:t>
+            </a:r>
+            <a:r>
+              <a:rPr lang="ru-RU" dirty="0" err="1"/>
+              <a:t>Encoder</a:t>
+            </a:r>
+            <a:r>
+              <a:rPr lang="ru-RU" dirty="0"/>
+              <a:t> и модели ru-bert2. </a:t>
+            </a:r>
+          </a:p>
+          <a:p>
+            <a:pPr lvl="1"/>
+            <a:r>
+              <a:rPr lang="ru-RU" dirty="0" err="1"/>
+              <a:t>Generator</a:t>
+            </a:r>
+            <a:r>
+              <a:rPr lang="ru-RU" dirty="0"/>
+              <a:t>: на финальном этапе ответ генерируется с помощью API </a:t>
+            </a:r>
+            <a:r>
+              <a:rPr lang="ru-RU" dirty="0" err="1"/>
+              <a:t>YandexGPT</a:t>
+            </a:r>
+            <a:r>
+              <a:rPr lang="ru-RU" dirty="0"/>
+              <a:t>. </a:t>
+            </a:r>
+          </a:p>
+          <a:p>
+            <a:endParaRPr lang="en-US" dirty="0"/>
+          </a:p>
+          <a:p>
+            <a:endParaRPr lang="ru-RU" dirty="0"/>
           </a:p>
         </p:txBody>
       </p:sp>
     </p:spTree>
     <p:extLst>
       <p:ext uri="{BB962C8B-B14F-4D97-AF65-F5344CB8AC3E}">
-        <p14:creationId xmlns:p14="http://schemas.microsoft.com/office/powerpoint/2010/main" val="3887349767"/>
+        <p14:creationId xmlns:p14="http://schemas.microsoft.com/office/powerpoint/2010/main" val="1926217586"/>
       </p:ext>
     </p:extLst>
   </p:cSld>
@@ -7638,193 +7085,18 @@
       </p:grpSpPr>
       <p:sp>
         <p:nvSpPr>
-          <p:cNvPr id="4" name="TextBox 3">
-            <a:extLst>
-              <a:ext uri="{FF2B5EF4-FFF2-40B4-BE49-F238E27FC236}">
-                <a16:creationId xmlns:a16="http://schemas.microsoft.com/office/drawing/2014/main" id="{7BC11A81-EC7C-46E9-ACA0-C71C16939726}"/>
-              </a:ext>
-            </a:extLst>
-          </p:cNvPr>
-          <p:cNvSpPr txBox="1"/>
-          <p:nvPr/>
-        </p:nvSpPr>
-        <p:spPr>
-          <a:xfrm>
-            <a:off x="1056000" y="1260000"/>
-            <a:ext cx="10080000" cy="2806987"/>
-          </a:xfrm>
-          <a:prstGeom prst="rect">
-            <a:avLst/>
-          </a:prstGeom>
-          <a:noFill/>
-        </p:spPr>
-        <p:txBody>
-          <a:bodyPr wrap="square">
-            <a:spAutoFit/>
-          </a:bodyPr>
-          <a:lstStyle/>
-          <a:p>
-            <a:pPr marL="457200" indent="449580" algn="just">
-              <a:lnSpc>
-                <a:spcPct val="150000"/>
-              </a:lnSpc>
-              <a:spcAft>
-                <a:spcPts val="0"/>
-              </a:spcAft>
-            </a:pPr>
-            <a:r>
-              <a:rPr lang="ru-RU" sz="2000" b="1" dirty="0">
-                <a:latin typeface="Times New Roman" panose="02020603050405020304" pitchFamily="18" charset="0"/>
-                <a:cs typeface="Times New Roman" panose="02020603050405020304" pitchFamily="18" charset="0"/>
-              </a:rPr>
-              <a:t>Дальнейшие планы работы</a:t>
-            </a:r>
-            <a:r>
-              <a:rPr lang="en-US" sz="2000" b="1" dirty="0">
-                <a:latin typeface="Times New Roman" panose="02020603050405020304" pitchFamily="18" charset="0"/>
-                <a:cs typeface="Times New Roman" panose="02020603050405020304" pitchFamily="18" charset="0"/>
-              </a:rPr>
-              <a:t>:</a:t>
-            </a:r>
-            <a:endParaRPr lang="ru-RU" sz="2000" dirty="0">
-              <a:latin typeface="Times New Roman" panose="02020603050405020304" pitchFamily="18" charset="0"/>
-              <a:cs typeface="Times New Roman" panose="02020603050405020304" pitchFamily="18" charset="0"/>
-            </a:endParaRPr>
-          </a:p>
-          <a:p>
-            <a:pPr marL="800100" indent="-342900">
-              <a:lnSpc>
-                <a:spcPct val="150000"/>
-              </a:lnSpc>
-              <a:buFontTx/>
-              <a:buAutoNum type="arabicParenR"/>
-            </a:pPr>
-            <a:r>
-              <a:rPr lang="ru-RU" sz="2000" dirty="0">
-                <a:latin typeface="Times New Roman" panose="02020603050405020304" pitchFamily="18" charset="0"/>
-                <a:cs typeface="Times New Roman" panose="02020603050405020304" pitchFamily="18" charset="0"/>
-              </a:rPr>
-              <a:t>Получить численные метрики на </a:t>
-            </a:r>
-            <a:r>
-              <a:rPr lang="ru-RU" sz="2000" dirty="0" err="1">
-                <a:latin typeface="Times New Roman" panose="02020603050405020304" pitchFamily="18" charset="0"/>
-                <a:cs typeface="Times New Roman" panose="02020603050405020304" pitchFamily="18" charset="0"/>
-              </a:rPr>
-              <a:t>датасете</a:t>
-            </a:r>
-            <a:r>
-              <a:rPr lang="ru-RU" sz="2000" dirty="0">
-                <a:latin typeface="Times New Roman" panose="02020603050405020304" pitchFamily="18" charset="0"/>
-                <a:cs typeface="Times New Roman" panose="02020603050405020304" pitchFamily="18" charset="0"/>
-              </a:rPr>
-              <a:t> </a:t>
-            </a:r>
-            <a:r>
-              <a:rPr lang="en-US" sz="2000" dirty="0">
-                <a:latin typeface="Times New Roman" panose="02020603050405020304" pitchFamily="18" charset="0"/>
-                <a:cs typeface="Times New Roman" panose="02020603050405020304" pitchFamily="18" charset="0"/>
-              </a:rPr>
-              <a:t>QASPER</a:t>
-            </a:r>
-            <a:r>
-              <a:rPr lang="ru-RU" sz="2000" dirty="0">
-                <a:latin typeface="Times New Roman" panose="02020603050405020304" pitchFamily="18" charset="0"/>
-                <a:cs typeface="Times New Roman" panose="02020603050405020304" pitchFamily="18" charset="0"/>
-              </a:rPr>
-              <a:t>.</a:t>
-            </a:r>
-          </a:p>
-          <a:p>
-            <a:pPr marL="800100" indent="-342900">
-              <a:lnSpc>
-                <a:spcPct val="150000"/>
-              </a:lnSpc>
-              <a:buFontTx/>
-              <a:buAutoNum type="arabicParenR"/>
-            </a:pPr>
-            <a:r>
-              <a:rPr lang="ru-RU" sz="2000" dirty="0">
-                <a:latin typeface="Times New Roman" panose="02020603050405020304" pitchFamily="18" charset="0"/>
-                <a:cs typeface="Times New Roman" panose="02020603050405020304" pitchFamily="18" charset="0"/>
-              </a:rPr>
-              <a:t>Проведение экспериментов с </a:t>
-            </a:r>
-            <a:r>
-              <a:rPr lang="en-US" sz="2000" dirty="0">
-                <a:latin typeface="Times New Roman" panose="02020603050405020304" pitchFamily="18" charset="0"/>
-                <a:cs typeface="Times New Roman" panose="02020603050405020304" pitchFamily="18" charset="0"/>
-              </a:rPr>
-              <a:t>RAGAS: </a:t>
-            </a:r>
-            <a:r>
-              <a:rPr lang="ru-RU" sz="2000" dirty="0">
-                <a:latin typeface="Times New Roman" panose="02020603050405020304" pitchFamily="18" charset="0"/>
-                <a:cs typeface="Times New Roman" panose="02020603050405020304" pitchFamily="18" charset="0"/>
-              </a:rPr>
-              <a:t>создание синтетического </a:t>
-            </a:r>
-            <a:r>
-              <a:rPr lang="ru-RU" sz="2000" dirty="0" err="1">
-                <a:latin typeface="Times New Roman" panose="02020603050405020304" pitchFamily="18" charset="0"/>
-                <a:cs typeface="Times New Roman" panose="02020603050405020304" pitchFamily="18" charset="0"/>
-              </a:rPr>
-              <a:t>датасета</a:t>
-            </a:r>
-            <a:r>
-              <a:rPr lang="ru-RU" sz="2000" dirty="0">
-                <a:latin typeface="Times New Roman" panose="02020603050405020304" pitchFamily="18" charset="0"/>
-                <a:cs typeface="Times New Roman" panose="02020603050405020304" pitchFamily="18" charset="0"/>
-              </a:rPr>
-              <a:t> и получение метрик.</a:t>
-            </a:r>
-          </a:p>
-          <a:p>
-            <a:pPr marL="800100" indent="-342900">
-              <a:lnSpc>
-                <a:spcPct val="150000"/>
-              </a:lnSpc>
-              <a:buFontTx/>
-              <a:buAutoNum type="arabicParenR"/>
-            </a:pPr>
-            <a:r>
-              <a:rPr lang="ru-RU" sz="2000" dirty="0">
-                <a:latin typeface="Times New Roman" panose="02020603050405020304" pitchFamily="18" charset="0"/>
-                <a:cs typeface="Times New Roman" panose="02020603050405020304" pitchFamily="18" charset="0"/>
-              </a:rPr>
-              <a:t>Проведение экспериментов по улучшению существующей </a:t>
-            </a:r>
-            <a:r>
-              <a:rPr lang="en-US" sz="2000" dirty="0">
-                <a:latin typeface="Times New Roman" panose="02020603050405020304" pitchFamily="18" charset="0"/>
-                <a:cs typeface="Times New Roman" panose="02020603050405020304" pitchFamily="18" charset="0"/>
-              </a:rPr>
-              <a:t>RAG-</a:t>
-            </a:r>
-            <a:r>
-              <a:rPr lang="ru-RU" sz="2000" dirty="0">
-                <a:latin typeface="Times New Roman" panose="02020603050405020304" pitchFamily="18" charset="0"/>
-                <a:cs typeface="Times New Roman" panose="02020603050405020304" pitchFamily="18" charset="0"/>
-              </a:rPr>
-              <a:t>системы с соответствии с полученными метриками.</a:t>
-            </a:r>
-          </a:p>
-        </p:txBody>
-      </p:sp>
-      <p:sp>
-        <p:nvSpPr>
-          <p:cNvPr id="5" name="Номер слайда 4">
-            <a:extLst>
-              <a:ext uri="{FF2B5EF4-FFF2-40B4-BE49-F238E27FC236}">
-                <a16:creationId xmlns:a16="http://schemas.microsoft.com/office/drawing/2014/main" id="{7E298AA3-CC00-4C54-8CC0-AD30B0AC14A7}"/>
-              </a:ext>
-            </a:extLst>
-          </p:cNvPr>
-          <p:cNvSpPr>
-            <a:spLocks noGrp="1"/>
-          </p:cNvSpPr>
-          <p:nvPr>
-            <p:ph type="sldNum" sz="quarter" idx="12"/>
+          <p:cNvPr id="6" name="Заголовок 5">
+            <a:extLst>
+              <a:ext uri="{FF2B5EF4-FFF2-40B4-BE49-F238E27FC236}">
+                <a16:creationId xmlns:a16="http://schemas.microsoft.com/office/drawing/2014/main" id="{C2161C10-9AF8-4DE9-8D02-8CBACFB694D7}"/>
+              </a:ext>
+            </a:extLst>
+          </p:cNvPr>
+          <p:cNvSpPr>
+            <a:spLocks noGrp="1"/>
+          </p:cNvSpPr>
+          <p:nvPr>
+            <p:ph type="title"/>
           </p:nvPr>
         </p:nvSpPr>
         <p:spPr/>
@@ -7832,18 +7104,97 @@
           <a:bodyPr/>
           <a:lstStyle/>
           <a:p>
-            <a:fld id="{252DB28E-DCFC-49D3-A30D-8262F7022753}" type="slidenum">
-              <a:rPr lang="ru-RU" smtClean="0"/>
-              <a:t>7</a:t>
-            </a:fld>
-            <a:endParaRPr lang="ru-RU"/>
+            <a:r>
+              <a:rPr lang="ru-RU" dirty="0"/>
+              <a:t>Работа с </a:t>
+            </a:r>
+            <a:r>
+              <a:rPr lang="en-US" dirty="0"/>
+              <a:t>PDF-</a:t>
+            </a:r>
+            <a:r>
+              <a:rPr lang="ru-RU" dirty="0"/>
+              <a:t>файлами</a:t>
+            </a:r>
+          </a:p>
+        </p:txBody>
+      </p:sp>
+      <p:sp>
+        <p:nvSpPr>
+          <p:cNvPr id="7" name="Текст 6">
+            <a:extLst>
+              <a:ext uri="{FF2B5EF4-FFF2-40B4-BE49-F238E27FC236}">
+                <a16:creationId xmlns:a16="http://schemas.microsoft.com/office/drawing/2014/main" id="{30365AA0-D7D8-44C6-97ED-296E9E340B56}"/>
+              </a:ext>
+            </a:extLst>
+          </p:cNvPr>
+          <p:cNvSpPr>
+            <a:spLocks noGrp="1"/>
+          </p:cNvSpPr>
+          <p:nvPr>
+            <p:ph type="body" sz="quarter" idx="13"/>
+          </p:nvPr>
+        </p:nvSpPr>
+        <p:spPr/>
+        <p:txBody>
+          <a:bodyPr/>
+          <a:lstStyle/>
+          <a:p>
+            <a:r>
+              <a:rPr lang="ru-RU" dirty="0"/>
+              <a:t>Процесс индексации</a:t>
+            </a:r>
+          </a:p>
+          <a:p>
+            <a:pPr lvl="1"/>
+            <a:r>
+              <a:rPr lang="ru-RU" dirty="0"/>
+              <a:t>Система загружает PDF-файлы и разбивает их на логические фрагменты в реальном времени. Для индексации используется CRF-модель, </a:t>
+            </a:r>
+            <a:r>
+              <a:rPr lang="ru-RU"/>
+              <a:t>которая выделяет структурированные </a:t>
+            </a:r>
+            <a:r>
+              <a:rPr lang="ru-RU" dirty="0"/>
+              <a:t>части текста для улучшения поиска. </a:t>
+            </a:r>
+          </a:p>
+          <a:p>
+            <a:r>
+              <a:rPr lang="ru-RU" dirty="0"/>
+              <a:t>Скорость работы</a:t>
+            </a:r>
+          </a:p>
+          <a:p>
+            <a:pPr lvl="1"/>
+            <a:r>
+              <a:rPr lang="ru-RU" dirty="0"/>
+              <a:t>Загрузка книги </a:t>
+            </a:r>
+            <a:r>
+              <a:rPr lang="en-US" dirty="0"/>
+              <a:t>Thomas H. </a:t>
+            </a:r>
+            <a:r>
+              <a:rPr lang="en-US" dirty="0" err="1"/>
+              <a:t>Cormen</a:t>
+            </a:r>
+            <a:r>
+              <a:rPr lang="en-US" dirty="0"/>
+              <a:t> Introduction to Algorithms </a:t>
+            </a:r>
+            <a:r>
+              <a:rPr lang="ru-RU" dirty="0"/>
+              <a:t>происходит за …</a:t>
+            </a:r>
           </a:p>
         </p:txBody>
       </p:sp>
     </p:spTree>
     <p:extLst>
       <p:ext uri="{BB962C8B-B14F-4D97-AF65-F5344CB8AC3E}">
-        <p14:creationId xmlns:p14="http://schemas.microsoft.com/office/powerpoint/2010/main" val="1539174534"/>
+        <p14:creationId xmlns:p14="http://schemas.microsoft.com/office/powerpoint/2010/main" val="4257535218"/>
       </p:ext>
     </p:extLst>
   </p:cSld>
@@ -7875,7 +7226,7 @@
           <p:cNvPr id="2" name="Номер слайда 1">
             <a:extLst>
               <a:ext uri="{FF2B5EF4-FFF2-40B4-BE49-F238E27FC236}">
-                <a16:creationId xmlns:a16="http://schemas.microsoft.com/office/drawing/2014/main" id="{87915DC9-1061-473A-94BC-4C672293B577}"/>
+                <a16:creationId xmlns:a16="http://schemas.microsoft.com/office/drawing/2014/main" id="{2FE185EA-BBB7-49C8-8A0B-56306614BA67}"/>
               </a:ext>
             </a:extLst>
           </p:cNvPr>
@@ -7886,7 +7237,12 @@
             <p:ph type="sldNum" sz="quarter" idx="12"/>
           </p:nvPr>
         </p:nvSpPr>
-        <p:spPr/>
+        <p:spPr>
+          <a:xfrm>
+            <a:off x="131618" y="6356350"/>
+            <a:ext cx="459509" cy="365125"/>
+          </a:xfrm>
+        </p:spPr>
         <p:txBody>
           <a:bodyPr/>
           <a:lstStyle/>
@@ -7900,10 +7256,85 @@
           </a:p>
         </p:txBody>
       </p:sp>
+      <p:sp>
+        <p:nvSpPr>
+          <p:cNvPr id="22" name="Текст 21">
+            <a:extLst>
+              <a:ext uri="{FF2B5EF4-FFF2-40B4-BE49-F238E27FC236}">
+                <a16:creationId xmlns:a16="http://schemas.microsoft.com/office/drawing/2014/main" id="{0A4DC9B3-184E-46FB-8E4C-3470D14DCA0A}"/>
+              </a:ext>
+            </a:extLst>
+          </p:cNvPr>
+          <p:cNvSpPr>
+            <a:spLocks noGrp="1"/>
+          </p:cNvSpPr>
+          <p:nvPr>
+            <p:ph type="body" sz="quarter" idx="14"/>
+          </p:nvPr>
+        </p:nvSpPr>
+        <p:spPr>
+          <a:xfrm>
+            <a:off x="1860105" y="5597719"/>
+            <a:ext cx="8471790" cy="561603"/>
+          </a:xfrm>
+        </p:spPr>
+        <p:txBody>
+          <a:bodyPr/>
+          <a:lstStyle/>
+          <a:p>
+            <a:r>
+              <a:rPr lang="ru-RU" dirty="0"/>
+              <a:t>Пользовательский интерфейс веб-приложения</a:t>
+            </a:r>
+          </a:p>
+        </p:txBody>
+      </p:sp>
+      <p:pic>
+        <p:nvPicPr>
+          <p:cNvPr id="29" name="Объект 28">
+            <a:extLst>
+              <a:ext uri="{FF2B5EF4-FFF2-40B4-BE49-F238E27FC236}">
+                <a16:creationId xmlns:a16="http://schemas.microsoft.com/office/drawing/2014/main" id="{CF020E99-CA6A-4366-A88B-55E4E5D94641}"/>
+              </a:ext>
+            </a:extLst>
+          </p:cNvPr>
+          <p:cNvPicPr>
+            <a:picLocks noGrp="1"/>
+          </p:cNvPicPr>
+          <p:nvPr>
+            <p:ph sz="quarter" idx="15"/>
+          </p:nvPr>
+        </p:nvPicPr>
+        <p:blipFill>
+          <a:blip r:embed="rId2" cstate="print">
+            <a:extLst>
+              <a:ext uri="{28A0092B-C50C-407E-A947-70E740481C1C}">
+                <a14:useLocalDpi xmlns:a14="http://schemas.microsoft.com/office/drawing/2010/main" val="0"/>
+              </a:ext>
+            </a:extLst>
+          </a:blip>
+          <a:stretch>
+            <a:fillRect/>
+          </a:stretch>
+        </p:blipFill>
+        <p:spPr>
+          <a:xfrm>
+            <a:off x="2931343" y="403225"/>
+            <a:ext cx="6329314" cy="5194300"/>
+          </a:xfrm>
+          <a:ln>
+            <a:solidFill>
+              <a:schemeClr val="bg1">
+                <a:lumMod val="85000"/>
+              </a:schemeClr>
+            </a:solidFill>
+          </a:ln>
+        </p:spPr>
+      </p:pic>
     </p:spTree>
     <p:extLst>
       <p:ext uri="{BB962C8B-B14F-4D97-AF65-F5344CB8AC3E}">
-        <p14:creationId xmlns:p14="http://schemas.microsoft.com/office/powerpoint/2010/main" val="1595592048"/>
+        <p14:creationId xmlns:p14="http://schemas.microsoft.com/office/powerpoint/2010/main" val="904771451"/>
       </p:ext>
     </p:extLst>
   </p:cSld>
@@ -7932,10 +7363,10 @@
       </p:grpSpPr>
       <p:sp>
         <p:nvSpPr>
-          <p:cNvPr id="2" name="Номер слайда 1">
-            <a:extLst>
-              <a:ext uri="{FF2B5EF4-FFF2-40B4-BE49-F238E27FC236}">
-                <a16:creationId xmlns:a16="http://schemas.microsoft.com/office/drawing/2014/main" id="{C55D2C5D-B64D-411D-8038-EBEE9F5174B3}"/>
+          <p:cNvPr id="4" name="Номер слайда 3">
+            <a:extLst>
+              <a:ext uri="{FF2B5EF4-FFF2-40B4-BE49-F238E27FC236}">
+                <a16:creationId xmlns:a16="http://schemas.microsoft.com/office/drawing/2014/main" id="{1A257828-7ADF-4C0B-BD1B-9DBE99B46649}"/>
               </a:ext>
             </a:extLst>
           </p:cNvPr>
@@ -7946,7 +7377,12 @@
             <p:ph type="sldNum" sz="quarter" idx="12"/>
           </p:nvPr>
         </p:nvSpPr>
-        <p:spPr/>
+        <p:spPr>
+          <a:xfrm>
+            <a:off x="131618" y="6356350"/>
+            <a:ext cx="459509" cy="365125"/>
+          </a:xfrm>
+        </p:spPr>
         <p:txBody>
           <a:bodyPr/>
           <a:lstStyle/>
@@ -7956,133 +7392,168 @@
               <a:pPr/>
               <a:t>9</a:t>
             </a:fld>
-            <a:endParaRPr lang="ru-RU" dirty="0"/>
-          </a:p>
-        </p:txBody>
-      </p:sp>
-      <p:sp>
-        <p:nvSpPr>
-          <p:cNvPr id="3" name="TextBox 2">
-            <a:extLst>
-              <a:ext uri="{FF2B5EF4-FFF2-40B4-BE49-F238E27FC236}">
-                <a16:creationId xmlns:a16="http://schemas.microsoft.com/office/drawing/2014/main" id="{F94534F3-F9AA-4DDD-A490-8FCCD37E24F3}"/>
-              </a:ext>
-            </a:extLst>
-          </p:cNvPr>
-          <p:cNvSpPr txBox="1"/>
-          <p:nvPr/>
+            <a:endParaRPr lang="ru-RU"/>
+          </a:p>
+        </p:txBody>
+      </p:sp>
+      <p:sp>
+        <p:nvSpPr>
+          <p:cNvPr id="9" name="Заголовок 8">
+            <a:extLst>
+              <a:ext uri="{FF2B5EF4-FFF2-40B4-BE49-F238E27FC236}">
+                <a16:creationId xmlns:a16="http://schemas.microsoft.com/office/drawing/2014/main" id="{E25D0E35-6FDD-4F67-A070-722FEFA852E8}"/>
+              </a:ext>
+            </a:extLst>
+          </p:cNvPr>
+          <p:cNvSpPr>
+            <a:spLocks noGrp="1"/>
+          </p:cNvSpPr>
+          <p:nvPr>
+            <p:ph type="title"/>
+          </p:nvPr>
         </p:nvSpPr>
         <p:spPr>
           <a:xfrm>
-            <a:off x="4080159" y="360000"/>
-            <a:ext cx="4031681" cy="540000"/>
+            <a:off x="718457" y="0"/>
+            <a:ext cx="10755088" cy="1520890"/>
           </a:xfrm>
-          <a:prstGeom prst="rect">
-            <a:avLst/>
-          </a:prstGeom>
-          <a:noFill/>
         </p:spPr>
         <p:txBody>
-          <a:bodyPr wrap="none" rtlCol="0">
-            <a:spAutoFit/>
-          </a:bodyPr>
-          <a:lstStyle/>
-          <a:p>
-            <a:r>
-              <a:rPr lang="en-US" sz="2800" dirty="0">
-                <a:latin typeface="Times New Roman" panose="02020603050405020304" pitchFamily="18" charset="0"/>
-                <a:cs typeface="Times New Roman" panose="02020603050405020304" pitchFamily="18" charset="0"/>
-              </a:rPr>
-              <a:t> </a:t>
-            </a:r>
-            <a:r>
-              <a:rPr lang="ru-RU" sz="2800" dirty="0">
-                <a:latin typeface="Times New Roman" panose="02020603050405020304" pitchFamily="18" charset="0"/>
-                <a:cs typeface="Times New Roman" panose="02020603050405020304" pitchFamily="18" charset="0"/>
-              </a:rPr>
-              <a:t>Диаграмма компонентов</a:t>
-            </a:r>
-          </a:p>
-        </p:txBody>
-      </p:sp>
-      <p:sp>
-        <p:nvSpPr>
-          <p:cNvPr id="6" name="AutoShape 4" descr="alt text">
-            <a:extLst>
-              <a:ext uri="{FF2B5EF4-FFF2-40B4-BE49-F238E27FC236}">
-                <a16:creationId xmlns:a16="http://schemas.microsoft.com/office/drawing/2014/main" id="{583FDFD9-F0EF-4296-8F90-C389ACEC6AA8}"/>
-              </a:ext>
-            </a:extLst>
-          </p:cNvPr>
-          <p:cNvSpPr>
-            <a:spLocks noChangeAspect="1" noChangeArrowheads="1"/>
-          </p:cNvSpPr>
-          <p:nvPr/>
-        </p:nvSpPr>
-        <p:spPr bwMode="auto">
-          <a:xfrm>
-            <a:off x="5943600" y="3276600"/>
-            <a:ext cx="304800" cy="304800"/>
-          </a:xfrm>
-          <a:prstGeom prst="rect">
-            <a:avLst/>
-          </a:prstGeom>
-          <a:noFill/>
-          <a:extLst>
-            <a:ext uri="{909E8E84-426E-40DD-AFC4-6F175D3DCCD1}">
-              <a14:hiddenFill xmlns:a14="http://schemas.microsoft.com/office/drawing/2010/main">
-                <a:solidFill>
-                  <a:srgbClr val="FFFFFF"/>
-                </a:solidFill>
-              </a14:hiddenFill>
-            </a:ext>
-          </a:extLst>
-        </p:spPr>
-        <p:txBody>
-          <a:bodyPr vert="horz" wrap="square" lIns="91440" tIns="45720" rIns="91440" bIns="45720" numCol="1" anchor="t" anchorCtr="0" compatLnSpc="1">
-            <a:prstTxWarp prst="textNoShape">
-              <a:avLst/>
-            </a:prstTxWarp>
-          </a:bodyPr>
-          <a:lstStyle/>
-          <a:p>
-            <a:endParaRPr lang="ru-RU"/>
-          </a:p>
-        </p:txBody>
-      </p:sp>
-      <p:pic>
-        <p:nvPicPr>
-          <p:cNvPr id="7" name="Рисунок 6">
-            <a:extLst>
-              <a:ext uri="{FF2B5EF4-FFF2-40B4-BE49-F238E27FC236}">
-                <a16:creationId xmlns:a16="http://schemas.microsoft.com/office/drawing/2014/main" id="{F3651987-54B3-451E-8DEB-A8CE87450245}"/>
-              </a:ext>
-            </a:extLst>
-          </p:cNvPr>
-          <p:cNvPicPr>
-            <a:picLocks noChangeAspect="1"/>
-          </p:cNvPicPr>
-          <p:nvPr/>
-        </p:nvPicPr>
-        <p:blipFill rotWithShape="1">
-          <a:blip r:embed="rId2"/>
-          <a:srcRect b="47256"/>
-          <a:stretch/>
-        </p:blipFill>
+          <a:bodyPr/>
+          <a:lstStyle/>
+          <a:p>
+            <a:r>
+              <a:rPr lang="ru-RU" dirty="0"/>
+              <a:t>Оценка системы</a:t>
+            </a:r>
+          </a:p>
+        </p:txBody>
+      </p:sp>
+      <p:sp>
+        <p:nvSpPr>
+          <p:cNvPr id="10" name="Текст 9">
+            <a:extLst>
+              <a:ext uri="{FF2B5EF4-FFF2-40B4-BE49-F238E27FC236}">
+                <a16:creationId xmlns:a16="http://schemas.microsoft.com/office/drawing/2014/main" id="{9B55C851-C121-49EC-8F7B-5BD203D162F9}"/>
+              </a:ext>
+            </a:extLst>
+          </p:cNvPr>
+          <p:cNvSpPr>
+            <a:spLocks noGrp="1"/>
+          </p:cNvSpPr>
+          <p:nvPr>
+            <p:ph type="body" sz="quarter" idx="13"/>
+          </p:nvPr>
+        </p:nvSpPr>
         <p:spPr>
           <a:xfrm>
-            <a:off x="3487958" y="1233166"/>
-            <a:ext cx="5520884" cy="4696467"/>
+            <a:off x="718456" y="1520890"/>
+            <a:ext cx="10755088" cy="4835460"/>
+          </a:xfrm>
+        </p:spPr>
+        <p:txBody>
+          <a:bodyPr/>
+          <a:lstStyle/>
+          <a:p>
+            <a:r>
+              <a:rPr lang="en-US" dirty="0"/>
+              <a:t>FRAMES</a:t>
+            </a:r>
+            <a:endParaRPr lang="ru-RU" dirty="0"/>
+          </a:p>
+          <a:p>
+            <a:pPr lvl="1"/>
+            <a:r>
+              <a:rPr lang="ru-RU" dirty="0" err="1"/>
+              <a:t>Датасет</a:t>
+            </a:r>
+            <a:r>
+              <a:rPr lang="ru-RU" dirty="0"/>
+              <a:t> для задач вопросно-ответного поиска (QA) на научных статьях в области обработки естественного языка (NLP). Он включает 5,049 вопросов, относящихся к 1,585 научным статьям по NLP. </a:t>
+            </a:r>
+          </a:p>
+          <a:p>
+            <a:r>
+              <a:rPr lang="ru-RU" dirty="0"/>
+              <a:t>RAGAS</a:t>
+            </a:r>
+          </a:p>
+          <a:p>
+            <a:pPr lvl="1"/>
+            <a:r>
+              <a:rPr lang="ru-RU" dirty="0"/>
+              <a:t>В RAGAS есть отдельные метрики для </a:t>
+            </a:r>
+            <a:r>
+              <a:rPr lang="ru-RU" dirty="0" err="1"/>
+              <a:t>Retrieval</a:t>
+            </a:r>
+            <a:r>
+              <a:rPr lang="ru-RU" dirty="0"/>
+              <a:t> и Generation частей RAG-системы, что позволяет декомпозировать оценку всей системы на оценку её составляющих. Такими метриками проще отслеживать проблемные места системы, а также реакцию на изменения компонентов/параметров RAG.</a:t>
+            </a:r>
+          </a:p>
+          <a:p>
+            <a:endParaRPr lang="ru-RU" dirty="0"/>
+          </a:p>
+        </p:txBody>
+      </p:sp>
+      <p:sp>
+        <p:nvSpPr>
+          <p:cNvPr id="6" name="Заголовок 1">
+            <a:extLst>
+              <a:ext uri="{FF2B5EF4-FFF2-40B4-BE49-F238E27FC236}">
+                <a16:creationId xmlns:a16="http://schemas.microsoft.com/office/drawing/2014/main" id="{6AC70CF8-D841-4EA3-9226-024DCC73EE6E}"/>
+              </a:ext>
+            </a:extLst>
+          </p:cNvPr>
+          <p:cNvSpPr txBox="1">
+            <a:spLocks/>
+          </p:cNvSpPr>
+          <p:nvPr/>
+        </p:nvSpPr>
+        <p:spPr>
+          <a:xfrm>
+            <a:off x="838200" y="360000"/>
+            <a:ext cx="10515600" cy="540000"/>
           </a:xfrm>
           <a:prstGeom prst="rect">
             <a:avLst/>
           </a:prstGeom>
         </p:spPr>
-      </p:pic>
+        <p:txBody>
+          <a:bodyPr>
+            <a:normAutofit/>
+          </a:bodyPr>
+          <a:lstStyle>
+            <a:lvl1pPr algn="l" defTabSz="914400" rtl="0" eaLnBrk="1" latinLnBrk="0" hangingPunct="1">
+              <a:lnSpc>
+                <a:spcPct val="90000"/>
+              </a:lnSpc>
+              <a:spcBef>
+                <a:spcPct val="0"/>
+              </a:spcBef>
+              <a:buNone/>
+              <a:defRPr sz="4400" kern="1200">
+                <a:solidFill>
+                  <a:schemeClr val="tx1"/>
+                </a:solidFill>
+                <a:latin typeface="+mj-lt"/>
+                <a:ea typeface="+mj-ea"/>
+                <a:cs typeface="+mj-cs"/>
+              </a:defRPr>
+            </a:lvl1pPr>
+          </a:lstStyle>
+          <a:p>
+            <a:pPr algn="ctr"/>
+            <a:endParaRPr lang="ru-RU" sz="2800" dirty="0"/>
+          </a:p>
+        </p:txBody>
+      </p:sp>
     </p:spTree>
     <p:extLst>
       <p:ext uri="{BB962C8B-B14F-4D97-AF65-F5344CB8AC3E}">
-        <p14:creationId xmlns:p14="http://schemas.microsoft.com/office/powerpoint/2010/main" val="3778390893"/>
+        <p14:creationId xmlns:p14="http://schemas.microsoft.com/office/powerpoint/2010/main" val="3887349767"/>
       </p:ext>
     </p:extLst>
   </p:cSld>
@@ -8133,14 +7604,14 @@
         <a:srgbClr val="954F72"/>
       </a:folHlink>
     </a:clrScheme>
-    <a:fontScheme name="Стандартная">
+    <a:fontScheme name="Times New Roman/Arial">
       <a:majorFont>
-        <a:latin typeface="Calibri Light" panose="020F0302020204030204"/>
+        <a:latin typeface="Times New Roman" panose="02020603050405020304"/>
         <a:ea typeface=""/>
         <a:cs typeface=""/>
-        <a:font script="Jpan" typeface="游ゴシック Light"/>
-        <a:font script="Hang" typeface="맑은 고딕"/>
-        <a:font script="Hans" typeface="等线 Light"/>
+        <a:font script="Jpan" typeface="ＭＳ Ｐ明朝"/>
+        <a:font script="Hang" typeface="바탕"/>
+        <a:font script="Hans" typeface="宋体"/>
         <a:font script="Hant" typeface="新細明體"/>
         <a:font script="Arab" typeface="Times New Roman"/>
         <a:font script="Hebr" typeface="Times New Roman"/>
@@ -8168,32 +7639,15 @@
         <a:font script="Viet" typeface="Times New Roman"/>
         <a:font script="Uigh" typeface="Microsoft Uighur"/>
         <a:font script="Geor" typeface="Sylfaen"/>
-        <a:font script="Armn" typeface="Arial"/>
-        <a:font script="Bugi" typeface="Leelawadee UI"/>
-        <a:font script="Bopo" typeface="Microsoft JhengHei"/>
-        <a:font script="Java" typeface="Javanese Text"/>
-        <a:font script="Lisu" typeface="Segoe UI"/>
-        <a:font script="Mymr" typeface="Myanmar Text"/>
-        <a:font script="Nkoo" typeface="Ebrima"/>
-        <a:font script="Olck" typeface="Nirmala UI"/>
-        <a:font script="Osma" typeface="Ebrima"/>
-        <a:font script="Phag" typeface="Phagspa"/>
-        <a:font script="Syrn" typeface="Estrangelo Edessa"/>
-        <a:font script="Syrj" typeface="Estrangelo Edessa"/>
-        <a:font script="Syre" typeface="Estrangelo Edessa"/>
-        <a:font script="Sora" typeface="Nirmala UI"/>
-        <a:font script="Tale" typeface="Microsoft Tai Le"/>
-        <a:font script="Talu" typeface="Microsoft New Tai Lue"/>
-        <a:font script="Tfng" typeface="Ebrima"/>
       </a:majorFont>
       <a:minorFont>
-        <a:latin typeface="Calibri" panose="020F0502020204030204"/>
+        <a:latin typeface="Arial" panose="020B0604020202020204"/>
         <a:ea typeface=""/>
         <a:cs typeface=""/>
-        <a:font script="Jpan" typeface="游ゴシック"/>
-        <a:font script="Hang" typeface="맑은 고딕"/>
-        <a:font script="Hans" typeface="等线"/>
-        <a:font script="Hant" typeface="新細明體"/>
+        <a:font script="Jpan" typeface="ＭＳ Ｐゴシック"/>
+        <a:font script="Hang" typeface="돋움"/>
+        <a:font script="Hans" typeface="黑体"/>
+        <a:font script="Hant" typeface="微軟正黑體"/>
         <a:font script="Arab" typeface="Arial"/>
         <a:font script="Hebr" typeface="Arial"/>
         <a:font script="Thai" typeface="Cordia New"/>
@@ -8220,23 +7674,6 @@
         <a:font script="Viet" typeface="Arial"/>
         <a:font script="Uigh" typeface="Microsoft Uighur"/>
         <a:font script="Geor" typeface="Sylfaen"/>
-        <a:font script="Armn" typeface="Arial"/>
-        <a:font script="Bugi" typeface="Leelawadee UI"/>
-        <a:font script="Bopo" typeface="Microsoft JhengHei"/>
-        <a:font script="Java" typeface="Javanese Text"/>
-        <a:font script="Lisu" typeface="Segoe UI"/>
-        <a:font script="Mymr" typeface="Myanmar Text"/>
-        <a:font script="Nkoo" typeface="Ebrima"/>
-        <a:font script="Olck" typeface="Nirmala UI"/>
-        <a:font script="Osma" typeface="Ebrima"/>
-        <a:font script="Phag" typeface="Phagspa"/>
-        <a:font script="Syrn" typeface="Estrangelo Edessa"/>
-        <a:font script="Syrj" typeface="Estrangelo Edessa"/>
-        <a:font script="Syre" typeface="Estrangelo Edessa"/>
-        <a:font script="Sora" typeface="Nirmala UI"/>
-        <a:font script="Tale" typeface="Microsoft Tai Le"/>
-        <a:font script="Talu" typeface="Microsoft New Tai Lue"/>
-        <a:font script="Tfng" typeface="Ebrima"/>
       </a:minorFont>
     </a:fontScheme>
     <a:fmtScheme name="Стандартная">
